--- a/source_2021/2_day_stat_regression/source/기초통계 - t-test.pptx
+++ b/source_2021/2_day_stat_regression/source/기초통계 - t-test.pptx
@@ -5,19 +5,20 @@
     <p:sldMasterId id="2147484257" r:id="rId1"/>
   </p:sldMasterIdLst>
   <p:notesMasterIdLst>
-    <p:notesMasterId r:id="rId12"/>
+    <p:notesMasterId r:id="rId13"/>
   </p:notesMasterIdLst>
   <p:sldIdLst>
     <p:sldId id="490" r:id="rId2"/>
-    <p:sldId id="489" r:id="rId3"/>
-    <p:sldId id="492" r:id="rId4"/>
-    <p:sldId id="493" r:id="rId5"/>
-    <p:sldId id="511" r:id="rId6"/>
-    <p:sldId id="512" r:id="rId7"/>
-    <p:sldId id="513" r:id="rId8"/>
-    <p:sldId id="508" r:id="rId9"/>
-    <p:sldId id="510" r:id="rId10"/>
-    <p:sldId id="509" r:id="rId11"/>
+    <p:sldId id="510" r:id="rId3"/>
+    <p:sldId id="517" r:id="rId4"/>
+    <p:sldId id="516" r:id="rId5"/>
+    <p:sldId id="509" r:id="rId6"/>
+    <p:sldId id="515" r:id="rId7"/>
+    <p:sldId id="493" r:id="rId8"/>
+    <p:sldId id="511" r:id="rId9"/>
+    <p:sldId id="512" r:id="rId10"/>
+    <p:sldId id="514" r:id="rId11"/>
+    <p:sldId id="513" r:id="rId12"/>
   </p:sldIdLst>
   <p:sldSz cx="9906000" cy="6858000" type="A4"/>
   <p:notesSz cx="6858000" cy="9144000"/>
@@ -358,7 +359,7 @@
               <a:pPr>
                 <a:defRPr/>
               </a:pPr>
-              <a:t>2022-02-09</a:t>
+              <a:t>2022-02-14</a:t>
             </a:fld>
             <a:endParaRPr lang="ko-KR" altLang="en-US"/>
           </a:p>
@@ -3422,6 +3423,23 @@
               <a:t> – </a:t>
             </a:r>
             <a:r>
+              <a:rPr kumimoji="0" lang="en-US" altLang="ko-KR" sz="3900" spc="-122" dirty="0" smtClean="0">
+                <a:ln w="5080">
+                  <a:solidFill>
+                    <a:prstClr val="white">
+                      <a:alpha val="40000"/>
+                    </a:prstClr>
+                  </a:solidFill>
+                </a:ln>
+                <a:solidFill>
+                  <a:prstClr val="white"/>
+                </a:solidFill>
+                <a:latin typeface="Gothic A1 SemiBold"/>
+                <a:sym typeface="Helvetica Neue"/>
+              </a:rPr>
+              <a:t>One Sample</a:t>
+            </a:r>
+            <a:r>
               <a:rPr kumimoji="0" lang="ko-KR" altLang="en-US" sz="3900" spc="-122" dirty="0" smtClean="0">
                 <a:ln w="5080">
                   <a:solidFill>
@@ -3436,7 +3454,7 @@
                 <a:latin typeface="Gothic A1 SemiBold"/>
                 <a:sym typeface="Helvetica Neue"/>
               </a:rPr>
-              <a:t>두 집단의 평균 비교 </a:t>
+              <a:t> </a:t>
             </a:r>
             <a:r>
               <a:rPr kumimoji="0" lang="en-US" altLang="ko-KR" sz="3900" spc="-122" dirty="0" smtClean="0">
@@ -3453,24 +3471,7 @@
                 <a:latin typeface="Gothic A1 SemiBold"/>
                 <a:sym typeface="Helvetica Neue"/>
               </a:rPr>
-              <a:t>(t-test</a:t>
-            </a:r>
-            <a:r>
-              <a:rPr kumimoji="0" lang="en-US" altLang="ko-KR" sz="3900" spc="-122" dirty="0">
-                <a:ln w="5080">
-                  <a:solidFill>
-                    <a:prstClr val="white">
-                      <a:alpha val="40000"/>
-                    </a:prstClr>
-                  </a:solidFill>
-                </a:ln>
-                <a:solidFill>
-                  <a:prstClr val="white"/>
-                </a:solidFill>
-                <a:latin typeface="Gothic A1 SemiBold"/>
-                <a:sym typeface="Helvetica Neue"/>
-              </a:rPr>
-              <a:t>)</a:t>
+              <a:t>(t-test)</a:t>
             </a:r>
             <a:endParaRPr kumimoji="0" lang="ko-KR" altLang="en-US" sz="3900" spc="-122" dirty="0">
               <a:ln w="5080">
@@ -3710,16 +3711,16 @@
               <a:buNone/>
             </a:pPr>
             <a:r>
+              <a:rPr lang="ko-KR" altLang="en-US" sz="2400" b="0" dirty="0"/>
+              <a:t>❑ </a:t>
+            </a:r>
+            <a:r>
               <a:rPr lang="ko-KR" altLang="en-US" sz="2400" b="0" dirty="0" smtClean="0"/>
-              <a:t>❑ </a:t>
-            </a:r>
-            <a:r>
-              <a:rPr lang="ko-KR" altLang="en-US" sz="2400" b="0" dirty="0" err="1" smtClean="0"/>
-              <a:t>모비율</a:t>
-            </a:r>
-            <a:r>
-              <a:rPr lang="ko-KR" altLang="en-US" sz="2400" b="0" dirty="0" smtClean="0"/>
-              <a:t> 검정</a:t>
+              <a:t>정규성 검정 </a:t>
+            </a:r>
+            <a:r>
+              <a:rPr lang="en-US" altLang="ko-KR" sz="2400" b="0" dirty="0" smtClean="0"/>
+              <a:t>(Shapiro – Wilk’s Test)</a:t>
             </a:r>
             <a:endParaRPr lang="ko-KR" altLang="en-US" sz="1800" b="0" dirty="0"/>
           </a:p>
@@ -3727,7 +3728,7 @@
       </p:sp>
       <p:sp>
         <p:nvSpPr>
-          <p:cNvPr id="8" name="TextBox 7">
+          <p:cNvPr id="4" name="TextBox 3">
             <a:extLst>
               <a:ext uri="{FF2B5EF4-FFF2-40B4-BE49-F238E27FC236}">
                 <a16:creationId xmlns:a16="http://schemas.microsoft.com/office/drawing/2014/main" id="{950E22D6-7D3C-044D-844A-0EF328822ACD}"/>
@@ -3740,7 +3741,7 @@
         <p:spPr>
           <a:xfrm>
             <a:off x="850403" y="1009319"/>
-            <a:ext cx="8822122" cy="2850011"/>
+            <a:ext cx="8822122" cy="3416320"/>
           </a:xfrm>
           <a:prstGeom prst="rect">
             <a:avLst/>
@@ -3753,80 +3754,6 @@
           </a:bodyPr>
           <a:lstStyle/>
           <a:p>
-            <a:pPr marL="285750" indent="-285750">
-              <a:lnSpc>
-                <a:spcPct val="200000"/>
-              </a:lnSpc>
-              <a:buFont typeface="Courier New" panose="02070309020205020404" pitchFamily="49" charset="0"/>
-              <a:buChar char="o"/>
-            </a:pPr>
-            <a:r>
-              <a:rPr lang="ko-KR" altLang="en-US" sz="1600" dirty="0" smtClean="0"/>
-              <a:t>가설 설정</a:t>
-            </a:r>
-            <a:endParaRPr lang="en-US" altLang="ko-KR" sz="1600" dirty="0" smtClean="0"/>
-          </a:p>
-          <a:p>
-            <a:pPr marL="742950" lvl="1" indent="-285750">
-              <a:lnSpc>
-                <a:spcPct val="200000"/>
-              </a:lnSpc>
-              <a:buFont typeface="맑은 고딕" panose="020B0503020000020004" pitchFamily="50" charset="-127"/>
-              <a:buChar char="√"/>
-            </a:pPr>
-            <a:r>
-              <a:rPr lang="ko-KR" altLang="en-US" sz="1600" dirty="0" err="1" smtClean="0"/>
-              <a:t>귀무가설</a:t>
-            </a:r>
-            <a:r>
-              <a:rPr lang="en-US" altLang="ko-KR" sz="1600" dirty="0" smtClean="0"/>
-              <a:t>: </a:t>
-            </a:r>
-            <a:r>
-              <a:rPr lang="ko-KR" altLang="en-US" sz="1600" dirty="0" smtClean="0"/>
-              <a:t>핸드폰 액정의 불량률은 </a:t>
-            </a:r>
-            <a:r>
-              <a:rPr lang="en-US" altLang="ko-KR" sz="1600" dirty="0" smtClean="0"/>
-              <a:t>10% </a:t>
-            </a:r>
-            <a:r>
-              <a:rPr lang="ko-KR" altLang="en-US" sz="1600" dirty="0" smtClean="0"/>
-              <a:t>미만이다</a:t>
-            </a:r>
-            <a:endParaRPr lang="en-US" altLang="ko-KR" sz="1600" dirty="0" smtClean="0"/>
-          </a:p>
-          <a:p>
-            <a:pPr marL="742950" lvl="1" indent="-285750">
-              <a:lnSpc>
-                <a:spcPct val="200000"/>
-              </a:lnSpc>
-              <a:buFont typeface="맑은 고딕" panose="020B0503020000020004" pitchFamily="50" charset="-127"/>
-              <a:buChar char="√"/>
-            </a:pPr>
-            <a:r>
-              <a:rPr lang="ko-KR" altLang="en-US" sz="1600" dirty="0" err="1" smtClean="0"/>
-              <a:t>대립가설</a:t>
-            </a:r>
-            <a:r>
-              <a:rPr lang="en-US" altLang="ko-KR" sz="1600" dirty="0" smtClean="0"/>
-              <a:t>: </a:t>
-            </a:r>
-            <a:r>
-              <a:rPr lang="ko-KR" altLang="en-US" sz="1600" dirty="0" smtClean="0"/>
-              <a:t>핸드폰 액정의 불량률은 </a:t>
-            </a:r>
-            <a:r>
-              <a:rPr lang="en-US" altLang="ko-KR" sz="1600" dirty="0" smtClean="0"/>
-              <a:t>10%</a:t>
-            </a:r>
-            <a:r>
-              <a:rPr lang="ko-KR" altLang="en-US" sz="1600" dirty="0" smtClean="0"/>
-              <a:t>를 넘는다</a:t>
-            </a:r>
-            <a:endParaRPr lang="en-US" altLang="ko-KR" sz="1600" dirty="0" smtClean="0"/>
-          </a:p>
-          <a:p>
             <a:pPr marL="285750" lvl="0" indent="-285750">
               <a:lnSpc>
                 <a:spcPct val="200000"/>
@@ -3840,7 +3767,161 @@
                   <a:srgbClr val="000000"/>
                 </a:solidFill>
               </a:rPr>
-              <a:t>데이터 현황</a:t>
+              <a:t>가설 검정</a:t>
+            </a:r>
+            <a:endParaRPr lang="en-US" altLang="ko-KR" sz="1600" dirty="0" smtClean="0">
+              <a:solidFill>
+                <a:srgbClr val="000000"/>
+              </a:solidFill>
+            </a:endParaRPr>
+          </a:p>
+          <a:p>
+            <a:pPr marL="742950" lvl="1" indent="-285750">
+              <a:lnSpc>
+                <a:spcPct val="200000"/>
+              </a:lnSpc>
+              <a:buFont typeface="Wingdings" panose="05000000000000000000" pitchFamily="2" charset="2"/>
+              <a:buChar char="ü"/>
+            </a:pPr>
+            <a:r>
+              <a:rPr lang="ko-KR" altLang="en-US" sz="1600" dirty="0" err="1" smtClean="0">
+                <a:solidFill>
+                  <a:srgbClr val="000000"/>
+                </a:solidFill>
+              </a:rPr>
+              <a:t>귀무가설</a:t>
+            </a:r>
+            <a:r>
+              <a:rPr lang="ko-KR" altLang="en-US" sz="1600" dirty="0" smtClean="0">
+                <a:solidFill>
+                  <a:srgbClr val="000000"/>
+                </a:solidFill>
+              </a:rPr>
+              <a:t> </a:t>
+            </a:r>
+            <a:r>
+              <a:rPr lang="en-US" altLang="ko-KR" sz="1600" dirty="0" smtClean="0">
+                <a:solidFill>
+                  <a:srgbClr val="000000"/>
+                </a:solidFill>
+              </a:rPr>
+              <a:t>(H</a:t>
+            </a:r>
+            <a:r>
+              <a:rPr lang="en-US" altLang="ko-KR" sz="1600" baseline="-25000" dirty="0" smtClean="0">
+                <a:solidFill>
+                  <a:srgbClr val="000000"/>
+                </a:solidFill>
+              </a:rPr>
+              <a:t>0</a:t>
+            </a:r>
+            <a:r>
+              <a:rPr lang="en-US" altLang="ko-KR" sz="1600" dirty="0" smtClean="0">
+                <a:solidFill>
+                  <a:srgbClr val="000000"/>
+                </a:solidFill>
+              </a:rPr>
+              <a:t>) : </a:t>
+            </a:r>
+            <a:r>
+              <a:rPr lang="ko-KR" altLang="en-US" sz="1600" dirty="0" smtClean="0">
+                <a:solidFill>
+                  <a:srgbClr val="000000"/>
+                </a:solidFill>
+              </a:rPr>
+              <a:t>데이터가 정규분포를 따른다</a:t>
+            </a:r>
+            <a:endParaRPr lang="en-US" altLang="ko-KR" sz="1600" dirty="0" smtClean="0">
+              <a:solidFill>
+                <a:srgbClr val="000000"/>
+              </a:solidFill>
+            </a:endParaRPr>
+          </a:p>
+          <a:p>
+            <a:pPr marL="742950" lvl="1" indent="-285750">
+              <a:lnSpc>
+                <a:spcPct val="200000"/>
+              </a:lnSpc>
+              <a:buFont typeface="Wingdings" panose="05000000000000000000" pitchFamily="2" charset="2"/>
+              <a:buChar char="ü"/>
+            </a:pPr>
+            <a:r>
+              <a:rPr lang="ko-KR" altLang="en-US" sz="1600" dirty="0" err="1" smtClean="0">
+                <a:solidFill>
+                  <a:srgbClr val="000000"/>
+                </a:solidFill>
+              </a:rPr>
+              <a:t>대립가설</a:t>
+            </a:r>
+            <a:r>
+              <a:rPr lang="ko-KR" altLang="en-US" sz="1600" dirty="0" smtClean="0">
+                <a:solidFill>
+                  <a:srgbClr val="000000"/>
+                </a:solidFill>
+              </a:rPr>
+              <a:t> </a:t>
+            </a:r>
+            <a:r>
+              <a:rPr lang="en-US" altLang="ko-KR" sz="1600" dirty="0" smtClean="0">
+                <a:solidFill>
+                  <a:srgbClr val="000000"/>
+                </a:solidFill>
+              </a:rPr>
+              <a:t>(H</a:t>
+            </a:r>
+            <a:r>
+              <a:rPr lang="en-US" altLang="ko-KR" sz="1600" baseline="-25000" dirty="0" smtClean="0">
+                <a:solidFill>
+                  <a:srgbClr val="000000"/>
+                </a:solidFill>
+              </a:rPr>
+              <a:t>1</a:t>
+            </a:r>
+            <a:r>
+              <a:rPr lang="en-US" altLang="ko-KR" sz="1600" dirty="0" smtClean="0">
+                <a:solidFill>
+                  <a:srgbClr val="000000"/>
+                </a:solidFill>
+              </a:rPr>
+              <a:t>) : </a:t>
+            </a:r>
+            <a:r>
+              <a:rPr lang="ko-KR" altLang="en-US" sz="1600" dirty="0" smtClean="0">
+                <a:solidFill>
+                  <a:srgbClr val="000000"/>
+                </a:solidFill>
+              </a:rPr>
+              <a:t>데이터가 정규분포를 따르지 않는다</a:t>
+            </a:r>
+            <a:endParaRPr lang="en-US" altLang="ko-KR" sz="1600" dirty="0" smtClean="0">
+              <a:solidFill>
+                <a:srgbClr val="000000"/>
+              </a:solidFill>
+            </a:endParaRPr>
+          </a:p>
+          <a:p>
+            <a:pPr marL="285750" lvl="0" indent="-285750">
+              <a:lnSpc>
+                <a:spcPct val="200000"/>
+              </a:lnSpc>
+              <a:buFont typeface="Courier New" panose="02070309020205020404" pitchFamily="49" charset="0"/>
+              <a:buChar char="o"/>
+            </a:pPr>
+            <a:r>
+              <a:rPr lang="en-US" altLang="ko-KR" sz="1600" dirty="0" smtClean="0">
+                <a:solidFill>
+                  <a:srgbClr val="000000"/>
+                </a:solidFill>
+              </a:rPr>
+              <a:t>P-value </a:t>
+            </a:r>
+            <a:r>
+              <a:rPr lang="ko-KR" altLang="en-US" sz="1600" dirty="0" smtClean="0">
+                <a:solidFill>
+                  <a:srgbClr val="000000"/>
+                </a:solidFill>
+              </a:rPr>
+              <a:t>해석</a:t>
             </a:r>
             <a:endParaRPr lang="en-US" altLang="ko-KR" sz="1600" dirty="0">
               <a:solidFill>
@@ -3853,306 +3934,115 @@
               <a:lnSpc>
                 <a:spcPct val="200000"/>
               </a:lnSpc>
-              <a:buFont typeface="맑은 고딕" panose="020B0503020000020004" pitchFamily="50" charset="-127"/>
-              <a:buChar char="√"/>
+              <a:buFont typeface="Wingdings" panose="05000000000000000000" pitchFamily="2" charset="2"/>
+              <a:buChar char="ü"/>
             </a:pPr>
             <a:r>
-              <a:rPr lang="ko-KR" altLang="en-US" sz="1600" dirty="0" smtClean="0"/>
-              <a:t>표본의 수는 </a:t>
-            </a:r>
-            <a:r>
-              <a:rPr lang="en-US" altLang="ko-KR" sz="1600" dirty="0" smtClean="0"/>
-              <a:t>200</a:t>
-            </a:r>
-            <a:r>
-              <a:rPr lang="ko-KR" altLang="en-US" sz="1600" dirty="0" smtClean="0"/>
-              <a:t>개</a:t>
-            </a:r>
-            <a:r>
-              <a:rPr lang="en-US" altLang="ko-KR" sz="1600" dirty="0" smtClean="0"/>
-              <a:t>, </a:t>
-            </a:r>
-            <a:r>
-              <a:rPr lang="ko-KR" altLang="en-US" sz="1600" dirty="0" smtClean="0"/>
-              <a:t>총 </a:t>
-            </a:r>
-            <a:r>
-              <a:rPr lang="en-US" altLang="ko-KR" sz="1600" dirty="0" smtClean="0"/>
-              <a:t>22</a:t>
-            </a:r>
-            <a:r>
-              <a:rPr lang="ko-KR" altLang="en-US" sz="1600" dirty="0" smtClean="0"/>
-              <a:t>개가 불량으로 확인됨</a:t>
-            </a:r>
-            <a:endParaRPr lang="en-US" altLang="ko-KR" sz="1600" dirty="0" smtClean="0"/>
+              <a:rPr lang="en-US" altLang="ko-KR" sz="1600" dirty="0" smtClean="0">
+                <a:solidFill>
+                  <a:srgbClr val="000000"/>
+                </a:solidFill>
+              </a:rPr>
+              <a:t>p-value &gt; 0.05 : </a:t>
+            </a:r>
+            <a:r>
+              <a:rPr lang="ko-KR" altLang="en-US" sz="1600" dirty="0" err="1" smtClean="0">
+                <a:solidFill>
+                  <a:srgbClr val="000000"/>
+                </a:solidFill>
+              </a:rPr>
+              <a:t>귀무가설</a:t>
+            </a:r>
+            <a:r>
+              <a:rPr lang="ko-KR" altLang="en-US" sz="1600" dirty="0" smtClean="0">
+                <a:solidFill>
+                  <a:srgbClr val="000000"/>
+                </a:solidFill>
+              </a:rPr>
+              <a:t> 채택 </a:t>
+            </a:r>
+            <a:r>
+              <a:rPr lang="en-US" altLang="ko-KR" sz="1600" dirty="0" smtClean="0">
+                <a:solidFill>
+                  <a:srgbClr val="000000"/>
+                </a:solidFill>
+              </a:rPr>
+              <a:t>= </a:t>
+            </a:r>
+            <a:r>
+              <a:rPr lang="ko-KR" altLang="en-US" sz="1600" dirty="0" smtClean="0">
+                <a:solidFill>
+                  <a:srgbClr val="000000"/>
+                </a:solidFill>
+              </a:rPr>
+              <a:t>데이터가 정규분포를 따른다</a:t>
+            </a:r>
+            <a:endParaRPr lang="en-US" altLang="ko-KR" sz="1600" dirty="0" smtClean="0">
+              <a:solidFill>
+                <a:srgbClr val="000000"/>
+              </a:solidFill>
+            </a:endParaRPr>
+          </a:p>
+          <a:p>
+            <a:pPr marL="742950" lvl="1" indent="-285750">
+              <a:lnSpc>
+                <a:spcPct val="200000"/>
+              </a:lnSpc>
+              <a:buFont typeface="Wingdings" panose="05000000000000000000" pitchFamily="2" charset="2"/>
+              <a:buChar char="ü"/>
+            </a:pPr>
+            <a:r>
+              <a:rPr lang="en-US" altLang="ko-KR" sz="1600" dirty="0" smtClean="0">
+                <a:solidFill>
+                  <a:srgbClr val="000000"/>
+                </a:solidFill>
+              </a:rPr>
+              <a:t>p-value &lt; 0.05 : </a:t>
+            </a:r>
+            <a:r>
+              <a:rPr lang="ko-KR" altLang="en-US" sz="1600" dirty="0" err="1" smtClean="0">
+                <a:solidFill>
+                  <a:srgbClr val="000000"/>
+                </a:solidFill>
+              </a:rPr>
+              <a:t>대립가설</a:t>
+            </a:r>
+            <a:r>
+              <a:rPr lang="ko-KR" altLang="en-US" sz="1600" dirty="0" smtClean="0">
+                <a:solidFill>
+                  <a:srgbClr val="000000"/>
+                </a:solidFill>
+              </a:rPr>
+              <a:t> 채택 </a:t>
+            </a:r>
+            <a:r>
+              <a:rPr lang="en-US" altLang="ko-KR" sz="1600" dirty="0" smtClean="0">
+                <a:solidFill>
+                  <a:srgbClr val="000000"/>
+                </a:solidFill>
+              </a:rPr>
+              <a:t>= </a:t>
+            </a:r>
+            <a:r>
+              <a:rPr lang="ko-KR" altLang="en-US" sz="1600" dirty="0" smtClean="0">
+                <a:solidFill>
+                  <a:srgbClr val="000000"/>
+                </a:solidFill>
+              </a:rPr>
+              <a:t>데이터가 정규분포를 따르지 않는다</a:t>
+            </a:r>
+            <a:endParaRPr lang="en-US" altLang="ko-KR" sz="1600" dirty="0">
+              <a:solidFill>
+                <a:srgbClr val="000000"/>
+              </a:solidFill>
+            </a:endParaRPr>
           </a:p>
         </p:txBody>
       </p:sp>
-      <mc:AlternateContent xmlns:mc="http://schemas.openxmlformats.org/markup-compatibility/2006" xmlns:a14="http://schemas.microsoft.com/office/drawing/2010/main">
-        <mc:Choice Requires="a14">
-          <p:sp>
-            <p:nvSpPr>
-              <p:cNvPr id="7" name="TextBox 6">
-                <a:extLst>
-                  <a:ext uri="{FF2B5EF4-FFF2-40B4-BE49-F238E27FC236}">
-                    <a16:creationId xmlns:a16="http://schemas.microsoft.com/office/drawing/2014/main" id="{0DC2BE0C-9456-264A-9CB9-5EEBB85D3765}"/>
-                  </a:ext>
-                </a:extLst>
-              </p:cNvPr>
-              <p:cNvSpPr txBox="1"/>
-              <p:nvPr/>
-            </p:nvSpPr>
-            <p:spPr>
-              <a:xfrm>
-                <a:off x="2960706" y="4077072"/>
-                <a:ext cx="4171911" cy="1614416"/>
-              </a:xfrm>
-              <a:prstGeom prst="rect">
-                <a:avLst/>
-              </a:prstGeom>
-              <a:noFill/>
-            </p:spPr>
-            <p:txBody>
-              <a:bodyPr wrap="none" lIns="0" tIns="0" rIns="0" bIns="0" rtlCol="0">
-                <a:spAutoFit/>
-              </a:bodyPr>
-              <a:lstStyle/>
-              <a:p>
-                <a:pPr>
-                  <a:buNone/>
-                </a:pPr>
-                <a14:m>
-                  <m:oMathPara xmlns:m="http://schemas.openxmlformats.org/officeDocument/2006/math">
-                    <m:oMathParaPr>
-                      <m:jc m:val="centerGroup"/>
-                    </m:oMathParaPr>
-                    <m:oMath xmlns:m="http://schemas.openxmlformats.org/officeDocument/2006/math">
-                      <m:r>
-                        <a:rPr lang="en-US" sz="2800" b="1" i="1" smtClean="0">
-                          <a:latin typeface="Cambria Math" panose="02040503050406030204" pitchFamily="18" charset="0"/>
-                        </a:rPr>
-                        <m:t>𝒁</m:t>
-                      </m:r>
-                      <m:r>
-                        <a:rPr lang="en-US" sz="2800" b="1" i="1" smtClean="0">
-                          <a:latin typeface="Cambria Math" panose="02040503050406030204" pitchFamily="18" charset="0"/>
-                        </a:rPr>
-                        <m:t>=</m:t>
-                      </m:r>
-                      <m:f>
-                        <m:fPr>
-                          <m:ctrlPr>
-                            <a:rPr lang="en-US" altLang="ko-KR" sz="2800" b="1" i="1" smtClean="0">
-                              <a:latin typeface="Cambria Math" panose="02040503050406030204" pitchFamily="18" charset="0"/>
-                            </a:rPr>
-                          </m:ctrlPr>
-                        </m:fPr>
-                        <m:num>
-                          <m:r>
-                            <a:rPr lang="en-US" altLang="ko-KR" sz="2800" b="1" i="1" smtClean="0">
-                              <a:latin typeface="Cambria Math" panose="02040503050406030204" pitchFamily="18" charset="0"/>
-                            </a:rPr>
-                            <m:t>𝟎</m:t>
-                          </m:r>
-                          <m:r>
-                            <a:rPr lang="en-US" altLang="ko-KR" sz="2800" b="1" i="1" smtClean="0">
-                              <a:latin typeface="Cambria Math" panose="02040503050406030204" pitchFamily="18" charset="0"/>
-                            </a:rPr>
-                            <m:t>.</m:t>
-                          </m:r>
-                          <m:r>
-                            <a:rPr lang="en-US" altLang="ko-KR" sz="2800" b="1" i="1" smtClean="0">
-                              <a:latin typeface="Cambria Math" panose="02040503050406030204" pitchFamily="18" charset="0"/>
-                            </a:rPr>
-                            <m:t>𝟏𝟏</m:t>
-                          </m:r>
-                          <m:r>
-                            <a:rPr lang="en-US" altLang="ko-KR" sz="2800" b="1" i="1" smtClean="0">
-                              <a:latin typeface="Cambria Math" panose="02040503050406030204" pitchFamily="18" charset="0"/>
-                            </a:rPr>
-                            <m:t> −</m:t>
-                          </m:r>
-                          <m:r>
-                            <a:rPr lang="en-US" altLang="ko-KR" sz="2800" b="1" i="1" smtClean="0">
-                              <a:latin typeface="Cambria Math" panose="02040503050406030204" pitchFamily="18" charset="0"/>
-                            </a:rPr>
-                            <m:t>𝟎</m:t>
-                          </m:r>
-                          <m:r>
-                            <a:rPr lang="en-US" altLang="ko-KR" sz="2800" b="1" i="1" smtClean="0">
-                              <a:latin typeface="Cambria Math" panose="02040503050406030204" pitchFamily="18" charset="0"/>
-                            </a:rPr>
-                            <m:t>.</m:t>
-                          </m:r>
-                          <m:r>
-                            <a:rPr lang="en-US" altLang="ko-KR" sz="2800" b="1" i="1" smtClean="0">
-                              <a:latin typeface="Cambria Math" panose="02040503050406030204" pitchFamily="18" charset="0"/>
-                            </a:rPr>
-                            <m:t>𝟏</m:t>
-                          </m:r>
-                        </m:num>
-                        <m:den>
-                          <m:rad>
-                            <m:radPr>
-                              <m:degHide m:val="on"/>
-                              <m:ctrlPr>
-                                <a:rPr lang="en-US" altLang="ko-KR" sz="2800" b="1" i="1" smtClean="0">
-                                  <a:latin typeface="Cambria Math" panose="02040503050406030204" pitchFamily="18" charset="0"/>
-                                </a:rPr>
-                              </m:ctrlPr>
-                            </m:radPr>
-                            <m:deg/>
-                            <m:e>
-                              <m:f>
-                                <m:fPr>
-                                  <m:ctrlPr>
-                                    <a:rPr lang="en-US" altLang="ko-KR" sz="2800" b="1" i="1" smtClean="0">
-                                      <a:latin typeface="Cambria Math" panose="02040503050406030204" pitchFamily="18" charset="0"/>
-                                    </a:rPr>
-                                  </m:ctrlPr>
-                                </m:fPr>
-                                <m:num>
-                                  <m:r>
-                                    <a:rPr lang="en-US" altLang="ko-KR" sz="2800" b="1" i="1" smtClean="0">
-                                      <a:latin typeface="Cambria Math" panose="02040503050406030204" pitchFamily="18" charset="0"/>
-                                    </a:rPr>
-                                    <m:t>𝟎</m:t>
-                                  </m:r>
-                                  <m:r>
-                                    <a:rPr lang="en-US" altLang="ko-KR" sz="2800" b="1" i="1" smtClean="0">
-                                      <a:latin typeface="Cambria Math" panose="02040503050406030204" pitchFamily="18" charset="0"/>
-                                    </a:rPr>
-                                    <m:t>.</m:t>
-                                  </m:r>
-                                  <m:r>
-                                    <a:rPr lang="en-US" altLang="ko-KR" sz="2800" b="1" i="1" smtClean="0">
-                                      <a:latin typeface="Cambria Math" panose="02040503050406030204" pitchFamily="18" charset="0"/>
-                                    </a:rPr>
-                                    <m:t>𝟏</m:t>
-                                  </m:r>
-                                  <m:r>
-                                    <a:rPr lang="en-US" altLang="ko-KR" sz="2800" b="1" i="1" smtClean="0">
-                                      <a:latin typeface="Cambria Math" panose="02040503050406030204" pitchFamily="18" charset="0"/>
-                                    </a:rPr>
-                                    <m:t> ×</m:t>
-                                  </m:r>
-                                  <m:r>
-                                    <a:rPr lang="en-US" altLang="ko-KR" sz="2800" b="1" i="1" smtClean="0">
-                                      <a:latin typeface="Cambria Math" panose="02040503050406030204" pitchFamily="18" charset="0"/>
-                                      <a:ea typeface="Cambria Math" panose="02040503050406030204" pitchFamily="18" charset="0"/>
-                                    </a:rPr>
-                                    <m:t>𝟎</m:t>
-                                  </m:r>
-                                  <m:r>
-                                    <a:rPr lang="en-US" altLang="ko-KR" sz="2800" b="1" i="1" smtClean="0">
-                                      <a:latin typeface="Cambria Math" panose="02040503050406030204" pitchFamily="18" charset="0"/>
-                                      <a:ea typeface="Cambria Math" panose="02040503050406030204" pitchFamily="18" charset="0"/>
-                                    </a:rPr>
-                                    <m:t>.</m:t>
-                                  </m:r>
-                                  <m:r>
-                                    <a:rPr lang="en-US" altLang="ko-KR" sz="2800" b="1" i="1" smtClean="0">
-                                      <a:latin typeface="Cambria Math" panose="02040503050406030204" pitchFamily="18" charset="0"/>
-                                      <a:ea typeface="Cambria Math" panose="02040503050406030204" pitchFamily="18" charset="0"/>
-                                    </a:rPr>
-                                    <m:t>𝟗</m:t>
-                                  </m:r>
-                                </m:num>
-                                <m:den>
-                                  <m:r>
-                                    <a:rPr lang="en-US" altLang="ko-KR" sz="2800" b="1" i="1" smtClean="0">
-                                      <a:latin typeface="Cambria Math" panose="02040503050406030204" pitchFamily="18" charset="0"/>
-                                    </a:rPr>
-                                    <m:t>𝟐𝟎𝟎</m:t>
-                                  </m:r>
-                                </m:den>
-                              </m:f>
-                            </m:e>
-                          </m:rad>
-                        </m:den>
-                      </m:f>
-                      <m:r>
-                        <a:rPr lang="en-US" altLang="ko-KR" sz="2800" b="1" i="1" smtClean="0">
-                          <a:latin typeface="Cambria Math" panose="02040503050406030204" pitchFamily="18" charset="0"/>
-                          <a:ea typeface="Cambria Math" panose="02040503050406030204" pitchFamily="18" charset="0"/>
-                        </a:rPr>
-                        <m:t>≅</m:t>
-                      </m:r>
-                      <m:r>
-                        <a:rPr lang="en-US" altLang="ko-KR" sz="2800" b="1" i="1" smtClean="0">
-                          <a:latin typeface="Cambria Math" panose="02040503050406030204" pitchFamily="18" charset="0"/>
-                        </a:rPr>
-                        <m:t>𝟎</m:t>
-                      </m:r>
-                      <m:r>
-                        <a:rPr lang="en-US" altLang="ko-KR" sz="2800" b="1" i="1" smtClean="0">
-                          <a:latin typeface="Cambria Math" panose="02040503050406030204" pitchFamily="18" charset="0"/>
-                        </a:rPr>
-                        <m:t>.</m:t>
-                      </m:r>
-                      <m:r>
-                        <a:rPr lang="en-US" altLang="ko-KR" sz="2800" b="1" i="1" smtClean="0">
-                          <a:latin typeface="Cambria Math" panose="02040503050406030204" pitchFamily="18" charset="0"/>
-                        </a:rPr>
-                        <m:t>𝟒𝟕𝟏</m:t>
-                      </m:r>
-                    </m:oMath>
-                  </m:oMathPara>
-                </a14:m>
-                <a:endParaRPr lang="en-KR" sz="2800" dirty="0"/>
-              </a:p>
-            </p:txBody>
-          </p:sp>
-        </mc:Choice>
-        <mc:Fallback xmlns="">
-          <p:sp>
-            <p:nvSpPr>
-              <p:cNvPr id="7" name="TextBox 6">
-                <a:extLst>
-                  <a:ext uri="{FF2B5EF4-FFF2-40B4-BE49-F238E27FC236}">
-                    <a16:creationId xmlns:a16="http://schemas.microsoft.com/office/drawing/2014/main" id="{0DC2BE0C-9456-264A-9CB9-5EEBB85D3765}"/>
-                  </a:ext>
-                </a:extLst>
-              </p:cNvPr>
-              <p:cNvSpPr txBox="1">
-                <a:spLocks noRot="1" noChangeAspect="1" noMove="1" noResize="1" noEditPoints="1" noAdjustHandles="1" noChangeArrowheads="1" noChangeShapeType="1" noTextEdit="1"/>
-              </p:cNvSpPr>
-              <p:nvPr/>
-            </p:nvSpPr>
-            <p:spPr>
-              <a:xfrm>
-                <a:off x="2960706" y="4077072"/>
-                <a:ext cx="4171911" cy="1614416"/>
-              </a:xfrm>
-              <a:prstGeom prst="rect">
-                <a:avLst/>
-              </a:prstGeom>
-              <a:blipFill>
-                <a:blip r:embed="rId2"/>
-                <a:stretch>
-                  <a:fillRect/>
-                </a:stretch>
-              </a:blipFill>
-            </p:spPr>
-            <p:txBody>
-              <a:bodyPr/>
-              <a:lstStyle/>
-              <a:p>
-                <a:r>
-                  <a:rPr lang="ko-KR" altLang="en-US">
-                    <a:noFill/>
-                  </a:rPr>
-                  <a:t> </a:t>
-                </a:r>
-              </a:p>
-            </p:txBody>
-          </p:sp>
-        </mc:Fallback>
-      </mc:AlternateContent>
     </p:spTree>
     <p:extLst>
       <p:ext uri="{BB962C8B-B14F-4D97-AF65-F5344CB8AC3E}">
-        <p14:creationId xmlns:p14="http://schemas.microsoft.com/office/powerpoint/2010/main" val="526941816"/>
+        <p14:creationId xmlns:p14="http://schemas.microsoft.com/office/powerpoint/2010/main" val="3598748781"/>
       </p:ext>
     </p:extLst>
   </p:cSld>
@@ -4162,1192 +4052,7 @@
 </p:sld>
 </file>
 
-<file path=ppt/slides/slide2.xml><?xml version="1.0" encoding="utf-8"?>
-<p:sld xmlns:a="http://schemas.openxmlformats.org/drawingml/2006/main" xmlns:r="http://schemas.openxmlformats.org/officeDocument/2006/relationships" xmlns:p="http://schemas.openxmlformats.org/presentationml/2006/main">
-  <p:cSld>
-    <p:spTree>
-      <p:nvGrpSpPr>
-        <p:cNvPr id="1" name=""/>
-        <p:cNvGrpSpPr/>
-        <p:nvPr/>
-      </p:nvGrpSpPr>
-      <p:grpSpPr>
-        <a:xfrm>
-          <a:off x="0" y="0"/>
-          <a:ext cx="0" cy="0"/>
-          <a:chOff x="0" y="0"/>
-          <a:chExt cx="0" cy="0"/>
-        </a:xfrm>
-      </p:grpSpPr>
-      <p:pic>
-        <p:nvPicPr>
-          <p:cNvPr id="5" name="Picture 4" descr="Chart, waterfall chart&#10;&#10;Description automatically generated">
-            <a:extLst>
-              <a:ext uri="{FF2B5EF4-FFF2-40B4-BE49-F238E27FC236}">
-                <a16:creationId xmlns:a16="http://schemas.microsoft.com/office/drawing/2014/main" id="{BD3D757C-9A38-4041-AA40-B7D7CD6EF10F}"/>
-              </a:ext>
-            </a:extLst>
-          </p:cNvPr>
-          <p:cNvPicPr>
-            <a:picLocks noChangeAspect="1"/>
-          </p:cNvPicPr>
-          <p:nvPr/>
-        </p:nvPicPr>
-        <p:blipFill>
-          <a:blip r:embed="rId2" cstate="print">
-            <a:extLst>
-              <a:ext uri="{28A0092B-C50C-407E-A947-70E740481C1C}">
-                <a14:useLocalDpi xmlns:a14="http://schemas.microsoft.com/office/drawing/2010/main" val="0"/>
-              </a:ext>
-            </a:extLst>
-          </a:blip>
-          <a:stretch>
-            <a:fillRect/>
-          </a:stretch>
-        </p:blipFill>
-        <p:spPr>
-          <a:xfrm>
-            <a:off x="1028564" y="1232756"/>
-            <a:ext cx="7148508" cy="4760863"/>
-          </a:xfrm>
-          <a:prstGeom prst="rect">
-            <a:avLst/>
-          </a:prstGeom>
-        </p:spPr>
-      </p:pic>
-      <p:sp>
-        <p:nvSpPr>
-          <p:cNvPr id="7" name="TextBox 6">
-            <a:extLst>
-              <a:ext uri="{FF2B5EF4-FFF2-40B4-BE49-F238E27FC236}">
-                <a16:creationId xmlns:a16="http://schemas.microsoft.com/office/drawing/2014/main" id="{DED5D82C-CD1B-3742-B947-65DAF07CC3A1}"/>
-              </a:ext>
-            </a:extLst>
-          </p:cNvPr>
-          <p:cNvSpPr txBox="1">
-            <a:spLocks noChangeArrowheads="1"/>
-          </p:cNvSpPr>
-          <p:nvPr/>
-        </p:nvSpPr>
-        <p:spPr bwMode="auto">
-          <a:xfrm>
-            <a:off x="596516" y="152636"/>
-            <a:ext cx="9074150" cy="854080"/>
-          </a:xfrm>
-          <a:prstGeom prst="rect">
-            <a:avLst/>
-          </a:prstGeom>
-          <a:noFill/>
-          <a:ln>
-            <a:noFill/>
-          </a:ln>
-          <a:effectLst/>
-          <a:extLst>
-            <a:ext uri="{909E8E84-426E-40DD-AFC4-6F175D3DCCD1}">
-              <a14:hiddenFill xmlns:a14="http://schemas.microsoft.com/office/drawing/2010/main">
-                <a:solidFill>
-                  <a:schemeClr val="accent1"/>
-                </a:solidFill>
-              </a14:hiddenFill>
-            </a:ext>
-            <a:ext uri="{91240B29-F687-4F45-9708-019B960494DF}">
-              <a14:hiddenLine xmlns:a14="http://schemas.microsoft.com/office/drawing/2010/main" w="9525" algn="ctr">
-                <a:solidFill>
-                  <a:schemeClr val="tx1"/>
-                </a:solidFill>
-                <a:miter lim="800000"/>
-                <a:headEnd/>
-                <a:tailEnd/>
-              </a14:hiddenLine>
-            </a:ext>
-            <a:ext uri="{AF507438-7753-43E0-B8FC-AC1667EBCBE1}">
-              <a14:hiddenEffects xmlns:a14="http://schemas.microsoft.com/office/drawing/2010/main">
-                <a:effectLst>
-                  <a:outerShdw dist="35921" dir="2700000" algn="ctr" rotWithShape="0">
-                    <a:schemeClr val="bg2"/>
-                  </a:outerShdw>
-                </a:effectLst>
-              </a14:hiddenEffects>
-            </a:ext>
-          </a:extLst>
-        </p:spPr>
-        <p:txBody>
-          <a:bodyPr>
-            <a:spAutoFit/>
-          </a:bodyPr>
-          <a:lstStyle>
-            <a:lvl1pPr marL="261938" indent="-261938" eaLnBrk="0" hangingPunct="0">
-              <a:defRPr kumimoji="1" sz="1400" b="1">
-                <a:solidFill>
-                  <a:schemeClr val="tx1"/>
-                </a:solidFill>
-                <a:latin typeface="맑은 고딕" pitchFamily="50" charset="-127"/>
-                <a:ea typeface="맑은 고딕" pitchFamily="50" charset="-127"/>
-              </a:defRPr>
-            </a:lvl1pPr>
-            <a:lvl2pPr marL="441325" indent="-177800" eaLnBrk="0" hangingPunct="0">
-              <a:defRPr kumimoji="1" sz="1400" b="1">
-                <a:solidFill>
-                  <a:schemeClr val="tx1"/>
-                </a:solidFill>
-                <a:latin typeface="맑은 고딕" pitchFamily="50" charset="-127"/>
-                <a:ea typeface="맑은 고딕" pitchFamily="50" charset="-127"/>
-              </a:defRPr>
-            </a:lvl2pPr>
-            <a:lvl3pPr marL="603250" indent="-160338" eaLnBrk="0" hangingPunct="0">
-              <a:defRPr kumimoji="1" sz="1400" b="1">
-                <a:solidFill>
-                  <a:schemeClr val="tx1"/>
-                </a:solidFill>
-                <a:latin typeface="맑은 고딕" pitchFamily="50" charset="-127"/>
-                <a:ea typeface="맑은 고딕" pitchFamily="50" charset="-127"/>
-              </a:defRPr>
-            </a:lvl3pPr>
-            <a:lvl4pPr marL="1600200" indent="-228600" eaLnBrk="0" hangingPunct="0">
-              <a:defRPr kumimoji="1" sz="1400" b="1">
-                <a:solidFill>
-                  <a:schemeClr val="tx1"/>
-                </a:solidFill>
-                <a:latin typeface="맑은 고딕" pitchFamily="50" charset="-127"/>
-                <a:ea typeface="맑은 고딕" pitchFamily="50" charset="-127"/>
-              </a:defRPr>
-            </a:lvl4pPr>
-            <a:lvl5pPr marL="2057400" indent="-228600" eaLnBrk="0" hangingPunct="0">
-              <a:defRPr kumimoji="1" sz="1400" b="1">
-                <a:solidFill>
-                  <a:schemeClr val="tx1"/>
-                </a:solidFill>
-                <a:latin typeface="맑은 고딕" pitchFamily="50" charset="-127"/>
-                <a:ea typeface="맑은 고딕" pitchFamily="50" charset="-127"/>
-              </a:defRPr>
-            </a:lvl5pPr>
-            <a:lvl6pPr marL="2514600" indent="-228600" eaLnBrk="0" fontAlgn="base" hangingPunct="0">
-              <a:lnSpc>
-                <a:spcPct val="120000"/>
-              </a:lnSpc>
-              <a:spcBef>
-                <a:spcPct val="30000"/>
-              </a:spcBef>
-              <a:spcAft>
-                <a:spcPct val="0"/>
-              </a:spcAft>
-              <a:buChar char="•"/>
-              <a:defRPr kumimoji="1" sz="1400" b="1">
-                <a:solidFill>
-                  <a:schemeClr val="tx1"/>
-                </a:solidFill>
-                <a:latin typeface="맑은 고딕" pitchFamily="50" charset="-127"/>
-                <a:ea typeface="맑은 고딕" pitchFamily="50" charset="-127"/>
-              </a:defRPr>
-            </a:lvl6pPr>
-            <a:lvl7pPr marL="2971800" indent="-228600" eaLnBrk="0" fontAlgn="base" hangingPunct="0">
-              <a:lnSpc>
-                <a:spcPct val="120000"/>
-              </a:lnSpc>
-              <a:spcBef>
-                <a:spcPct val="30000"/>
-              </a:spcBef>
-              <a:spcAft>
-                <a:spcPct val="0"/>
-              </a:spcAft>
-              <a:buChar char="•"/>
-              <a:defRPr kumimoji="1" sz="1400" b="1">
-                <a:solidFill>
-                  <a:schemeClr val="tx1"/>
-                </a:solidFill>
-                <a:latin typeface="맑은 고딕" pitchFamily="50" charset="-127"/>
-                <a:ea typeface="맑은 고딕" pitchFamily="50" charset="-127"/>
-              </a:defRPr>
-            </a:lvl7pPr>
-            <a:lvl8pPr marL="3429000" indent="-228600" eaLnBrk="0" fontAlgn="base" hangingPunct="0">
-              <a:lnSpc>
-                <a:spcPct val="120000"/>
-              </a:lnSpc>
-              <a:spcBef>
-                <a:spcPct val="30000"/>
-              </a:spcBef>
-              <a:spcAft>
-                <a:spcPct val="0"/>
-              </a:spcAft>
-              <a:buChar char="•"/>
-              <a:defRPr kumimoji="1" sz="1400" b="1">
-                <a:solidFill>
-                  <a:schemeClr val="tx1"/>
-                </a:solidFill>
-                <a:latin typeface="맑은 고딕" pitchFamily="50" charset="-127"/>
-                <a:ea typeface="맑은 고딕" pitchFamily="50" charset="-127"/>
-              </a:defRPr>
-            </a:lvl8pPr>
-            <a:lvl9pPr marL="3886200" indent="-228600" eaLnBrk="0" fontAlgn="base" hangingPunct="0">
-              <a:lnSpc>
-                <a:spcPct val="120000"/>
-              </a:lnSpc>
-              <a:spcBef>
-                <a:spcPct val="30000"/>
-              </a:spcBef>
-              <a:spcAft>
-                <a:spcPct val="0"/>
-              </a:spcAft>
-              <a:buChar char="•"/>
-              <a:defRPr kumimoji="1" sz="1400" b="1">
-                <a:solidFill>
-                  <a:schemeClr val="tx1"/>
-                </a:solidFill>
-                <a:latin typeface="맑은 고딕" pitchFamily="50" charset="-127"/>
-                <a:ea typeface="맑은 고딕" pitchFamily="50" charset="-127"/>
-              </a:defRPr>
-            </a:lvl9pPr>
-          </a:lstStyle>
-          <a:p>
-            <a:pPr marL="0" indent="0" eaLnBrk="1" hangingPunct="1">
-              <a:lnSpc>
-                <a:spcPct val="250000"/>
-              </a:lnSpc>
-              <a:buNone/>
-            </a:pPr>
-            <a:r>
-              <a:rPr lang="ko-KR" altLang="en-US" sz="2400" b="0" dirty="0"/>
-              <a:t>❑ </a:t>
-            </a:r>
-            <a:r>
-              <a:rPr lang="en-US" altLang="ko-KR" sz="2400" b="0" dirty="0"/>
-              <a:t>A/B </a:t>
-            </a:r>
-            <a:r>
-              <a:rPr lang="ko-KR" altLang="en-US" sz="2400" b="0" dirty="0"/>
-              <a:t>테스트 </a:t>
-            </a:r>
-            <a:endParaRPr lang="ko-KR" altLang="en-US" sz="1800" b="0" dirty="0"/>
-          </a:p>
-        </p:txBody>
-      </p:sp>
-    </p:spTree>
-    <p:extLst>
-      <p:ext uri="{BB962C8B-B14F-4D97-AF65-F5344CB8AC3E}">
-        <p14:creationId xmlns:p14="http://schemas.microsoft.com/office/powerpoint/2010/main" val="1783711205"/>
-      </p:ext>
-    </p:extLst>
-  </p:cSld>
-  <p:clrMapOvr>
-    <a:masterClrMapping/>
-  </p:clrMapOvr>
-</p:sld>
-</file>
-
-<file path=ppt/slides/slide3.xml><?xml version="1.0" encoding="utf-8"?>
-<p:sld xmlns:a="http://schemas.openxmlformats.org/drawingml/2006/main" xmlns:r="http://schemas.openxmlformats.org/officeDocument/2006/relationships" xmlns:p="http://schemas.openxmlformats.org/presentationml/2006/main">
-  <p:cSld>
-    <p:spTree>
-      <p:nvGrpSpPr>
-        <p:cNvPr id="1" name=""/>
-        <p:cNvGrpSpPr/>
-        <p:nvPr/>
-      </p:nvGrpSpPr>
-      <p:grpSpPr>
-        <a:xfrm>
-          <a:off x="0" y="0"/>
-          <a:ext cx="0" cy="0"/>
-          <a:chOff x="0" y="0"/>
-          <a:chExt cx="0" cy="0"/>
-        </a:xfrm>
-      </p:grpSpPr>
-      <p:sp>
-        <p:nvSpPr>
-          <p:cNvPr id="4" name="TextBox 3">
-            <a:extLst>
-              <a:ext uri="{FF2B5EF4-FFF2-40B4-BE49-F238E27FC236}">
-                <a16:creationId xmlns:a16="http://schemas.microsoft.com/office/drawing/2014/main" id="{1101E3D6-DD98-44E1-8F47-3AAF9F010B21}"/>
-              </a:ext>
-            </a:extLst>
-          </p:cNvPr>
-          <p:cNvSpPr txBox="1"/>
-          <p:nvPr/>
-        </p:nvSpPr>
-        <p:spPr>
-          <a:xfrm>
-            <a:off x="848544" y="1044603"/>
-            <a:ext cx="6495689" cy="2205284"/>
-          </a:xfrm>
-          <a:prstGeom prst="rect">
-            <a:avLst/>
-          </a:prstGeom>
-          <a:noFill/>
-        </p:spPr>
-        <p:txBody>
-          <a:bodyPr wrap="none" rtlCol="0">
-            <a:spAutoFit/>
-          </a:bodyPr>
-          <a:lstStyle/>
-          <a:p>
-            <a:pPr marL="285750" indent="-285750">
-              <a:lnSpc>
-                <a:spcPct val="200000"/>
-              </a:lnSpc>
-              <a:buFont typeface="Wingdings" panose="05000000000000000000" pitchFamily="2" charset="2"/>
-              <a:buChar char="ü"/>
-            </a:pPr>
-            <a:r>
-              <a:rPr lang="ko-KR" altLang="en-US" sz="1600" dirty="0"/>
-              <a:t>두 </a:t>
-            </a:r>
-            <a:r>
-              <a:rPr lang="ko-KR" altLang="en-US" sz="1600" dirty="0" err="1"/>
-              <a:t>싸이트</a:t>
-            </a:r>
-            <a:r>
-              <a:rPr lang="ko-KR" altLang="en-US" sz="1600" dirty="0"/>
-              <a:t> 비교 </a:t>
-            </a:r>
-            <a:endParaRPr lang="en-US" altLang="ko-KR" sz="1600" dirty="0"/>
-          </a:p>
-          <a:p>
-            <a:pPr marL="800100" lvl="1" indent="-342900">
-              <a:lnSpc>
-                <a:spcPct val="200000"/>
-              </a:lnSpc>
-              <a:buFont typeface="Arial" panose="020B0604020202020204" pitchFamily="34" charset="0"/>
-              <a:buChar char="•"/>
-            </a:pPr>
-            <a:r>
-              <a:rPr lang="en-US" altLang="ko-KR" sz="1600" dirty="0"/>
-              <a:t>Treatment Group (B)</a:t>
-            </a:r>
-          </a:p>
-          <a:p>
-            <a:pPr marL="800100" lvl="1" indent="-342900">
-              <a:lnSpc>
-                <a:spcPct val="200000"/>
-              </a:lnSpc>
-              <a:buFont typeface="Arial" panose="020B0604020202020204" pitchFamily="34" charset="0"/>
-              <a:buChar char="•"/>
-            </a:pPr>
-            <a:r>
-              <a:rPr lang="en-US" altLang="ko-KR" sz="1600" dirty="0"/>
-              <a:t>Control</a:t>
-            </a:r>
-            <a:r>
-              <a:rPr lang="ko-KR" altLang="en-US" sz="1600" dirty="0"/>
-              <a:t> </a:t>
-            </a:r>
-            <a:r>
-              <a:rPr lang="en-US" altLang="ko-KR" sz="1600" dirty="0"/>
-              <a:t>Group (A)</a:t>
-            </a:r>
-          </a:p>
-          <a:p>
-            <a:pPr marL="342900" indent="-342900">
-              <a:lnSpc>
-                <a:spcPct val="200000"/>
-              </a:lnSpc>
-              <a:buFont typeface="Wingdings" pitchFamily="2" charset="2"/>
-              <a:buChar char="ü"/>
-            </a:pPr>
-            <a:r>
-              <a:rPr lang="ko-KR" altLang="en-US" sz="1600" dirty="0"/>
-              <a:t>우연히</a:t>
-            </a:r>
-            <a:r>
-              <a:rPr lang="en-US" altLang="ko-KR" sz="1600" dirty="0"/>
-              <a:t>(by chance) B</a:t>
-            </a:r>
-            <a:r>
-              <a:rPr lang="ko-KR" altLang="en-US" sz="1600" dirty="0"/>
-              <a:t>그룹이 </a:t>
-            </a:r>
-            <a:r>
-              <a:rPr lang="en-US" altLang="ko-KR" sz="1600" dirty="0"/>
-              <a:t>A</a:t>
-            </a:r>
-            <a:r>
-              <a:rPr lang="ko-KR" altLang="en-US" sz="1600" dirty="0"/>
-              <a:t>그룹보다 </a:t>
-            </a:r>
-            <a:r>
-              <a:rPr lang="ko-KR" altLang="en-US" sz="1600" dirty="0" err="1"/>
-              <a:t>전환율이</a:t>
-            </a:r>
-            <a:r>
-              <a:rPr lang="ko-KR" altLang="en-US" sz="1600" dirty="0"/>
-              <a:t> 좋았던 것일까</a:t>
-            </a:r>
-            <a:r>
-              <a:rPr lang="en-US" altLang="ko-KR" sz="1600" dirty="0"/>
-              <a:t>?</a:t>
-            </a:r>
-          </a:p>
-        </p:txBody>
-      </p:sp>
-      <p:sp>
-        <p:nvSpPr>
-          <p:cNvPr id="5" name="TextBox 4">
-            <a:extLst>
-              <a:ext uri="{FF2B5EF4-FFF2-40B4-BE49-F238E27FC236}">
-                <a16:creationId xmlns:a16="http://schemas.microsoft.com/office/drawing/2014/main" id="{1222C5BD-354A-B546-981C-AF3407B6864D}"/>
-              </a:ext>
-            </a:extLst>
-          </p:cNvPr>
-          <p:cNvSpPr txBox="1">
-            <a:spLocks noChangeArrowheads="1"/>
-          </p:cNvSpPr>
-          <p:nvPr/>
-        </p:nvSpPr>
-        <p:spPr bwMode="auto">
-          <a:xfrm>
-            <a:off x="596516" y="152636"/>
-            <a:ext cx="9074150" cy="854080"/>
-          </a:xfrm>
-          <a:prstGeom prst="rect">
-            <a:avLst/>
-          </a:prstGeom>
-          <a:noFill/>
-          <a:ln>
-            <a:noFill/>
-          </a:ln>
-          <a:effectLst/>
-          <a:extLst>
-            <a:ext uri="{909E8E84-426E-40DD-AFC4-6F175D3DCCD1}">
-              <a14:hiddenFill xmlns:a14="http://schemas.microsoft.com/office/drawing/2010/main">
-                <a:solidFill>
-                  <a:schemeClr val="accent1"/>
-                </a:solidFill>
-              </a14:hiddenFill>
-            </a:ext>
-            <a:ext uri="{91240B29-F687-4F45-9708-019B960494DF}">
-              <a14:hiddenLine xmlns:a14="http://schemas.microsoft.com/office/drawing/2010/main" w="9525" algn="ctr">
-                <a:solidFill>
-                  <a:schemeClr val="tx1"/>
-                </a:solidFill>
-                <a:miter lim="800000"/>
-                <a:headEnd/>
-                <a:tailEnd/>
-              </a14:hiddenLine>
-            </a:ext>
-            <a:ext uri="{AF507438-7753-43E0-B8FC-AC1667EBCBE1}">
-              <a14:hiddenEffects xmlns:a14="http://schemas.microsoft.com/office/drawing/2010/main">
-                <a:effectLst>
-                  <a:outerShdw dist="35921" dir="2700000" algn="ctr" rotWithShape="0">
-                    <a:schemeClr val="bg2"/>
-                  </a:outerShdw>
-                </a:effectLst>
-              </a14:hiddenEffects>
-            </a:ext>
-          </a:extLst>
-        </p:spPr>
-        <p:txBody>
-          <a:bodyPr>
-            <a:spAutoFit/>
-          </a:bodyPr>
-          <a:lstStyle>
-            <a:lvl1pPr marL="261938" indent="-261938" eaLnBrk="0" hangingPunct="0">
-              <a:defRPr kumimoji="1" sz="1400" b="1">
-                <a:solidFill>
-                  <a:schemeClr val="tx1"/>
-                </a:solidFill>
-                <a:latin typeface="맑은 고딕" pitchFamily="50" charset="-127"/>
-                <a:ea typeface="맑은 고딕" pitchFamily="50" charset="-127"/>
-              </a:defRPr>
-            </a:lvl1pPr>
-            <a:lvl2pPr marL="441325" indent="-177800" eaLnBrk="0" hangingPunct="0">
-              <a:defRPr kumimoji="1" sz="1400" b="1">
-                <a:solidFill>
-                  <a:schemeClr val="tx1"/>
-                </a:solidFill>
-                <a:latin typeface="맑은 고딕" pitchFamily="50" charset="-127"/>
-                <a:ea typeface="맑은 고딕" pitchFamily="50" charset="-127"/>
-              </a:defRPr>
-            </a:lvl2pPr>
-            <a:lvl3pPr marL="603250" indent="-160338" eaLnBrk="0" hangingPunct="0">
-              <a:defRPr kumimoji="1" sz="1400" b="1">
-                <a:solidFill>
-                  <a:schemeClr val="tx1"/>
-                </a:solidFill>
-                <a:latin typeface="맑은 고딕" pitchFamily="50" charset="-127"/>
-                <a:ea typeface="맑은 고딕" pitchFamily="50" charset="-127"/>
-              </a:defRPr>
-            </a:lvl3pPr>
-            <a:lvl4pPr marL="1600200" indent="-228600" eaLnBrk="0" hangingPunct="0">
-              <a:defRPr kumimoji="1" sz="1400" b="1">
-                <a:solidFill>
-                  <a:schemeClr val="tx1"/>
-                </a:solidFill>
-                <a:latin typeface="맑은 고딕" pitchFamily="50" charset="-127"/>
-                <a:ea typeface="맑은 고딕" pitchFamily="50" charset="-127"/>
-              </a:defRPr>
-            </a:lvl4pPr>
-            <a:lvl5pPr marL="2057400" indent="-228600" eaLnBrk="0" hangingPunct="0">
-              <a:defRPr kumimoji="1" sz="1400" b="1">
-                <a:solidFill>
-                  <a:schemeClr val="tx1"/>
-                </a:solidFill>
-                <a:latin typeface="맑은 고딕" pitchFamily="50" charset="-127"/>
-                <a:ea typeface="맑은 고딕" pitchFamily="50" charset="-127"/>
-              </a:defRPr>
-            </a:lvl5pPr>
-            <a:lvl6pPr marL="2514600" indent="-228600" eaLnBrk="0" fontAlgn="base" hangingPunct="0">
-              <a:lnSpc>
-                <a:spcPct val="120000"/>
-              </a:lnSpc>
-              <a:spcBef>
-                <a:spcPct val="30000"/>
-              </a:spcBef>
-              <a:spcAft>
-                <a:spcPct val="0"/>
-              </a:spcAft>
-              <a:buChar char="•"/>
-              <a:defRPr kumimoji="1" sz="1400" b="1">
-                <a:solidFill>
-                  <a:schemeClr val="tx1"/>
-                </a:solidFill>
-                <a:latin typeface="맑은 고딕" pitchFamily="50" charset="-127"/>
-                <a:ea typeface="맑은 고딕" pitchFamily="50" charset="-127"/>
-              </a:defRPr>
-            </a:lvl6pPr>
-            <a:lvl7pPr marL="2971800" indent="-228600" eaLnBrk="0" fontAlgn="base" hangingPunct="0">
-              <a:lnSpc>
-                <a:spcPct val="120000"/>
-              </a:lnSpc>
-              <a:spcBef>
-                <a:spcPct val="30000"/>
-              </a:spcBef>
-              <a:spcAft>
-                <a:spcPct val="0"/>
-              </a:spcAft>
-              <a:buChar char="•"/>
-              <a:defRPr kumimoji="1" sz="1400" b="1">
-                <a:solidFill>
-                  <a:schemeClr val="tx1"/>
-                </a:solidFill>
-                <a:latin typeface="맑은 고딕" pitchFamily="50" charset="-127"/>
-                <a:ea typeface="맑은 고딕" pitchFamily="50" charset="-127"/>
-              </a:defRPr>
-            </a:lvl7pPr>
-            <a:lvl8pPr marL="3429000" indent="-228600" eaLnBrk="0" fontAlgn="base" hangingPunct="0">
-              <a:lnSpc>
-                <a:spcPct val="120000"/>
-              </a:lnSpc>
-              <a:spcBef>
-                <a:spcPct val="30000"/>
-              </a:spcBef>
-              <a:spcAft>
-                <a:spcPct val="0"/>
-              </a:spcAft>
-              <a:buChar char="•"/>
-              <a:defRPr kumimoji="1" sz="1400" b="1">
-                <a:solidFill>
-                  <a:schemeClr val="tx1"/>
-                </a:solidFill>
-                <a:latin typeface="맑은 고딕" pitchFamily="50" charset="-127"/>
-                <a:ea typeface="맑은 고딕" pitchFamily="50" charset="-127"/>
-              </a:defRPr>
-            </a:lvl8pPr>
-            <a:lvl9pPr marL="3886200" indent="-228600" eaLnBrk="0" fontAlgn="base" hangingPunct="0">
-              <a:lnSpc>
-                <a:spcPct val="120000"/>
-              </a:lnSpc>
-              <a:spcBef>
-                <a:spcPct val="30000"/>
-              </a:spcBef>
-              <a:spcAft>
-                <a:spcPct val="0"/>
-              </a:spcAft>
-              <a:buChar char="•"/>
-              <a:defRPr kumimoji="1" sz="1400" b="1">
-                <a:solidFill>
-                  <a:schemeClr val="tx1"/>
-                </a:solidFill>
-                <a:latin typeface="맑은 고딕" pitchFamily="50" charset="-127"/>
-                <a:ea typeface="맑은 고딕" pitchFamily="50" charset="-127"/>
-              </a:defRPr>
-            </a:lvl9pPr>
-          </a:lstStyle>
-          <a:p>
-            <a:pPr marL="0" indent="0" eaLnBrk="1" hangingPunct="1">
-              <a:lnSpc>
-                <a:spcPct val="250000"/>
-              </a:lnSpc>
-              <a:buNone/>
-            </a:pPr>
-            <a:r>
-              <a:rPr lang="ko-KR" altLang="en-US" sz="2400" b="0" dirty="0"/>
-              <a:t>❑ </a:t>
-            </a:r>
-            <a:r>
-              <a:rPr lang="en-US" altLang="ko-KR" sz="2400" b="0" dirty="0"/>
-              <a:t>A/B </a:t>
-            </a:r>
-            <a:r>
-              <a:rPr lang="ko-KR" altLang="en-US" sz="2400" b="0" dirty="0"/>
-              <a:t>테스트 </a:t>
-            </a:r>
-            <a:endParaRPr lang="ko-KR" altLang="en-US" sz="1800" b="0" dirty="0"/>
-          </a:p>
-        </p:txBody>
-      </p:sp>
-    </p:spTree>
-    <p:extLst>
-      <p:ext uri="{BB962C8B-B14F-4D97-AF65-F5344CB8AC3E}">
-        <p14:creationId xmlns:p14="http://schemas.microsoft.com/office/powerpoint/2010/main" val="437981195"/>
-      </p:ext>
-    </p:extLst>
-  </p:cSld>
-  <p:clrMapOvr>
-    <a:masterClrMapping/>
-  </p:clrMapOvr>
-</p:sld>
-</file>
-
-<file path=ppt/slides/slide4.xml><?xml version="1.0" encoding="utf-8"?>
-<p:sld xmlns:a="http://schemas.openxmlformats.org/drawingml/2006/main" xmlns:r="http://schemas.openxmlformats.org/officeDocument/2006/relationships" xmlns:p="http://schemas.openxmlformats.org/presentationml/2006/main">
-  <p:cSld>
-    <p:spTree>
-      <p:nvGrpSpPr>
-        <p:cNvPr id="1" name=""/>
-        <p:cNvGrpSpPr/>
-        <p:nvPr/>
-      </p:nvGrpSpPr>
-      <p:grpSpPr>
-        <a:xfrm>
-          <a:off x="0" y="0"/>
-          <a:ext cx="0" cy="0"/>
-          <a:chOff x="0" y="0"/>
-          <a:chExt cx="0" cy="0"/>
-        </a:xfrm>
-      </p:grpSpPr>
-      <p:sp>
-        <p:nvSpPr>
-          <p:cNvPr id="7" name="TextBox 6">
-            <a:extLst>
-              <a:ext uri="{FF2B5EF4-FFF2-40B4-BE49-F238E27FC236}">
-                <a16:creationId xmlns:a16="http://schemas.microsoft.com/office/drawing/2014/main" id="{950E22D6-7D3C-044D-844A-0EF328822ACD}"/>
-              </a:ext>
-            </a:extLst>
-          </p:cNvPr>
-          <p:cNvSpPr txBox="1"/>
-          <p:nvPr/>
-        </p:nvSpPr>
-        <p:spPr>
-          <a:xfrm>
-            <a:off x="850403" y="1009319"/>
-            <a:ext cx="8822122" cy="2850011"/>
-          </a:xfrm>
-          <a:prstGeom prst="rect">
-            <a:avLst/>
-          </a:prstGeom>
-          <a:noFill/>
-        </p:spPr>
-        <p:txBody>
-          <a:bodyPr wrap="square" rtlCol="0">
-            <a:spAutoFit/>
-          </a:bodyPr>
-          <a:lstStyle/>
-          <a:p>
-            <a:pPr marL="285750" indent="-285750">
-              <a:lnSpc>
-                <a:spcPct val="200000"/>
-              </a:lnSpc>
-              <a:buFont typeface="Courier New" panose="02070309020205020404" pitchFamily="49" charset="0"/>
-              <a:buChar char="o"/>
-            </a:pPr>
-            <a:r>
-              <a:rPr lang="ko-KR" altLang="en-US" sz="1600" dirty="0" smtClean="0"/>
-              <a:t>단일 표본 </a:t>
-            </a:r>
-            <a:r>
-              <a:rPr lang="en-US" altLang="ko-KR" sz="1600" dirty="0" smtClean="0"/>
-              <a:t>T-Test</a:t>
-            </a:r>
-          </a:p>
-          <a:p>
-            <a:pPr marL="742950" lvl="1" indent="-285750">
-              <a:lnSpc>
-                <a:spcPct val="200000"/>
-              </a:lnSpc>
-              <a:buFont typeface="Wingdings" panose="05000000000000000000" pitchFamily="2" charset="2"/>
-              <a:buChar char="ü"/>
-            </a:pPr>
-            <a:r>
-              <a:rPr lang="ko-KR" altLang="en-US" sz="1600" dirty="0" smtClean="0"/>
-              <a:t>차이가 있는가</a:t>
-            </a:r>
-            <a:r>
-              <a:rPr lang="en-US" altLang="ko-KR" sz="1600" dirty="0" smtClean="0"/>
-              <a:t>? (</a:t>
-            </a:r>
-            <a:r>
-              <a:rPr lang="ko-KR" altLang="en-US" sz="1600" dirty="0" smtClean="0"/>
-              <a:t>모집단 </a:t>
-            </a:r>
-            <a:r>
-              <a:rPr lang="en-US" altLang="ko-KR" sz="1600" dirty="0" smtClean="0"/>
-              <a:t>vs </a:t>
-            </a:r>
-            <a:r>
-              <a:rPr lang="ko-KR" altLang="en-US" sz="1600" dirty="0" smtClean="0"/>
-              <a:t>표본</a:t>
-            </a:r>
-            <a:r>
-              <a:rPr lang="en-US" altLang="ko-KR" sz="1600" dirty="0" smtClean="0"/>
-              <a:t>)</a:t>
-            </a:r>
-          </a:p>
-          <a:p>
-            <a:pPr marL="285750" lvl="0" indent="-285750">
-              <a:lnSpc>
-                <a:spcPct val="200000"/>
-              </a:lnSpc>
-              <a:buFont typeface="Courier New" panose="02070309020205020404" pitchFamily="49" charset="0"/>
-              <a:buChar char="o"/>
-            </a:pPr>
-            <a:r>
-              <a:rPr lang="ko-KR" altLang="en-US" sz="1600" dirty="0" smtClean="0">
-                <a:solidFill>
-                  <a:srgbClr val="000000"/>
-                </a:solidFill>
-              </a:rPr>
-              <a:t>두개 </a:t>
-            </a:r>
-            <a:r>
-              <a:rPr lang="ko-KR" altLang="en-US" sz="1600" dirty="0">
-                <a:solidFill>
-                  <a:srgbClr val="000000"/>
-                </a:solidFill>
-              </a:rPr>
-              <a:t>표본 </a:t>
-            </a:r>
-            <a:r>
-              <a:rPr lang="en-US" altLang="ko-KR" sz="1600" dirty="0" smtClean="0">
-                <a:solidFill>
-                  <a:srgbClr val="000000"/>
-                </a:solidFill>
-              </a:rPr>
-              <a:t>T-Test</a:t>
-            </a:r>
-          </a:p>
-          <a:p>
-            <a:pPr marL="742950" lvl="1" indent="-285750">
-              <a:lnSpc>
-                <a:spcPct val="200000"/>
-              </a:lnSpc>
-              <a:buFont typeface="Wingdings" panose="05000000000000000000" pitchFamily="2" charset="2"/>
-              <a:buChar char="ü"/>
-            </a:pPr>
-            <a:r>
-              <a:rPr lang="ko-KR" altLang="en-US" sz="1600" dirty="0" err="1" smtClean="0">
-                <a:solidFill>
-                  <a:srgbClr val="000000"/>
-                </a:solidFill>
-              </a:rPr>
-              <a:t>대응표본</a:t>
-            </a:r>
-            <a:r>
-              <a:rPr lang="en-US" altLang="ko-KR" sz="1600" dirty="0">
-                <a:solidFill>
-                  <a:srgbClr val="000000"/>
-                </a:solidFill>
-              </a:rPr>
-              <a:t> </a:t>
-            </a:r>
-            <a:r>
-              <a:rPr lang="ko-KR" altLang="en-US" sz="1600" dirty="0" smtClean="0">
-                <a:solidFill>
-                  <a:srgbClr val="000000"/>
-                </a:solidFill>
-              </a:rPr>
-              <a:t>예시</a:t>
-            </a:r>
-            <a:r>
-              <a:rPr lang="en-US" altLang="ko-KR" sz="1600" dirty="0" smtClean="0">
-                <a:solidFill>
-                  <a:srgbClr val="000000"/>
-                </a:solidFill>
-              </a:rPr>
-              <a:t>: </a:t>
-            </a:r>
-            <a:r>
-              <a:rPr lang="ko-KR" altLang="en-US" sz="1600" dirty="0" smtClean="0">
-                <a:solidFill>
-                  <a:srgbClr val="000000"/>
-                </a:solidFill>
-              </a:rPr>
-              <a:t>신약 개발 실험 </a:t>
-            </a:r>
-            <a:r>
-              <a:rPr lang="en-US" altLang="ko-KR" sz="1600" dirty="0" smtClean="0">
-                <a:solidFill>
-                  <a:srgbClr val="000000"/>
-                </a:solidFill>
-              </a:rPr>
-              <a:t>(</a:t>
-            </a:r>
-            <a:r>
-              <a:rPr lang="ko-KR" altLang="en-US" sz="1600" dirty="0" smtClean="0">
-                <a:solidFill>
-                  <a:srgbClr val="000000"/>
-                </a:solidFill>
-              </a:rPr>
-              <a:t>사전 테스트 </a:t>
-            </a:r>
-            <a:r>
-              <a:rPr lang="en-US" altLang="ko-KR" sz="1600" dirty="0" smtClean="0">
-                <a:solidFill>
-                  <a:srgbClr val="000000"/>
-                </a:solidFill>
-              </a:rPr>
-              <a:t>+ </a:t>
-            </a:r>
-            <a:r>
-              <a:rPr lang="ko-KR" altLang="en-US" sz="1600" dirty="0" smtClean="0">
-                <a:solidFill>
-                  <a:srgbClr val="000000"/>
-                </a:solidFill>
-              </a:rPr>
-              <a:t>사후 테스트</a:t>
-            </a:r>
-            <a:r>
-              <a:rPr lang="en-US" altLang="ko-KR" sz="1600" dirty="0" smtClean="0">
-                <a:solidFill>
-                  <a:srgbClr val="000000"/>
-                </a:solidFill>
-              </a:rPr>
-              <a:t>)</a:t>
-            </a:r>
-          </a:p>
-          <a:p>
-            <a:pPr marL="742950" lvl="1" indent="-285750">
-              <a:lnSpc>
-                <a:spcPct val="200000"/>
-              </a:lnSpc>
-              <a:buFont typeface="Wingdings" panose="05000000000000000000" pitchFamily="2" charset="2"/>
-              <a:buChar char="ü"/>
-            </a:pPr>
-            <a:r>
-              <a:rPr lang="ko-KR" altLang="en-US" sz="1600" dirty="0" err="1" smtClean="0">
-                <a:solidFill>
-                  <a:srgbClr val="000000"/>
-                </a:solidFill>
-              </a:rPr>
-              <a:t>독립표본</a:t>
-            </a:r>
-            <a:r>
-              <a:rPr lang="ko-KR" altLang="en-US" sz="1600" dirty="0" smtClean="0">
-                <a:solidFill>
-                  <a:srgbClr val="000000"/>
-                </a:solidFill>
-              </a:rPr>
-              <a:t> 예시</a:t>
-            </a:r>
-            <a:r>
-              <a:rPr lang="en-US" altLang="ko-KR" sz="1600" dirty="0" smtClean="0">
-                <a:solidFill>
-                  <a:srgbClr val="000000"/>
-                </a:solidFill>
-              </a:rPr>
-              <a:t>: </a:t>
-            </a:r>
-            <a:r>
-              <a:rPr lang="ko-KR" altLang="en-US" sz="1600" dirty="0" smtClean="0">
-                <a:solidFill>
-                  <a:srgbClr val="000000"/>
-                </a:solidFill>
-              </a:rPr>
-              <a:t>남자와 여자의 몸무게 비교</a:t>
-            </a:r>
-            <a:endParaRPr lang="en-US" altLang="ko-KR" sz="1600" dirty="0">
-              <a:solidFill>
-                <a:srgbClr val="000000"/>
-              </a:solidFill>
-            </a:endParaRPr>
-          </a:p>
-        </p:txBody>
-      </p:sp>
-      <p:sp>
-        <p:nvSpPr>
-          <p:cNvPr id="5" name="TextBox 4">
-            <a:extLst>
-              <a:ext uri="{FF2B5EF4-FFF2-40B4-BE49-F238E27FC236}">
-                <a16:creationId xmlns:a16="http://schemas.microsoft.com/office/drawing/2014/main" id="{1222C5BD-354A-B546-981C-AF3407B6864D}"/>
-              </a:ext>
-            </a:extLst>
-          </p:cNvPr>
-          <p:cNvSpPr txBox="1">
-            <a:spLocks noChangeArrowheads="1"/>
-          </p:cNvSpPr>
-          <p:nvPr/>
-        </p:nvSpPr>
-        <p:spPr bwMode="auto">
-          <a:xfrm>
-            <a:off x="596516" y="152636"/>
-            <a:ext cx="9074150" cy="854080"/>
-          </a:xfrm>
-          <a:prstGeom prst="rect">
-            <a:avLst/>
-          </a:prstGeom>
-          <a:noFill/>
-          <a:ln>
-            <a:noFill/>
-          </a:ln>
-          <a:effectLst/>
-          <a:extLst>
-            <a:ext uri="{909E8E84-426E-40DD-AFC4-6F175D3DCCD1}">
-              <a14:hiddenFill xmlns:a14="http://schemas.microsoft.com/office/drawing/2010/main">
-                <a:solidFill>
-                  <a:schemeClr val="accent1"/>
-                </a:solidFill>
-              </a14:hiddenFill>
-            </a:ext>
-            <a:ext uri="{91240B29-F687-4F45-9708-019B960494DF}">
-              <a14:hiddenLine xmlns:a14="http://schemas.microsoft.com/office/drawing/2010/main" w="9525" algn="ctr">
-                <a:solidFill>
-                  <a:schemeClr val="tx1"/>
-                </a:solidFill>
-                <a:miter lim="800000"/>
-                <a:headEnd/>
-                <a:tailEnd/>
-              </a14:hiddenLine>
-            </a:ext>
-            <a:ext uri="{AF507438-7753-43E0-B8FC-AC1667EBCBE1}">
-              <a14:hiddenEffects xmlns:a14="http://schemas.microsoft.com/office/drawing/2010/main">
-                <a:effectLst>
-                  <a:outerShdw dist="35921" dir="2700000" algn="ctr" rotWithShape="0">
-                    <a:schemeClr val="bg2"/>
-                  </a:outerShdw>
-                </a:effectLst>
-              </a14:hiddenEffects>
-            </a:ext>
-          </a:extLst>
-        </p:spPr>
-        <p:txBody>
-          <a:bodyPr>
-            <a:spAutoFit/>
-          </a:bodyPr>
-          <a:lstStyle>
-            <a:lvl1pPr marL="261938" indent="-261938" eaLnBrk="0" hangingPunct="0">
-              <a:defRPr kumimoji="1" sz="1400" b="1">
-                <a:solidFill>
-                  <a:schemeClr val="tx1"/>
-                </a:solidFill>
-                <a:latin typeface="맑은 고딕" pitchFamily="50" charset="-127"/>
-                <a:ea typeface="맑은 고딕" pitchFamily="50" charset="-127"/>
-              </a:defRPr>
-            </a:lvl1pPr>
-            <a:lvl2pPr marL="441325" indent="-177800" eaLnBrk="0" hangingPunct="0">
-              <a:defRPr kumimoji="1" sz="1400" b="1">
-                <a:solidFill>
-                  <a:schemeClr val="tx1"/>
-                </a:solidFill>
-                <a:latin typeface="맑은 고딕" pitchFamily="50" charset="-127"/>
-                <a:ea typeface="맑은 고딕" pitchFamily="50" charset="-127"/>
-              </a:defRPr>
-            </a:lvl2pPr>
-            <a:lvl3pPr marL="603250" indent="-160338" eaLnBrk="0" hangingPunct="0">
-              <a:defRPr kumimoji="1" sz="1400" b="1">
-                <a:solidFill>
-                  <a:schemeClr val="tx1"/>
-                </a:solidFill>
-                <a:latin typeface="맑은 고딕" pitchFamily="50" charset="-127"/>
-                <a:ea typeface="맑은 고딕" pitchFamily="50" charset="-127"/>
-              </a:defRPr>
-            </a:lvl3pPr>
-            <a:lvl4pPr marL="1600200" indent="-228600" eaLnBrk="0" hangingPunct="0">
-              <a:defRPr kumimoji="1" sz="1400" b="1">
-                <a:solidFill>
-                  <a:schemeClr val="tx1"/>
-                </a:solidFill>
-                <a:latin typeface="맑은 고딕" pitchFamily="50" charset="-127"/>
-                <a:ea typeface="맑은 고딕" pitchFamily="50" charset="-127"/>
-              </a:defRPr>
-            </a:lvl4pPr>
-            <a:lvl5pPr marL="2057400" indent="-228600" eaLnBrk="0" hangingPunct="0">
-              <a:defRPr kumimoji="1" sz="1400" b="1">
-                <a:solidFill>
-                  <a:schemeClr val="tx1"/>
-                </a:solidFill>
-                <a:latin typeface="맑은 고딕" pitchFamily="50" charset="-127"/>
-                <a:ea typeface="맑은 고딕" pitchFamily="50" charset="-127"/>
-              </a:defRPr>
-            </a:lvl5pPr>
-            <a:lvl6pPr marL="2514600" indent="-228600" eaLnBrk="0" fontAlgn="base" hangingPunct="0">
-              <a:lnSpc>
-                <a:spcPct val="120000"/>
-              </a:lnSpc>
-              <a:spcBef>
-                <a:spcPct val="30000"/>
-              </a:spcBef>
-              <a:spcAft>
-                <a:spcPct val="0"/>
-              </a:spcAft>
-              <a:buChar char="•"/>
-              <a:defRPr kumimoji="1" sz="1400" b="1">
-                <a:solidFill>
-                  <a:schemeClr val="tx1"/>
-                </a:solidFill>
-                <a:latin typeface="맑은 고딕" pitchFamily="50" charset="-127"/>
-                <a:ea typeface="맑은 고딕" pitchFamily="50" charset="-127"/>
-              </a:defRPr>
-            </a:lvl6pPr>
-            <a:lvl7pPr marL="2971800" indent="-228600" eaLnBrk="0" fontAlgn="base" hangingPunct="0">
-              <a:lnSpc>
-                <a:spcPct val="120000"/>
-              </a:lnSpc>
-              <a:spcBef>
-                <a:spcPct val="30000"/>
-              </a:spcBef>
-              <a:spcAft>
-                <a:spcPct val="0"/>
-              </a:spcAft>
-              <a:buChar char="•"/>
-              <a:defRPr kumimoji="1" sz="1400" b="1">
-                <a:solidFill>
-                  <a:schemeClr val="tx1"/>
-                </a:solidFill>
-                <a:latin typeface="맑은 고딕" pitchFamily="50" charset="-127"/>
-                <a:ea typeface="맑은 고딕" pitchFamily="50" charset="-127"/>
-              </a:defRPr>
-            </a:lvl7pPr>
-            <a:lvl8pPr marL="3429000" indent="-228600" eaLnBrk="0" fontAlgn="base" hangingPunct="0">
-              <a:lnSpc>
-                <a:spcPct val="120000"/>
-              </a:lnSpc>
-              <a:spcBef>
-                <a:spcPct val="30000"/>
-              </a:spcBef>
-              <a:spcAft>
-                <a:spcPct val="0"/>
-              </a:spcAft>
-              <a:buChar char="•"/>
-              <a:defRPr kumimoji="1" sz="1400" b="1">
-                <a:solidFill>
-                  <a:schemeClr val="tx1"/>
-                </a:solidFill>
-                <a:latin typeface="맑은 고딕" pitchFamily="50" charset="-127"/>
-                <a:ea typeface="맑은 고딕" pitchFamily="50" charset="-127"/>
-              </a:defRPr>
-            </a:lvl8pPr>
-            <a:lvl9pPr marL="3886200" indent="-228600" eaLnBrk="0" fontAlgn="base" hangingPunct="0">
-              <a:lnSpc>
-                <a:spcPct val="120000"/>
-              </a:lnSpc>
-              <a:spcBef>
-                <a:spcPct val="30000"/>
-              </a:spcBef>
-              <a:spcAft>
-                <a:spcPct val="0"/>
-              </a:spcAft>
-              <a:buChar char="•"/>
-              <a:defRPr kumimoji="1" sz="1400" b="1">
-                <a:solidFill>
-                  <a:schemeClr val="tx1"/>
-                </a:solidFill>
-                <a:latin typeface="맑은 고딕" pitchFamily="50" charset="-127"/>
-                <a:ea typeface="맑은 고딕" pitchFamily="50" charset="-127"/>
-              </a:defRPr>
-            </a:lvl9pPr>
-          </a:lstStyle>
-          <a:p>
-            <a:pPr marL="0" indent="0" eaLnBrk="1" hangingPunct="1">
-              <a:lnSpc>
-                <a:spcPct val="250000"/>
-              </a:lnSpc>
-              <a:buNone/>
-            </a:pPr>
-            <a:r>
-              <a:rPr lang="ko-KR" altLang="en-US" sz="2400" b="0" dirty="0"/>
-              <a:t>❑ </a:t>
-            </a:r>
-            <a:r>
-              <a:rPr lang="ko-KR" altLang="en-US" sz="2400" b="0" dirty="0" smtClean="0"/>
-              <a:t>두 평균의 비교 </a:t>
-            </a:r>
-            <a:r>
-              <a:rPr lang="en-US" altLang="ko-KR" sz="2400" b="0" dirty="0" smtClean="0"/>
-              <a:t>(</a:t>
-            </a:r>
-            <a:r>
-              <a:rPr lang="ko-KR" altLang="en-US" sz="2400" b="0" dirty="0" err="1" smtClean="0"/>
-              <a:t>대응표본</a:t>
-            </a:r>
-            <a:r>
-              <a:rPr lang="ko-KR" altLang="en-US" sz="2400" b="0" dirty="0" smtClean="0"/>
-              <a:t> </a:t>
-            </a:r>
-            <a:r>
-              <a:rPr lang="en-US" altLang="ko-KR" sz="2400" b="0" dirty="0" smtClean="0"/>
-              <a:t>vs </a:t>
-            </a:r>
-            <a:r>
-              <a:rPr lang="ko-KR" altLang="en-US" sz="2400" b="0" dirty="0" err="1" smtClean="0"/>
-              <a:t>독립표본</a:t>
-            </a:r>
-            <a:r>
-              <a:rPr lang="en-US" altLang="ko-KR" sz="2400" b="0" dirty="0" smtClean="0"/>
-              <a:t>)</a:t>
-            </a:r>
-            <a:endParaRPr lang="ko-KR" altLang="en-US" sz="1800" b="0" dirty="0"/>
-          </a:p>
-        </p:txBody>
-      </p:sp>
-      <p:pic>
-        <p:nvPicPr>
-          <p:cNvPr id="3" name="그림 2"/>
-          <p:cNvPicPr>
-            <a:picLocks noChangeAspect="1"/>
-          </p:cNvPicPr>
-          <p:nvPr/>
-        </p:nvPicPr>
-        <p:blipFill>
-          <a:blip r:embed="rId2"/>
-          <a:stretch>
-            <a:fillRect/>
-          </a:stretch>
-        </p:blipFill>
-        <p:spPr>
-          <a:xfrm>
-            <a:off x="6105128" y="4014045"/>
-            <a:ext cx="2898528" cy="1955803"/>
-          </a:xfrm>
-          <a:prstGeom prst="rect">
-            <a:avLst/>
-          </a:prstGeom>
-        </p:spPr>
-      </p:pic>
-      <p:pic>
-        <p:nvPicPr>
-          <p:cNvPr id="6" name="그림 5"/>
-          <p:cNvPicPr>
-            <a:picLocks noChangeAspect="1"/>
-          </p:cNvPicPr>
-          <p:nvPr/>
-        </p:nvPicPr>
-        <p:blipFill>
-          <a:blip r:embed="rId3"/>
-          <a:stretch>
-            <a:fillRect/>
-          </a:stretch>
-        </p:blipFill>
-        <p:spPr>
-          <a:xfrm>
-            <a:off x="1712529" y="3911827"/>
-            <a:ext cx="2675752" cy="2160240"/>
-          </a:xfrm>
-          <a:prstGeom prst="rect">
-            <a:avLst/>
-          </a:prstGeom>
-        </p:spPr>
-      </p:pic>
-    </p:spTree>
-    <p:extLst>
-      <p:ext uri="{BB962C8B-B14F-4D97-AF65-F5344CB8AC3E}">
-        <p14:creationId xmlns:p14="http://schemas.microsoft.com/office/powerpoint/2010/main" val="1336360051"/>
-      </p:ext>
-    </p:extLst>
-  </p:cSld>
-  <p:clrMapOvr>
-    <a:masterClrMapping/>
-  </p:clrMapOvr>
-</p:sld>
-</file>
-
-<file path=ppt/slides/slide5.xml><?xml version="1.0" encoding="utf-8"?>
+<file path=ppt/slides/slide11.xml><?xml version="1.0" encoding="utf-8"?>
 <p:sld xmlns:a="http://schemas.openxmlformats.org/drawingml/2006/main" xmlns:r="http://schemas.openxmlformats.org/officeDocument/2006/relationships" xmlns:p="http://schemas.openxmlformats.org/presentationml/2006/main">
   <p:cSld>
     <p:spTree>
@@ -5559,812 +4264,6 @@
               <a:t>❑ </a:t>
             </a:r>
             <a:r>
-              <a:rPr lang="ko-KR" altLang="en-US" sz="2400" b="0" dirty="0" smtClean="0"/>
-              <a:t>두 평균의 비교 </a:t>
-            </a:r>
-            <a:r>
-              <a:rPr lang="en-US" altLang="ko-KR" sz="2400" b="0" dirty="0" smtClean="0"/>
-              <a:t>(</a:t>
-            </a:r>
-            <a:r>
-              <a:rPr lang="ko-KR" altLang="en-US" sz="2400" b="0" dirty="0" err="1" smtClean="0"/>
-              <a:t>대응표본</a:t>
-            </a:r>
-            <a:r>
-              <a:rPr lang="ko-KR" altLang="en-US" sz="2400" b="0" dirty="0" smtClean="0"/>
-              <a:t> </a:t>
-            </a:r>
-            <a:r>
-              <a:rPr lang="en-US" altLang="ko-KR" sz="2400" b="0" dirty="0" smtClean="0"/>
-              <a:t>vs </a:t>
-            </a:r>
-            <a:r>
-              <a:rPr lang="ko-KR" altLang="en-US" sz="2400" b="0" dirty="0" err="1" smtClean="0"/>
-              <a:t>독립표본</a:t>
-            </a:r>
-            <a:r>
-              <a:rPr lang="en-US" altLang="ko-KR" sz="2400" b="0" dirty="0" smtClean="0"/>
-              <a:t>)</a:t>
-            </a:r>
-            <a:endParaRPr lang="ko-KR" altLang="en-US" sz="1800" b="0" dirty="0"/>
-          </a:p>
-        </p:txBody>
-      </p:sp>
-      <p:pic>
-        <p:nvPicPr>
-          <p:cNvPr id="1026" name="Picture 2" descr="https://t1.daumcdn.net/cfile/tistory/990F48365EFDC6BC08"/>
-          <p:cNvPicPr>
-            <a:picLocks noChangeAspect="1" noChangeArrowheads="1"/>
-          </p:cNvPicPr>
-          <p:nvPr/>
-        </p:nvPicPr>
-        <p:blipFill>
-          <a:blip r:embed="rId2">
-            <a:extLst>
-              <a:ext uri="{28A0092B-C50C-407E-A947-70E740481C1C}">
-                <a14:useLocalDpi xmlns:a14="http://schemas.microsoft.com/office/drawing/2010/main" val="0"/>
-              </a:ext>
-            </a:extLst>
-          </a:blip>
-          <a:srcRect/>
-          <a:stretch>
-            <a:fillRect/>
-          </a:stretch>
-        </p:blipFill>
-        <p:spPr bwMode="auto">
-          <a:xfrm>
-            <a:off x="977801" y="1268760"/>
-            <a:ext cx="8311579" cy="4672955"/>
-          </a:xfrm>
-          <a:prstGeom prst="rect">
-            <a:avLst/>
-          </a:prstGeom>
-          <a:noFill/>
-          <a:extLst>
-            <a:ext uri="{909E8E84-426E-40DD-AFC4-6F175D3DCCD1}">
-              <a14:hiddenFill xmlns:a14="http://schemas.microsoft.com/office/drawing/2010/main">
-                <a:solidFill>
-                  <a:srgbClr val="FFFFFF"/>
-                </a:solidFill>
-              </a14:hiddenFill>
-            </a:ext>
-          </a:extLst>
-        </p:spPr>
-      </p:pic>
-      <p:sp>
-        <p:nvSpPr>
-          <p:cNvPr id="8" name="타원 7"/>
-          <p:cNvSpPr/>
-          <p:nvPr/>
-        </p:nvSpPr>
-        <p:spPr>
-          <a:xfrm>
-            <a:off x="1698785" y="4207233"/>
-            <a:ext cx="1260140" cy="792088"/>
-          </a:xfrm>
-          <a:prstGeom prst="ellipse">
-            <a:avLst/>
-          </a:prstGeom>
-          <a:noFill/>
-          <a:ln>
-            <a:solidFill>
-              <a:srgbClr val="FF0000"/>
-            </a:solidFill>
-          </a:ln>
-        </p:spPr>
-        <p:style>
-          <a:lnRef idx="2">
-            <a:schemeClr val="accent1">
-              <a:shade val="50000"/>
-            </a:schemeClr>
-          </a:lnRef>
-          <a:fillRef idx="1">
-            <a:schemeClr val="accent1"/>
-          </a:fillRef>
-          <a:effectRef idx="0">
-            <a:schemeClr val="accent1"/>
-          </a:effectRef>
-          <a:fontRef idx="minor">
-            <a:schemeClr val="lt1"/>
-          </a:fontRef>
-        </p:style>
-        <p:txBody>
-          <a:bodyPr rtlCol="0" anchor="ctr"/>
-          <a:lstStyle/>
-          <a:p>
-            <a:pPr algn="ctr"/>
-            <a:endParaRPr lang="ko-KR" altLang="en-US"/>
-          </a:p>
-        </p:txBody>
-      </p:sp>
-    </p:spTree>
-    <p:extLst>
-      <p:ext uri="{BB962C8B-B14F-4D97-AF65-F5344CB8AC3E}">
-        <p14:creationId xmlns:p14="http://schemas.microsoft.com/office/powerpoint/2010/main" val="3858212572"/>
-      </p:ext>
-    </p:extLst>
-  </p:cSld>
-  <p:clrMapOvr>
-    <a:masterClrMapping/>
-  </p:clrMapOvr>
-</p:sld>
-</file>
-
-<file path=ppt/slides/slide6.xml><?xml version="1.0" encoding="utf-8"?>
-<p:sld xmlns:a="http://schemas.openxmlformats.org/drawingml/2006/main" xmlns:r="http://schemas.openxmlformats.org/officeDocument/2006/relationships" xmlns:p="http://schemas.openxmlformats.org/presentationml/2006/main">
-  <p:cSld>
-    <p:spTree>
-      <p:nvGrpSpPr>
-        <p:cNvPr id="1" name=""/>
-        <p:cNvGrpSpPr/>
-        <p:nvPr/>
-      </p:nvGrpSpPr>
-      <p:grpSpPr>
-        <a:xfrm>
-          <a:off x="0" y="0"/>
-          <a:ext cx="0" cy="0"/>
-          <a:chOff x="0" y="0"/>
-          <a:chExt cx="0" cy="0"/>
-        </a:xfrm>
-      </p:grpSpPr>
-      <p:sp>
-        <p:nvSpPr>
-          <p:cNvPr id="5" name="TextBox 4">
-            <a:extLst>
-              <a:ext uri="{FF2B5EF4-FFF2-40B4-BE49-F238E27FC236}">
-                <a16:creationId xmlns:a16="http://schemas.microsoft.com/office/drawing/2014/main" id="{1222C5BD-354A-B546-981C-AF3407B6864D}"/>
-              </a:ext>
-            </a:extLst>
-          </p:cNvPr>
-          <p:cNvSpPr txBox="1">
-            <a:spLocks noChangeArrowheads="1"/>
-          </p:cNvSpPr>
-          <p:nvPr/>
-        </p:nvSpPr>
-        <p:spPr bwMode="auto">
-          <a:xfrm>
-            <a:off x="596516" y="152636"/>
-            <a:ext cx="9074150" cy="854080"/>
-          </a:xfrm>
-          <a:prstGeom prst="rect">
-            <a:avLst/>
-          </a:prstGeom>
-          <a:noFill/>
-          <a:ln>
-            <a:noFill/>
-          </a:ln>
-          <a:effectLst/>
-          <a:extLst>
-            <a:ext uri="{909E8E84-426E-40DD-AFC4-6F175D3DCCD1}">
-              <a14:hiddenFill xmlns:a14="http://schemas.microsoft.com/office/drawing/2010/main">
-                <a:solidFill>
-                  <a:schemeClr val="accent1"/>
-                </a:solidFill>
-              </a14:hiddenFill>
-            </a:ext>
-            <a:ext uri="{91240B29-F687-4F45-9708-019B960494DF}">
-              <a14:hiddenLine xmlns:a14="http://schemas.microsoft.com/office/drawing/2010/main" w="9525" algn="ctr">
-                <a:solidFill>
-                  <a:schemeClr val="tx1"/>
-                </a:solidFill>
-                <a:miter lim="800000"/>
-                <a:headEnd/>
-                <a:tailEnd/>
-              </a14:hiddenLine>
-            </a:ext>
-            <a:ext uri="{AF507438-7753-43E0-B8FC-AC1667EBCBE1}">
-              <a14:hiddenEffects xmlns:a14="http://schemas.microsoft.com/office/drawing/2010/main">
-                <a:effectLst>
-                  <a:outerShdw dist="35921" dir="2700000" algn="ctr" rotWithShape="0">
-                    <a:schemeClr val="bg2"/>
-                  </a:outerShdw>
-                </a:effectLst>
-              </a14:hiddenEffects>
-            </a:ext>
-          </a:extLst>
-        </p:spPr>
-        <p:txBody>
-          <a:bodyPr>
-            <a:spAutoFit/>
-          </a:bodyPr>
-          <a:lstStyle>
-            <a:lvl1pPr marL="261938" indent="-261938" eaLnBrk="0" hangingPunct="0">
-              <a:defRPr kumimoji="1" sz="1400" b="1">
-                <a:solidFill>
-                  <a:schemeClr val="tx1"/>
-                </a:solidFill>
-                <a:latin typeface="맑은 고딕" pitchFamily="50" charset="-127"/>
-                <a:ea typeface="맑은 고딕" pitchFamily="50" charset="-127"/>
-              </a:defRPr>
-            </a:lvl1pPr>
-            <a:lvl2pPr marL="441325" indent="-177800" eaLnBrk="0" hangingPunct="0">
-              <a:defRPr kumimoji="1" sz="1400" b="1">
-                <a:solidFill>
-                  <a:schemeClr val="tx1"/>
-                </a:solidFill>
-                <a:latin typeface="맑은 고딕" pitchFamily="50" charset="-127"/>
-                <a:ea typeface="맑은 고딕" pitchFamily="50" charset="-127"/>
-              </a:defRPr>
-            </a:lvl2pPr>
-            <a:lvl3pPr marL="603250" indent="-160338" eaLnBrk="0" hangingPunct="0">
-              <a:defRPr kumimoji="1" sz="1400" b="1">
-                <a:solidFill>
-                  <a:schemeClr val="tx1"/>
-                </a:solidFill>
-                <a:latin typeface="맑은 고딕" pitchFamily="50" charset="-127"/>
-                <a:ea typeface="맑은 고딕" pitchFamily="50" charset="-127"/>
-              </a:defRPr>
-            </a:lvl3pPr>
-            <a:lvl4pPr marL="1600200" indent="-228600" eaLnBrk="0" hangingPunct="0">
-              <a:defRPr kumimoji="1" sz="1400" b="1">
-                <a:solidFill>
-                  <a:schemeClr val="tx1"/>
-                </a:solidFill>
-                <a:latin typeface="맑은 고딕" pitchFamily="50" charset="-127"/>
-                <a:ea typeface="맑은 고딕" pitchFamily="50" charset="-127"/>
-              </a:defRPr>
-            </a:lvl4pPr>
-            <a:lvl5pPr marL="2057400" indent="-228600" eaLnBrk="0" hangingPunct="0">
-              <a:defRPr kumimoji="1" sz="1400" b="1">
-                <a:solidFill>
-                  <a:schemeClr val="tx1"/>
-                </a:solidFill>
-                <a:latin typeface="맑은 고딕" pitchFamily="50" charset="-127"/>
-                <a:ea typeface="맑은 고딕" pitchFamily="50" charset="-127"/>
-              </a:defRPr>
-            </a:lvl5pPr>
-            <a:lvl6pPr marL="2514600" indent="-228600" eaLnBrk="0" fontAlgn="base" hangingPunct="0">
-              <a:lnSpc>
-                <a:spcPct val="120000"/>
-              </a:lnSpc>
-              <a:spcBef>
-                <a:spcPct val="30000"/>
-              </a:spcBef>
-              <a:spcAft>
-                <a:spcPct val="0"/>
-              </a:spcAft>
-              <a:buChar char="•"/>
-              <a:defRPr kumimoji="1" sz="1400" b="1">
-                <a:solidFill>
-                  <a:schemeClr val="tx1"/>
-                </a:solidFill>
-                <a:latin typeface="맑은 고딕" pitchFamily="50" charset="-127"/>
-                <a:ea typeface="맑은 고딕" pitchFamily="50" charset="-127"/>
-              </a:defRPr>
-            </a:lvl6pPr>
-            <a:lvl7pPr marL="2971800" indent="-228600" eaLnBrk="0" fontAlgn="base" hangingPunct="0">
-              <a:lnSpc>
-                <a:spcPct val="120000"/>
-              </a:lnSpc>
-              <a:spcBef>
-                <a:spcPct val="30000"/>
-              </a:spcBef>
-              <a:spcAft>
-                <a:spcPct val="0"/>
-              </a:spcAft>
-              <a:buChar char="•"/>
-              <a:defRPr kumimoji="1" sz="1400" b="1">
-                <a:solidFill>
-                  <a:schemeClr val="tx1"/>
-                </a:solidFill>
-                <a:latin typeface="맑은 고딕" pitchFamily="50" charset="-127"/>
-                <a:ea typeface="맑은 고딕" pitchFamily="50" charset="-127"/>
-              </a:defRPr>
-            </a:lvl7pPr>
-            <a:lvl8pPr marL="3429000" indent="-228600" eaLnBrk="0" fontAlgn="base" hangingPunct="0">
-              <a:lnSpc>
-                <a:spcPct val="120000"/>
-              </a:lnSpc>
-              <a:spcBef>
-                <a:spcPct val="30000"/>
-              </a:spcBef>
-              <a:spcAft>
-                <a:spcPct val="0"/>
-              </a:spcAft>
-              <a:buChar char="•"/>
-              <a:defRPr kumimoji="1" sz="1400" b="1">
-                <a:solidFill>
-                  <a:schemeClr val="tx1"/>
-                </a:solidFill>
-                <a:latin typeface="맑은 고딕" pitchFamily="50" charset="-127"/>
-                <a:ea typeface="맑은 고딕" pitchFamily="50" charset="-127"/>
-              </a:defRPr>
-            </a:lvl8pPr>
-            <a:lvl9pPr marL="3886200" indent="-228600" eaLnBrk="0" fontAlgn="base" hangingPunct="0">
-              <a:lnSpc>
-                <a:spcPct val="120000"/>
-              </a:lnSpc>
-              <a:spcBef>
-                <a:spcPct val="30000"/>
-              </a:spcBef>
-              <a:spcAft>
-                <a:spcPct val="0"/>
-              </a:spcAft>
-              <a:buChar char="•"/>
-              <a:defRPr kumimoji="1" sz="1400" b="1">
-                <a:solidFill>
-                  <a:schemeClr val="tx1"/>
-                </a:solidFill>
-                <a:latin typeface="맑은 고딕" pitchFamily="50" charset="-127"/>
-                <a:ea typeface="맑은 고딕" pitchFamily="50" charset="-127"/>
-              </a:defRPr>
-            </a:lvl9pPr>
-          </a:lstStyle>
-          <a:p>
-            <a:pPr marL="0" indent="0" eaLnBrk="1" hangingPunct="1">
-              <a:lnSpc>
-                <a:spcPct val="250000"/>
-              </a:lnSpc>
-              <a:buNone/>
-            </a:pPr>
-            <a:r>
-              <a:rPr lang="ko-KR" altLang="en-US" sz="2400" b="0" dirty="0"/>
-              <a:t>❑ </a:t>
-            </a:r>
-            <a:r>
-              <a:rPr lang="ko-KR" altLang="en-US" sz="2400" b="0" dirty="0" smtClean="0"/>
-              <a:t>두 평균의 비교 </a:t>
-            </a:r>
-            <a:r>
-              <a:rPr lang="en-US" altLang="ko-KR" sz="2400" b="0" dirty="0" smtClean="0"/>
-              <a:t>(</a:t>
-            </a:r>
-            <a:r>
-              <a:rPr lang="ko-KR" altLang="en-US" sz="2400" b="0" dirty="0" err="1" smtClean="0"/>
-              <a:t>대응표본</a:t>
-            </a:r>
-            <a:r>
-              <a:rPr lang="ko-KR" altLang="en-US" sz="2400" b="0" dirty="0" smtClean="0"/>
-              <a:t> </a:t>
-            </a:r>
-            <a:r>
-              <a:rPr lang="en-US" altLang="ko-KR" sz="2400" b="0" dirty="0" smtClean="0"/>
-              <a:t>vs </a:t>
-            </a:r>
-            <a:r>
-              <a:rPr lang="ko-KR" altLang="en-US" sz="2400" b="0" dirty="0" err="1" smtClean="0"/>
-              <a:t>독립표본</a:t>
-            </a:r>
-            <a:r>
-              <a:rPr lang="en-US" altLang="ko-KR" sz="2400" b="0" dirty="0" smtClean="0"/>
-              <a:t>)</a:t>
-            </a:r>
-            <a:endParaRPr lang="ko-KR" altLang="en-US" sz="1800" b="0" dirty="0"/>
-          </a:p>
-        </p:txBody>
-      </p:sp>
-      <p:sp>
-        <p:nvSpPr>
-          <p:cNvPr id="4" name="TextBox 3">
-            <a:extLst>
-              <a:ext uri="{FF2B5EF4-FFF2-40B4-BE49-F238E27FC236}">
-                <a16:creationId xmlns:a16="http://schemas.microsoft.com/office/drawing/2014/main" id="{950E22D6-7D3C-044D-844A-0EF328822ACD}"/>
-              </a:ext>
-            </a:extLst>
-          </p:cNvPr>
-          <p:cNvSpPr txBox="1"/>
-          <p:nvPr/>
-        </p:nvSpPr>
-        <p:spPr>
-          <a:xfrm>
-            <a:off x="850403" y="1009319"/>
-            <a:ext cx="8822122" cy="1717393"/>
-          </a:xfrm>
-          <a:prstGeom prst="rect">
-            <a:avLst/>
-          </a:prstGeom>
-          <a:noFill/>
-        </p:spPr>
-        <p:txBody>
-          <a:bodyPr wrap="square" rtlCol="0">
-            <a:spAutoFit/>
-          </a:bodyPr>
-          <a:lstStyle/>
-          <a:p>
-            <a:pPr marL="285750" lvl="0" indent="-285750">
-              <a:lnSpc>
-                <a:spcPct val="200000"/>
-              </a:lnSpc>
-              <a:buFont typeface="Courier New" panose="02070309020205020404" pitchFamily="49" charset="0"/>
-              <a:buChar char="o"/>
-            </a:pPr>
-            <a:r>
-              <a:rPr lang="ko-KR" altLang="en-US" sz="1600" dirty="0" smtClean="0">
-                <a:solidFill>
-                  <a:srgbClr val="000000"/>
-                </a:solidFill>
-              </a:rPr>
-              <a:t>두개 </a:t>
-            </a:r>
-            <a:r>
-              <a:rPr lang="ko-KR" altLang="en-US" sz="1600" dirty="0">
-                <a:solidFill>
-                  <a:srgbClr val="000000"/>
-                </a:solidFill>
-              </a:rPr>
-              <a:t>표본 </a:t>
-            </a:r>
-            <a:r>
-              <a:rPr lang="en-US" altLang="ko-KR" sz="1600" dirty="0" smtClean="0">
-                <a:solidFill>
-                  <a:srgbClr val="000000"/>
-                </a:solidFill>
-              </a:rPr>
-              <a:t>T-Test </a:t>
-            </a:r>
-            <a:r>
-              <a:rPr lang="ko-KR" altLang="en-US" sz="1600" dirty="0" smtClean="0">
-                <a:solidFill>
-                  <a:srgbClr val="000000"/>
-                </a:solidFill>
-              </a:rPr>
-              <a:t>실행 전</a:t>
-            </a:r>
-            <a:endParaRPr lang="en-US" altLang="ko-KR" sz="1600" dirty="0" smtClean="0">
-              <a:solidFill>
-                <a:srgbClr val="000000"/>
-              </a:solidFill>
-            </a:endParaRPr>
-          </a:p>
-          <a:p>
-            <a:pPr marL="742950" lvl="1" indent="-285750">
-              <a:lnSpc>
-                <a:spcPct val="200000"/>
-              </a:lnSpc>
-              <a:buFont typeface="Wingdings" panose="05000000000000000000" pitchFamily="2" charset="2"/>
-              <a:buChar char="ü"/>
-            </a:pPr>
-            <a:r>
-              <a:rPr lang="ko-KR" altLang="en-US" sz="1600" dirty="0" err="1" smtClean="0">
-                <a:solidFill>
-                  <a:srgbClr val="000000"/>
-                </a:solidFill>
-              </a:rPr>
-              <a:t>대응표본</a:t>
-            </a:r>
-            <a:r>
-              <a:rPr lang="en-US" altLang="ko-KR" sz="1600" dirty="0">
-                <a:solidFill>
-                  <a:srgbClr val="000000"/>
-                </a:solidFill>
-              </a:rPr>
-              <a:t> </a:t>
-            </a:r>
-            <a:r>
-              <a:rPr lang="en-US" altLang="ko-KR" sz="1600" dirty="0" smtClean="0">
-                <a:solidFill>
-                  <a:srgbClr val="000000"/>
-                </a:solidFill>
-              </a:rPr>
-              <a:t>: </a:t>
-            </a:r>
-            <a:r>
-              <a:rPr lang="ko-KR" altLang="en-US" sz="1600" dirty="0" err="1" smtClean="0">
-                <a:solidFill>
-                  <a:srgbClr val="000000"/>
-                </a:solidFill>
-              </a:rPr>
-              <a:t>등분산</a:t>
-            </a:r>
-            <a:r>
-              <a:rPr lang="ko-KR" altLang="en-US" sz="1600" dirty="0" smtClean="0">
-                <a:solidFill>
-                  <a:srgbClr val="000000"/>
-                </a:solidFill>
-              </a:rPr>
-              <a:t> 가정 고려 안함</a:t>
-            </a:r>
-            <a:endParaRPr lang="en-US" altLang="ko-KR" sz="1600" dirty="0" smtClean="0">
-              <a:solidFill>
-                <a:srgbClr val="000000"/>
-              </a:solidFill>
-            </a:endParaRPr>
-          </a:p>
-          <a:p>
-            <a:pPr marL="742950" lvl="1" indent="-285750">
-              <a:lnSpc>
-                <a:spcPct val="200000"/>
-              </a:lnSpc>
-              <a:buFont typeface="Wingdings" panose="05000000000000000000" pitchFamily="2" charset="2"/>
-              <a:buChar char="ü"/>
-            </a:pPr>
-            <a:r>
-              <a:rPr lang="ko-KR" altLang="en-US" sz="1600" dirty="0" err="1" smtClean="0">
-                <a:solidFill>
-                  <a:srgbClr val="000000"/>
-                </a:solidFill>
-              </a:rPr>
-              <a:t>독립표본</a:t>
-            </a:r>
-            <a:r>
-              <a:rPr lang="ko-KR" altLang="en-US" sz="1600" dirty="0" smtClean="0">
-                <a:solidFill>
-                  <a:srgbClr val="000000"/>
-                </a:solidFill>
-              </a:rPr>
-              <a:t> </a:t>
-            </a:r>
-            <a:r>
-              <a:rPr lang="en-US" altLang="ko-KR" sz="1600" dirty="0" smtClean="0">
-                <a:solidFill>
-                  <a:srgbClr val="000000"/>
-                </a:solidFill>
-              </a:rPr>
-              <a:t>: </a:t>
-            </a:r>
-            <a:r>
-              <a:rPr lang="ko-KR" altLang="en-US" sz="1600" dirty="0" err="1" smtClean="0">
-                <a:solidFill>
-                  <a:srgbClr val="000000"/>
-                </a:solidFill>
-              </a:rPr>
-              <a:t>등분산</a:t>
-            </a:r>
-            <a:r>
-              <a:rPr lang="ko-KR" altLang="en-US" sz="1600" dirty="0" smtClean="0">
-                <a:solidFill>
-                  <a:srgbClr val="000000"/>
-                </a:solidFill>
-              </a:rPr>
-              <a:t> 가정 고려 필수 </a:t>
-            </a:r>
-            <a:r>
-              <a:rPr lang="en-US" altLang="ko-KR" sz="1600" dirty="0" smtClean="0">
-                <a:solidFill>
-                  <a:srgbClr val="000000"/>
-                </a:solidFill>
-              </a:rPr>
-              <a:t>(Welch’s Test </a:t>
-            </a:r>
-            <a:r>
-              <a:rPr lang="ko-KR" altLang="en-US" sz="1600" dirty="0" smtClean="0">
-                <a:solidFill>
-                  <a:srgbClr val="000000"/>
-                </a:solidFill>
-              </a:rPr>
-              <a:t>반드시 진행</a:t>
-            </a:r>
-            <a:r>
-              <a:rPr lang="en-US" altLang="ko-KR" sz="1600" dirty="0" smtClean="0">
-                <a:solidFill>
-                  <a:srgbClr val="000000"/>
-                </a:solidFill>
-              </a:rPr>
-              <a:t>)</a:t>
-            </a:r>
-            <a:endParaRPr lang="en-US" altLang="ko-KR" sz="1600" dirty="0">
-              <a:solidFill>
-                <a:srgbClr val="000000"/>
-              </a:solidFill>
-            </a:endParaRPr>
-          </a:p>
-        </p:txBody>
-      </p:sp>
-    </p:spTree>
-    <p:extLst>
-      <p:ext uri="{BB962C8B-B14F-4D97-AF65-F5344CB8AC3E}">
-        <p14:creationId xmlns:p14="http://schemas.microsoft.com/office/powerpoint/2010/main" val="1270996260"/>
-      </p:ext>
-    </p:extLst>
-  </p:cSld>
-  <p:clrMapOvr>
-    <a:masterClrMapping/>
-  </p:clrMapOvr>
-</p:sld>
-</file>
-
-<file path=ppt/slides/slide7.xml><?xml version="1.0" encoding="utf-8"?>
-<p:sld xmlns:a="http://schemas.openxmlformats.org/drawingml/2006/main" xmlns:r="http://schemas.openxmlformats.org/officeDocument/2006/relationships" xmlns:p="http://schemas.openxmlformats.org/presentationml/2006/main">
-  <p:cSld>
-    <p:spTree>
-      <p:nvGrpSpPr>
-        <p:cNvPr id="1" name=""/>
-        <p:cNvGrpSpPr/>
-        <p:nvPr/>
-      </p:nvGrpSpPr>
-      <p:grpSpPr>
-        <a:xfrm>
-          <a:off x="0" y="0"/>
-          <a:ext cx="0" cy="0"/>
-          <a:chOff x="0" y="0"/>
-          <a:chExt cx="0" cy="0"/>
-        </a:xfrm>
-      </p:grpSpPr>
-      <p:sp>
-        <p:nvSpPr>
-          <p:cNvPr id="5" name="TextBox 4">
-            <a:extLst>
-              <a:ext uri="{FF2B5EF4-FFF2-40B4-BE49-F238E27FC236}">
-                <a16:creationId xmlns:a16="http://schemas.microsoft.com/office/drawing/2014/main" id="{1222C5BD-354A-B546-981C-AF3407B6864D}"/>
-              </a:ext>
-            </a:extLst>
-          </p:cNvPr>
-          <p:cNvSpPr txBox="1">
-            <a:spLocks noChangeArrowheads="1"/>
-          </p:cNvSpPr>
-          <p:nvPr/>
-        </p:nvSpPr>
-        <p:spPr bwMode="auto">
-          <a:xfrm>
-            <a:off x="596516" y="152636"/>
-            <a:ext cx="9074150" cy="854080"/>
-          </a:xfrm>
-          <a:prstGeom prst="rect">
-            <a:avLst/>
-          </a:prstGeom>
-          <a:noFill/>
-          <a:ln>
-            <a:noFill/>
-          </a:ln>
-          <a:effectLst/>
-          <a:extLst>
-            <a:ext uri="{909E8E84-426E-40DD-AFC4-6F175D3DCCD1}">
-              <a14:hiddenFill xmlns:a14="http://schemas.microsoft.com/office/drawing/2010/main">
-                <a:solidFill>
-                  <a:schemeClr val="accent1"/>
-                </a:solidFill>
-              </a14:hiddenFill>
-            </a:ext>
-            <a:ext uri="{91240B29-F687-4F45-9708-019B960494DF}">
-              <a14:hiddenLine xmlns:a14="http://schemas.microsoft.com/office/drawing/2010/main" w="9525" algn="ctr">
-                <a:solidFill>
-                  <a:schemeClr val="tx1"/>
-                </a:solidFill>
-                <a:miter lim="800000"/>
-                <a:headEnd/>
-                <a:tailEnd/>
-              </a14:hiddenLine>
-            </a:ext>
-            <a:ext uri="{AF507438-7753-43E0-B8FC-AC1667EBCBE1}">
-              <a14:hiddenEffects xmlns:a14="http://schemas.microsoft.com/office/drawing/2010/main">
-                <a:effectLst>
-                  <a:outerShdw dist="35921" dir="2700000" algn="ctr" rotWithShape="0">
-                    <a:schemeClr val="bg2"/>
-                  </a:outerShdw>
-                </a:effectLst>
-              </a14:hiddenEffects>
-            </a:ext>
-          </a:extLst>
-        </p:spPr>
-        <p:txBody>
-          <a:bodyPr>
-            <a:spAutoFit/>
-          </a:bodyPr>
-          <a:lstStyle>
-            <a:lvl1pPr marL="261938" indent="-261938" eaLnBrk="0" hangingPunct="0">
-              <a:defRPr kumimoji="1" sz="1400" b="1">
-                <a:solidFill>
-                  <a:schemeClr val="tx1"/>
-                </a:solidFill>
-                <a:latin typeface="맑은 고딕" pitchFamily="50" charset="-127"/>
-                <a:ea typeface="맑은 고딕" pitchFamily="50" charset="-127"/>
-              </a:defRPr>
-            </a:lvl1pPr>
-            <a:lvl2pPr marL="441325" indent="-177800" eaLnBrk="0" hangingPunct="0">
-              <a:defRPr kumimoji="1" sz="1400" b="1">
-                <a:solidFill>
-                  <a:schemeClr val="tx1"/>
-                </a:solidFill>
-                <a:latin typeface="맑은 고딕" pitchFamily="50" charset="-127"/>
-                <a:ea typeface="맑은 고딕" pitchFamily="50" charset="-127"/>
-              </a:defRPr>
-            </a:lvl2pPr>
-            <a:lvl3pPr marL="603250" indent="-160338" eaLnBrk="0" hangingPunct="0">
-              <a:defRPr kumimoji="1" sz="1400" b="1">
-                <a:solidFill>
-                  <a:schemeClr val="tx1"/>
-                </a:solidFill>
-                <a:latin typeface="맑은 고딕" pitchFamily="50" charset="-127"/>
-                <a:ea typeface="맑은 고딕" pitchFamily="50" charset="-127"/>
-              </a:defRPr>
-            </a:lvl3pPr>
-            <a:lvl4pPr marL="1600200" indent="-228600" eaLnBrk="0" hangingPunct="0">
-              <a:defRPr kumimoji="1" sz="1400" b="1">
-                <a:solidFill>
-                  <a:schemeClr val="tx1"/>
-                </a:solidFill>
-                <a:latin typeface="맑은 고딕" pitchFamily="50" charset="-127"/>
-                <a:ea typeface="맑은 고딕" pitchFamily="50" charset="-127"/>
-              </a:defRPr>
-            </a:lvl4pPr>
-            <a:lvl5pPr marL="2057400" indent="-228600" eaLnBrk="0" hangingPunct="0">
-              <a:defRPr kumimoji="1" sz="1400" b="1">
-                <a:solidFill>
-                  <a:schemeClr val="tx1"/>
-                </a:solidFill>
-                <a:latin typeface="맑은 고딕" pitchFamily="50" charset="-127"/>
-                <a:ea typeface="맑은 고딕" pitchFamily="50" charset="-127"/>
-              </a:defRPr>
-            </a:lvl5pPr>
-            <a:lvl6pPr marL="2514600" indent="-228600" eaLnBrk="0" fontAlgn="base" hangingPunct="0">
-              <a:lnSpc>
-                <a:spcPct val="120000"/>
-              </a:lnSpc>
-              <a:spcBef>
-                <a:spcPct val="30000"/>
-              </a:spcBef>
-              <a:spcAft>
-                <a:spcPct val="0"/>
-              </a:spcAft>
-              <a:buChar char="•"/>
-              <a:defRPr kumimoji="1" sz="1400" b="1">
-                <a:solidFill>
-                  <a:schemeClr val="tx1"/>
-                </a:solidFill>
-                <a:latin typeface="맑은 고딕" pitchFamily="50" charset="-127"/>
-                <a:ea typeface="맑은 고딕" pitchFamily="50" charset="-127"/>
-              </a:defRPr>
-            </a:lvl6pPr>
-            <a:lvl7pPr marL="2971800" indent="-228600" eaLnBrk="0" fontAlgn="base" hangingPunct="0">
-              <a:lnSpc>
-                <a:spcPct val="120000"/>
-              </a:lnSpc>
-              <a:spcBef>
-                <a:spcPct val="30000"/>
-              </a:spcBef>
-              <a:spcAft>
-                <a:spcPct val="0"/>
-              </a:spcAft>
-              <a:buChar char="•"/>
-              <a:defRPr kumimoji="1" sz="1400" b="1">
-                <a:solidFill>
-                  <a:schemeClr val="tx1"/>
-                </a:solidFill>
-                <a:latin typeface="맑은 고딕" pitchFamily="50" charset="-127"/>
-                <a:ea typeface="맑은 고딕" pitchFamily="50" charset="-127"/>
-              </a:defRPr>
-            </a:lvl7pPr>
-            <a:lvl8pPr marL="3429000" indent="-228600" eaLnBrk="0" fontAlgn="base" hangingPunct="0">
-              <a:lnSpc>
-                <a:spcPct val="120000"/>
-              </a:lnSpc>
-              <a:spcBef>
-                <a:spcPct val="30000"/>
-              </a:spcBef>
-              <a:spcAft>
-                <a:spcPct val="0"/>
-              </a:spcAft>
-              <a:buChar char="•"/>
-              <a:defRPr kumimoji="1" sz="1400" b="1">
-                <a:solidFill>
-                  <a:schemeClr val="tx1"/>
-                </a:solidFill>
-                <a:latin typeface="맑은 고딕" pitchFamily="50" charset="-127"/>
-                <a:ea typeface="맑은 고딕" pitchFamily="50" charset="-127"/>
-              </a:defRPr>
-            </a:lvl8pPr>
-            <a:lvl9pPr marL="3886200" indent="-228600" eaLnBrk="0" fontAlgn="base" hangingPunct="0">
-              <a:lnSpc>
-                <a:spcPct val="120000"/>
-              </a:lnSpc>
-              <a:spcBef>
-                <a:spcPct val="30000"/>
-              </a:spcBef>
-              <a:spcAft>
-                <a:spcPct val="0"/>
-              </a:spcAft>
-              <a:buChar char="•"/>
-              <a:defRPr kumimoji="1" sz="1400" b="1">
-                <a:solidFill>
-                  <a:schemeClr val="tx1"/>
-                </a:solidFill>
-                <a:latin typeface="맑은 고딕" pitchFamily="50" charset="-127"/>
-                <a:ea typeface="맑은 고딕" pitchFamily="50" charset="-127"/>
-              </a:defRPr>
-            </a:lvl9pPr>
-          </a:lstStyle>
-          <a:p>
-            <a:pPr marL="0" indent="0" eaLnBrk="1" hangingPunct="1">
-              <a:lnSpc>
-                <a:spcPct val="250000"/>
-              </a:lnSpc>
-              <a:buNone/>
-            </a:pPr>
-            <a:r>
-              <a:rPr lang="ko-KR" altLang="en-US" sz="2400" b="0" dirty="0"/>
-              <a:t>❑ </a:t>
-            </a:r>
-            <a:r>
               <a:rPr lang="ko-KR" altLang="en-US" sz="2400" b="0" dirty="0" err="1" smtClean="0"/>
               <a:t>등분산성</a:t>
             </a:r>
@@ -6467,8 +4366,8 @@
           </a:p>
         </p:txBody>
       </p:sp>
-      <mc:AlternateContent xmlns:mc="http://schemas.openxmlformats.org/markup-compatibility/2006">
-        <mc:Choice xmlns:a14="http://schemas.microsoft.com/office/drawing/2010/main" Requires="a14">
+      <mc:AlternateContent xmlns:mc="http://schemas.openxmlformats.org/markup-compatibility/2006" xmlns:a14="http://schemas.microsoft.com/office/drawing/2010/main">
+        <mc:Choice Requires="a14">
           <p:sp>
             <p:nvSpPr>
               <p:cNvPr id="6" name="TextBox 5">
@@ -6668,7 +4567,7 @@
             </p:txBody>
           </p:sp>
         </mc:Choice>
-        <mc:Fallback>
+        <mc:Fallback xmlns="">
           <p:sp>
             <p:nvSpPr>
               <p:cNvPr id="6" name="TextBox 5">
@@ -6788,8 +4687,8 @@
           </a:p>
         </p:txBody>
       </p:sp>
-      <mc:AlternateContent xmlns:mc="http://schemas.openxmlformats.org/markup-compatibility/2006">
-        <mc:Choice xmlns:a14="http://schemas.microsoft.com/office/drawing/2010/main" Requires="a14">
+      <mc:AlternateContent xmlns:mc="http://schemas.openxmlformats.org/markup-compatibility/2006" xmlns:a14="http://schemas.microsoft.com/office/drawing/2010/main">
+        <mc:Choice Requires="a14">
           <p:sp>
             <p:nvSpPr>
               <p:cNvPr id="8" name="TextBox 7">
@@ -6989,7 +4888,7 @@
             </p:txBody>
           </p:sp>
         </mc:Choice>
-        <mc:Fallback>
+        <mc:Fallback xmlns="">
           <p:sp>
             <p:nvSpPr>
               <p:cNvPr id="8" name="TextBox 7">
@@ -7235,7 +5134,7 @@
 </p:sld>
 </file>
 
-<file path=ppt/slides/slide8.xml><?xml version="1.0" encoding="utf-8"?>
+<file path=ppt/slides/slide2.xml><?xml version="1.0" encoding="utf-8"?>
 <p:sld xmlns:a="http://schemas.openxmlformats.org/drawingml/2006/main" xmlns:r="http://schemas.openxmlformats.org/officeDocument/2006/relationships" xmlns:p="http://schemas.openxmlformats.org/presentationml/2006/main">
   <p:cSld>
     <p:spTree>
@@ -7444,20 +5343,40 @@
             </a:pPr>
             <a:r>
               <a:rPr lang="ko-KR" altLang="en-US" sz="2400" b="0" dirty="0" smtClean="0"/>
-              <a:t>❑ 통계 해석</a:t>
+              <a:t>❑ </a:t>
+            </a:r>
+            <a:r>
+              <a:rPr lang="ko-KR" altLang="en-US" sz="2400" b="0" dirty="0" smtClean="0"/>
+              <a:t>기본 </a:t>
+            </a:r>
+            <a:r>
+              <a:rPr lang="en-US" altLang="ko-KR" sz="2400" b="0" dirty="0" err="1" smtClean="0"/>
+              <a:t>t.test</a:t>
+            </a:r>
+            <a:r>
+              <a:rPr lang="ko-KR" altLang="en-US" sz="2400" b="0" dirty="0" smtClean="0"/>
+              <a:t>에서의 </a:t>
+            </a:r>
+            <a:r>
+              <a:rPr lang="en-US" altLang="ko-KR" sz="2400" b="0" dirty="0" smtClean="0"/>
+              <a:t>t-statistic </a:t>
+            </a:r>
+            <a:r>
+              <a:rPr lang="ko-KR" altLang="en-US" sz="2400" b="0" dirty="0" smtClean="0"/>
+              <a:t>공식</a:t>
             </a:r>
             <a:endParaRPr lang="ko-KR" altLang="en-US" sz="1800" b="0" dirty="0"/>
           </a:p>
         </p:txBody>
       </p:sp>
-      <mc:AlternateContent xmlns:mc="http://schemas.openxmlformats.org/markup-compatibility/2006" xmlns:a14="http://schemas.microsoft.com/office/drawing/2010/main">
-        <mc:Choice Requires="a14">
+      <mc:AlternateContent xmlns:mc="http://schemas.openxmlformats.org/markup-compatibility/2006">
+        <mc:Choice xmlns:a14="http://schemas.microsoft.com/office/drawing/2010/main" Requires="a14">
           <p:sp>
             <p:nvSpPr>
-              <p:cNvPr id="6" name="TextBox 5">
+              <p:cNvPr id="7" name="TextBox 6">
                 <a:extLst>
                   <a:ext uri="{FF2B5EF4-FFF2-40B4-BE49-F238E27FC236}">
-                    <a16:creationId xmlns:a16="http://schemas.microsoft.com/office/drawing/2014/main" id="{0BAD829E-11E8-7D4A-A4A5-B8EDC9050E70}"/>
+                    <a16:creationId xmlns:a16="http://schemas.microsoft.com/office/drawing/2014/main" id="{0DC2BE0C-9456-264A-9CB9-5EEBB85D3765}"/>
                   </a:ext>
                 </a:extLst>
               </p:cNvPr>
@@ -7466,8 +5385,175 @@
             </p:nvSpPr>
             <p:spPr>
               <a:xfrm>
-                <a:off x="1706758" y="5768060"/>
-                <a:ext cx="6492483" cy="392736"/>
+                <a:off x="3584848" y="1261358"/>
+                <a:ext cx="1968488" cy="1372940"/>
+              </a:xfrm>
+              <a:prstGeom prst="rect">
+                <a:avLst/>
+              </a:prstGeom>
+              <a:noFill/>
+            </p:spPr>
+            <p:txBody>
+              <a:bodyPr wrap="none" lIns="0" tIns="0" rIns="0" bIns="0" rtlCol="0">
+                <a:spAutoFit/>
+              </a:bodyPr>
+              <a:lstStyle/>
+              <a:p>
+                <a:pPr>
+                  <a:buNone/>
+                </a:pPr>
+                <a14:m>
+                  <m:oMathPara xmlns:m="http://schemas.openxmlformats.org/officeDocument/2006/math">
+                    <m:oMathParaPr>
+                      <m:jc m:val="centerGroup"/>
+                    </m:oMathParaPr>
+                    <m:oMath xmlns:m="http://schemas.openxmlformats.org/officeDocument/2006/math">
+                      <m:r>
+                        <a:rPr lang="en-US" sz="2800" b="1" i="1" smtClean="0">
+                          <a:latin typeface="Cambria Math" panose="02040503050406030204" pitchFamily="18" charset="0"/>
+                        </a:rPr>
+                        <m:t>𝒕</m:t>
+                      </m:r>
+                      <m:r>
+                        <a:rPr lang="en-US" sz="2800" b="1" i="1" smtClean="0">
+                          <a:latin typeface="Cambria Math" panose="02040503050406030204" pitchFamily="18" charset="0"/>
+                        </a:rPr>
+                        <m:t>= </m:t>
+                      </m:r>
+                      <m:f>
+                        <m:fPr>
+                          <m:ctrlPr>
+                            <a:rPr lang="en-US" sz="2800" b="1" i="1" smtClean="0">
+                              <a:latin typeface="Cambria Math" panose="02040503050406030204" pitchFamily="18" charset="0"/>
+                            </a:rPr>
+                          </m:ctrlPr>
+                        </m:fPr>
+                        <m:num>
+                          <m:r>
+                            <a:rPr lang="en-US" altLang="ko-KR" sz="2800" b="1" i="1" smtClean="0">
+                              <a:latin typeface="Cambria Math" panose="02040503050406030204" pitchFamily="18" charset="0"/>
+                            </a:rPr>
+                            <m:t>𝒎</m:t>
+                          </m:r>
+                          <m:r>
+                            <a:rPr lang="en-US" altLang="ko-KR" sz="2800" b="1" i="1" smtClean="0">
+                              <a:latin typeface="Cambria Math" panose="02040503050406030204" pitchFamily="18" charset="0"/>
+                            </a:rPr>
+                            <m:t> − </m:t>
+                          </m:r>
+                          <m:r>
+                            <a:rPr lang="ko-KR" altLang="en-US" sz="2800" b="1" i="1" smtClean="0">
+                              <a:latin typeface="Cambria Math" panose="02040503050406030204" pitchFamily="18" charset="0"/>
+                            </a:rPr>
+                            <m:t>𝝁</m:t>
+                          </m:r>
+                        </m:num>
+                        <m:den>
+                          <m:f>
+                            <m:fPr>
+                              <m:ctrlPr>
+                                <a:rPr lang="en-US" altLang="ko-KR" sz="2800" b="1" i="1" smtClean="0">
+                                  <a:latin typeface="Cambria Math" panose="02040503050406030204" pitchFamily="18" charset="0"/>
+                                </a:rPr>
+                              </m:ctrlPr>
+                            </m:fPr>
+                            <m:num>
+                              <m:r>
+                                <a:rPr lang="en-US" altLang="ko-KR" sz="2800" b="1" i="1" smtClean="0">
+                                  <a:latin typeface="Cambria Math" panose="02040503050406030204" pitchFamily="18" charset="0"/>
+                                </a:rPr>
+                                <m:t>𝒔</m:t>
+                              </m:r>
+                            </m:num>
+                            <m:den>
+                              <m:rad>
+                                <m:radPr>
+                                  <m:degHide m:val="on"/>
+                                  <m:ctrlPr>
+                                    <a:rPr lang="en-US" altLang="ko-KR" sz="2800" b="1" i="1" smtClean="0">
+                                      <a:latin typeface="Cambria Math" panose="02040503050406030204" pitchFamily="18" charset="0"/>
+                                    </a:rPr>
+                                  </m:ctrlPr>
+                                </m:radPr>
+                                <m:deg/>
+                                <m:e>
+                                  <m:r>
+                                    <a:rPr lang="en-US" altLang="ko-KR" sz="2800" b="1" i="1" smtClean="0">
+                                      <a:latin typeface="Cambria Math" panose="02040503050406030204" pitchFamily="18" charset="0"/>
+                                    </a:rPr>
+                                    <m:t>𝒏</m:t>
+                                  </m:r>
+                                </m:e>
+                              </m:rad>
+                            </m:den>
+                          </m:f>
+                        </m:den>
+                      </m:f>
+                    </m:oMath>
+                  </m:oMathPara>
+                </a14:m>
+                <a:endParaRPr lang="en-KR" sz="2800" dirty="0"/>
+              </a:p>
+            </p:txBody>
+          </p:sp>
+        </mc:Choice>
+        <mc:Fallback>
+          <p:sp>
+            <p:nvSpPr>
+              <p:cNvPr id="7" name="TextBox 6">
+                <a:extLst>
+                  <a:ext uri="{FF2B5EF4-FFF2-40B4-BE49-F238E27FC236}">
+                    <a16:creationId xmlns:a16="http://schemas.microsoft.com/office/drawing/2014/main" id="{0DC2BE0C-9456-264A-9CB9-5EEBB85D3765}"/>
+                  </a:ext>
+                </a:extLst>
+              </p:cNvPr>
+              <p:cNvSpPr txBox="1">
+                <a:spLocks noRot="1" noChangeAspect="1" noMove="1" noResize="1" noEditPoints="1" noAdjustHandles="1" noChangeArrowheads="1" noChangeShapeType="1" noTextEdit="1"/>
+              </p:cNvSpPr>
+              <p:nvPr/>
+            </p:nvSpPr>
+            <p:spPr>
+              <a:xfrm>
+                <a:off x="3584848" y="1261358"/>
+                <a:ext cx="1968488" cy="1372940"/>
+              </a:xfrm>
+              <a:prstGeom prst="rect">
+                <a:avLst/>
+              </a:prstGeom>
+              <a:blipFill>
+                <a:blip r:embed="rId2"/>
+                <a:stretch>
+                  <a:fillRect/>
+                </a:stretch>
+              </a:blipFill>
+            </p:spPr>
+            <p:txBody>
+              <a:bodyPr/>
+              <a:lstStyle/>
+              <a:p>
+                <a:r>
+                  <a:rPr lang="ko-KR" altLang="en-US">
+                    <a:noFill/>
+                  </a:rPr>
+                  <a:t> </a:t>
+                </a:r>
+              </a:p>
+            </p:txBody>
+          </p:sp>
+        </mc:Fallback>
+      </mc:AlternateContent>
+      <mc:AlternateContent xmlns:mc="http://schemas.openxmlformats.org/markup-compatibility/2006">
+        <mc:Choice xmlns:a14="http://schemas.microsoft.com/office/drawing/2010/main" Requires="a14">
+          <p:sp>
+            <p:nvSpPr>
+              <p:cNvPr id="4" name="TextBox 3"/>
+              <p:cNvSpPr txBox="1"/>
+              <p:nvPr/>
+            </p:nvSpPr>
+            <p:spPr>
+              <a:xfrm>
+                <a:off x="3265932" y="3068960"/>
+                <a:ext cx="3735318" cy="1320361"/>
               </a:xfrm>
               <a:prstGeom prst="rect">
                 <a:avLst/>
@@ -7480,86 +5566,152 @@
               </a:bodyPr>
               <a:lstStyle/>
               <a:p>
-                <a:pPr>
-                  <a:buNone/>
+                <a:pPr marL="285750" indent="-285750">
+                  <a:buFont typeface="Wingdings" panose="05000000000000000000" pitchFamily="2" charset="2"/>
+                  <a:buChar char="ü"/>
                 </a:pPr>
-                <a:r>
-                  <a:rPr lang="ko-KR" altLang="en-US" sz="1800" dirty="0"/>
-                  <a:t>자유도가 </a:t>
-                </a:r>
-                <a:r>
-                  <a:rPr lang="en-US" altLang="ko-KR" sz="1800" dirty="0"/>
-                  <a:t>30</a:t>
-                </a:r>
-                <a:r>
-                  <a:rPr lang="ko-KR" altLang="en-US" sz="1800" dirty="0"/>
-                  <a:t>인 </a:t>
-                </a:r>
-                <a:r>
-                  <a:rPr lang="en-US" altLang="ko-KR" sz="1800" dirty="0"/>
-                  <a:t>z-</a:t>
-                </a:r>
-                <a:r>
-                  <a:rPr lang="ko-KR" altLang="en-US" sz="1800" dirty="0"/>
-                  <a:t>분포에서 유의수준 </a:t>
-                </a:r>
                 <a14:m>
                   <m:oMath xmlns:m="http://schemas.openxmlformats.org/officeDocument/2006/math">
                     <m:r>
-                      <a:rPr lang="ko-KR" altLang="en-US" sz="1800" i="1" smtClean="0">
+                      <a:rPr lang="en-US" altLang="ko-KR" b="1" i="1" smtClean="0">
                         <a:latin typeface="Cambria Math" panose="02040503050406030204" pitchFamily="18" charset="0"/>
                       </a:rPr>
-                      <m:t>𝜶</m:t>
+                      <m:t>𝒎</m:t>
                     </m:r>
                     <m:r>
-                      <a:rPr lang="en-US" altLang="ko-KR" sz="1800" b="1" i="0" smtClean="0">
+                      <a:rPr lang="en-US" altLang="ko-KR" i="1">
                         <a:latin typeface="Cambria Math" panose="02040503050406030204" pitchFamily="18" charset="0"/>
                       </a:rPr>
-                      <m:t>=</m:t>
-                    </m:r>
-                    <m:r>
-                      <a:rPr lang="en-US" altLang="ko-KR" sz="1800" b="1" i="0" smtClean="0">
-                        <a:latin typeface="Cambria Math" panose="02040503050406030204" pitchFamily="18" charset="0"/>
-                      </a:rPr>
-                      <m:t>𝟎</m:t>
-                    </m:r>
-                    <m:r>
-                      <a:rPr lang="en-US" altLang="ko-KR" sz="1800" b="1" i="0" smtClean="0">
-                        <a:latin typeface="Cambria Math" panose="02040503050406030204" pitchFamily="18" charset="0"/>
-                      </a:rPr>
-                      <m:t>.</m:t>
-                    </m:r>
-                    <m:r>
-                      <a:rPr lang="en-US" altLang="ko-KR" sz="1800" b="1" i="0" smtClean="0">
-                        <a:latin typeface="Cambria Math" panose="02040503050406030204" pitchFamily="18" charset="0"/>
-                      </a:rPr>
-                      <m:t>𝟎𝟓</m:t>
+                      <m:t>: </m:t>
                     </m:r>
                   </m:oMath>
                 </a14:m>
                 <a:r>
-                  <a:rPr lang="ko-KR" altLang="en-US" sz="1800" dirty="0"/>
-                  <a:t>일 때의 </a:t>
+                  <a:rPr lang="ko-KR" altLang="en-US" dirty="0" smtClean="0"/>
+                  <a:t> </a:t>
                 </a:r>
                 <a:r>
-                  <a:rPr lang="ko-KR" altLang="en-US" sz="1800" dirty="0" err="1"/>
-                  <a:t>기각역</a:t>
+                  <a:rPr lang="ko-KR" altLang="en-US" dirty="0" smtClean="0"/>
+                  <a:t>표본의 평균</a:t>
                 </a:r>
-                <a:endParaRPr lang="en-KR" sz="1800" dirty="0"/>
+                <a:endParaRPr lang="en-US" altLang="ko-KR" dirty="0" smtClean="0"/>
+              </a:p>
+              <a:p>
+                <a:pPr marL="285750" indent="-285750">
+                  <a:buFont typeface="Wingdings" panose="05000000000000000000" pitchFamily="2" charset="2"/>
+                  <a:buChar char="ü"/>
+                </a:pPr>
+                <a14:m>
+                  <m:oMath xmlns:m="http://schemas.openxmlformats.org/officeDocument/2006/math">
+                    <m:r>
+                      <a:rPr lang="ko-KR" altLang="en-US" i="1" smtClean="0">
+                        <a:latin typeface="Cambria Math" panose="02040503050406030204" pitchFamily="18" charset="0"/>
+                      </a:rPr>
+                      <m:t>𝝁</m:t>
+                    </m:r>
+                    <m:r>
+                      <a:rPr lang="en-US" altLang="ko-KR" i="1">
+                        <a:latin typeface="Cambria Math" panose="02040503050406030204" pitchFamily="18" charset="0"/>
+                      </a:rPr>
+                      <m:t>: </m:t>
+                    </m:r>
+                  </m:oMath>
+                </a14:m>
+                <a:r>
+                  <a:rPr lang="ko-KR" altLang="en-US" dirty="0"/>
+                  <a:t> </a:t>
+                </a:r>
+                <a:r>
+                  <a:rPr lang="ko-KR" altLang="en-US" dirty="0" smtClean="0"/>
+                  <a:t>기대 평균 </a:t>
+                </a:r>
+                <a:r>
+                  <a:rPr lang="en-US" altLang="ko-KR" dirty="0" smtClean="0"/>
+                  <a:t>= </a:t>
+                </a:r>
+                <a:r>
+                  <a:rPr lang="ko-KR" altLang="en-US" dirty="0" smtClean="0"/>
+                  <a:t>모평균</a:t>
+                </a:r>
+                <a:endParaRPr lang="en-US" altLang="ko-KR" dirty="0" smtClean="0"/>
+              </a:p>
+              <a:p>
+                <a:pPr marL="285750" indent="-285750">
+                  <a:buFont typeface="Wingdings" panose="05000000000000000000" pitchFamily="2" charset="2"/>
+                  <a:buChar char="ü"/>
+                </a:pPr>
+                <a14:m>
+                  <m:oMath xmlns:m="http://schemas.openxmlformats.org/officeDocument/2006/math">
+                    <m:r>
+                      <a:rPr lang="en-US" altLang="ko-KR" b="1" i="1" smtClean="0">
+                        <a:latin typeface="Cambria Math" panose="02040503050406030204" pitchFamily="18" charset="0"/>
+                      </a:rPr>
+                      <m:t>𝒔</m:t>
+                    </m:r>
+                    <m:r>
+                      <a:rPr lang="en-US" altLang="ko-KR" i="1">
+                        <a:latin typeface="Cambria Math" panose="02040503050406030204" pitchFamily="18" charset="0"/>
+                      </a:rPr>
+                      <m:t>: </m:t>
+                    </m:r>
+                  </m:oMath>
+                </a14:m>
+                <a:r>
+                  <a:rPr lang="ko-KR" altLang="en-US" dirty="0"/>
+                  <a:t> </a:t>
+                </a:r>
+                <a:r>
+                  <a:rPr lang="ko-KR" altLang="en-US" dirty="0" smtClean="0"/>
+                  <a:t>자유도가 </a:t>
+                </a:r>
+                <a:r>
+                  <a:rPr lang="en-US" altLang="ko-KR" dirty="0" smtClean="0"/>
+                  <a:t>N-1</a:t>
+                </a:r>
+                <a:r>
+                  <a:rPr lang="ko-KR" altLang="en-US" dirty="0" smtClean="0"/>
+                  <a:t>인 표본의 표본표준편차</a:t>
+                </a:r>
+                <a:endParaRPr lang="en-US" altLang="ko-KR" dirty="0" smtClean="0"/>
+              </a:p>
+              <a:p>
+                <a:pPr marL="285750" indent="-285750">
+                  <a:buFont typeface="Wingdings" panose="05000000000000000000" pitchFamily="2" charset="2"/>
+                  <a:buChar char="ü"/>
+                </a:pPr>
+                <a14:m>
+                  <m:oMath xmlns:m="http://schemas.openxmlformats.org/officeDocument/2006/math">
+                    <m:r>
+                      <a:rPr lang="en-US" altLang="ko-KR" b="1" i="1" smtClean="0">
+                        <a:latin typeface="Cambria Math" panose="02040503050406030204" pitchFamily="18" charset="0"/>
+                      </a:rPr>
+                      <m:t>𝒏</m:t>
+                    </m:r>
+                    <m:r>
+                      <a:rPr lang="en-US" altLang="ko-KR" i="1">
+                        <a:latin typeface="Cambria Math" panose="02040503050406030204" pitchFamily="18" charset="0"/>
+                      </a:rPr>
+                      <m:t>: </m:t>
+                    </m:r>
+                  </m:oMath>
+                </a14:m>
+                <a:r>
+                  <a:rPr lang="ko-KR" altLang="en-US" dirty="0"/>
+                  <a:t> </a:t>
+                </a:r>
+                <a:r>
+                  <a:rPr lang="ko-KR" altLang="en-US" dirty="0" smtClean="0"/>
+                  <a:t>표본의 사이즈</a:t>
+                </a:r>
+                <a:endParaRPr lang="en-US" altLang="ko-KR" dirty="0"/>
               </a:p>
             </p:txBody>
           </p:sp>
         </mc:Choice>
-        <mc:Fallback xmlns="">
+        <mc:Fallback>
           <p:sp>
             <p:nvSpPr>
-              <p:cNvPr id="6" name="TextBox 5">
-                <a:extLst>
-                  <a:ext uri="{FF2B5EF4-FFF2-40B4-BE49-F238E27FC236}">
-                    <a16:creationId xmlns:a16="http://schemas.microsoft.com/office/drawing/2014/main" id="{0BAD829E-11E8-7D4A-A4A5-B8EDC9050E70}"/>
-                  </a:ext>
-                </a:extLst>
-              </p:cNvPr>
+              <p:cNvPr id="4" name="TextBox 3"/>
               <p:cNvSpPr txBox="1">
                 <a:spLocks noRot="1" noChangeAspect="1" noMove="1" noResize="1" noEditPoints="1" noAdjustHandles="1" noChangeArrowheads="1" noChangeShapeType="1" noTextEdit="1"/>
               </p:cNvSpPr>
@@ -7567,8 +5719,8 @@
             </p:nvSpPr>
             <p:spPr>
               <a:xfrm>
-                <a:off x="1706758" y="5768060"/>
-                <a:ext cx="6492483" cy="392736"/>
+                <a:off x="3265932" y="3068960"/>
+                <a:ext cx="3735318" cy="1320361"/>
               </a:xfrm>
               <a:prstGeom prst="rect">
                 <a:avLst/>
@@ -7576,287 +5728,7 @@
               <a:blipFill>
                 <a:blip r:embed="rId3"/>
                 <a:stretch>
-                  <a:fillRect l="-781" t="-3125" b="-21875"/>
-                </a:stretch>
-              </a:blipFill>
-            </p:spPr>
-            <p:txBody>
-              <a:bodyPr/>
-              <a:lstStyle/>
-              <a:p>
-                <a:r>
-                  <a:rPr lang="en-KR">
-                    <a:noFill/>
-                  </a:rPr>
-                  <a:t> </a:t>
-                </a:r>
-              </a:p>
-            </p:txBody>
-          </p:sp>
-        </mc:Fallback>
-      </mc:AlternateContent>
-      <mc:AlternateContent xmlns:mc="http://schemas.openxmlformats.org/markup-compatibility/2006" xmlns:a14="http://schemas.microsoft.com/office/drawing/2010/main">
-        <mc:Choice Requires="a14">
-          <p:sp>
-            <p:nvSpPr>
-              <p:cNvPr id="8" name="TextBox 7">
-                <a:extLst>
-                  <a:ext uri="{FF2B5EF4-FFF2-40B4-BE49-F238E27FC236}">
-                    <a16:creationId xmlns:a16="http://schemas.microsoft.com/office/drawing/2014/main" id="{950E22D6-7D3C-044D-844A-0EF328822ACD}"/>
-                  </a:ext>
-                </a:extLst>
-              </p:cNvPr>
-              <p:cNvSpPr txBox="1"/>
-              <p:nvPr/>
-            </p:nvSpPr>
-            <p:spPr>
-              <a:xfrm>
-                <a:off x="850403" y="1009319"/>
-                <a:ext cx="8822122" cy="2850011"/>
-              </a:xfrm>
-              <a:prstGeom prst="rect">
-                <a:avLst/>
-              </a:prstGeom>
-              <a:noFill/>
-            </p:spPr>
-            <p:txBody>
-              <a:bodyPr wrap="square" rtlCol="0">
-                <a:spAutoFit/>
-              </a:bodyPr>
-              <a:lstStyle/>
-              <a:p>
-                <a:pPr marL="285750" indent="-285750">
-                  <a:lnSpc>
-                    <a:spcPct val="200000"/>
-                  </a:lnSpc>
-                  <a:buFont typeface="Courier New" panose="02070309020205020404" pitchFamily="49" charset="0"/>
-                  <a:buChar char="o"/>
-                </a:pPr>
-                <a:r>
-                  <a:rPr lang="en-US" altLang="ko-KR" sz="1600" dirty="0" smtClean="0"/>
-                  <a:t>2020</a:t>
-                </a:r>
-                <a:r>
-                  <a:rPr lang="ko-KR" altLang="en-US" sz="1600" dirty="0" smtClean="0"/>
-                  <a:t>년</a:t>
-                </a:r>
-                <a:r>
-                  <a:rPr lang="en-US" altLang="ko-KR" sz="1600" dirty="0" smtClean="0"/>
-                  <a:t>, 2015</a:t>
-                </a:r>
-                <a:r>
-                  <a:rPr lang="ko-KR" altLang="en-US" sz="1600" dirty="0" smtClean="0"/>
-                  <a:t>년과의 평균 키</a:t>
-                </a:r>
-                <a:r>
-                  <a:rPr lang="en-US" altLang="ko-KR" sz="1600" dirty="0" smtClean="0"/>
-                  <a:t>, </a:t>
-                </a:r>
-                <a:r>
-                  <a:rPr lang="ko-KR" altLang="en-US" sz="1600" dirty="0" smtClean="0"/>
-                  <a:t>비교를 위해 만 </a:t>
-                </a:r>
-                <a:r>
-                  <a:rPr lang="en-US" altLang="ko-KR" sz="1600" dirty="0" smtClean="0"/>
-                  <a:t>7</a:t>
-                </a:r>
-                <a:r>
-                  <a:rPr lang="ko-KR" altLang="en-US" sz="1600" dirty="0" smtClean="0"/>
-                  <a:t>세 여자 어린이의 표본 </a:t>
-                </a:r>
-                <a:r>
-                  <a:rPr lang="en-US" altLang="ko-KR" sz="1600" dirty="0" smtClean="0"/>
-                  <a:t>30</a:t>
-                </a:r>
-                <a:r>
-                  <a:rPr lang="ko-KR" altLang="en-US" sz="1600" dirty="0" smtClean="0"/>
-                  <a:t>명을 추출함</a:t>
-                </a:r>
-                <a:endParaRPr lang="en-US" altLang="ko-KR" sz="1600" dirty="0" smtClean="0"/>
-              </a:p>
-              <a:p>
-                <a:pPr marL="285750" indent="-285750">
-                  <a:lnSpc>
-                    <a:spcPct val="200000"/>
-                  </a:lnSpc>
-                  <a:buFont typeface="Courier New" panose="02070309020205020404" pitchFamily="49" charset="0"/>
-                  <a:buChar char="o"/>
-                </a:pPr>
-                <a:r>
-                  <a:rPr lang="ko-KR" altLang="en-US" sz="1600" dirty="0" smtClean="0"/>
-                  <a:t>평균 키는 </a:t>
-                </a:r>
-                <a:r>
-                  <a:rPr lang="en-US" altLang="ko-KR" sz="1600" dirty="0" smtClean="0"/>
-                  <a:t>125cm, </a:t>
-                </a:r>
-                <a:r>
-                  <a:rPr lang="ko-KR" altLang="en-US" sz="1600" dirty="0" smtClean="0"/>
-                  <a:t>표준편차는 </a:t>
-                </a:r>
-                <a:r>
-                  <a:rPr lang="en-US" altLang="ko-KR" sz="1600" dirty="0" smtClean="0"/>
-                  <a:t>15cm</a:t>
-                </a:r>
-                <a:r>
-                  <a:rPr lang="ko-KR" altLang="en-US" sz="1600" dirty="0" smtClean="0"/>
-                  <a:t>로 확인함</a:t>
-                </a:r>
-                <a:endParaRPr lang="en-US" altLang="ko-KR" sz="1600" dirty="0" smtClean="0"/>
-              </a:p>
-              <a:p>
-                <a:pPr marL="285750" indent="-285750">
-                  <a:lnSpc>
-                    <a:spcPct val="200000"/>
-                  </a:lnSpc>
-                  <a:buFont typeface="Courier New" panose="02070309020205020404" pitchFamily="49" charset="0"/>
-                  <a:buChar char="o"/>
-                </a:pPr>
-                <a:r>
-                  <a:rPr lang="ko-KR" altLang="en-US" sz="1600" dirty="0" smtClean="0"/>
-                  <a:t>표본으로부터 구한 검정 통계량은 </a:t>
-                </a:r>
-                <a:r>
-                  <a:rPr lang="en-US" altLang="ko-KR" sz="1600" dirty="0" smtClean="0"/>
-                  <a:t>1.795 (p-value: 0.078)</a:t>
-                </a:r>
-              </a:p>
-              <a:p>
-                <a:pPr marL="285750" indent="-285750">
-                  <a:lnSpc>
-                    <a:spcPct val="200000"/>
-                  </a:lnSpc>
-                  <a:buFont typeface="Courier New" panose="02070309020205020404" pitchFamily="49" charset="0"/>
-                  <a:buChar char="o"/>
-                </a:pPr>
-                <a:r>
-                  <a:rPr lang="ko-KR" altLang="en-US" sz="1600" dirty="0" smtClean="0"/>
-                  <a:t>유의수준</a:t>
-                </a:r>
-                <a:r>
-                  <a:rPr lang="en-US" altLang="ko-KR" sz="1600" dirty="0" smtClean="0"/>
-                  <a:t>(</a:t>
-                </a:r>
-                <a14:m>
-                  <m:oMath xmlns:m="http://schemas.openxmlformats.org/officeDocument/2006/math">
-                    <m:r>
-                      <a:rPr lang="ko-KR" altLang="en-US" sz="1600" i="1" smtClean="0">
-                        <a:latin typeface="Cambria Math" panose="02040503050406030204" pitchFamily="18" charset="0"/>
-                      </a:rPr>
-                      <m:t>𝜶</m:t>
-                    </m:r>
-                  </m:oMath>
-                </a14:m>
-                <a:r>
-                  <a:rPr lang="en-US" altLang="ko-KR" sz="1600" dirty="0" smtClean="0"/>
-                  <a:t>) 0.05</a:t>
-                </a:r>
-                <a:r>
-                  <a:rPr lang="ko-KR" altLang="en-US" sz="1600" dirty="0" smtClean="0"/>
-                  <a:t>에서 만 </a:t>
-                </a:r>
-                <a:r>
-                  <a:rPr lang="en-US" altLang="ko-KR" sz="1600" dirty="0" smtClean="0"/>
-                  <a:t>7</a:t>
-                </a:r>
-                <a:r>
-                  <a:rPr lang="ko-KR" altLang="en-US" sz="1600" dirty="0" smtClean="0"/>
-                  <a:t>세 여자 어린이 키의 평균이 </a:t>
-                </a:r>
-                <a:r>
-                  <a:rPr lang="en-US" altLang="ko-KR" sz="1600" dirty="0" smtClean="0"/>
-                  <a:t>120cm</a:t>
-                </a:r>
-                <a:r>
-                  <a:rPr lang="ko-KR" altLang="en-US" sz="1600" dirty="0" smtClean="0"/>
-                  <a:t>라는 </a:t>
-                </a:r>
-                <a:r>
-                  <a:rPr lang="ko-KR" altLang="en-US" sz="1600" dirty="0" err="1" smtClean="0"/>
-                  <a:t>귀무가설</a:t>
-                </a:r>
-                <a:r>
-                  <a:rPr lang="ko-KR" altLang="en-US" sz="1600" dirty="0" smtClean="0"/>
-                  <a:t> 기각 안됨</a:t>
-                </a:r>
-                <a:endParaRPr lang="en-US" altLang="ko-KR" sz="1600" dirty="0" smtClean="0"/>
-              </a:p>
-              <a:p>
-                <a:pPr marL="285750" indent="-285750">
-                  <a:lnSpc>
-                    <a:spcPct val="200000"/>
-                  </a:lnSpc>
-                  <a:buFont typeface="Courier New" panose="02070309020205020404" pitchFamily="49" charset="0"/>
-                  <a:buChar char="o"/>
-                </a:pPr>
-                <a:r>
-                  <a:rPr lang="ko-KR" altLang="en-US" sz="1600" dirty="0" smtClean="0"/>
-                  <a:t>즉</a:t>
-                </a:r>
-                <a:r>
-                  <a:rPr lang="en-US" altLang="ko-KR" sz="1600" dirty="0" smtClean="0"/>
-                  <a:t>, </a:t>
-                </a:r>
-                <a:r>
-                  <a:rPr lang="ko-KR" altLang="en-US" sz="1600" dirty="0" err="1" smtClean="0"/>
-                  <a:t>귀무가설을</a:t>
-                </a:r>
-                <a:r>
-                  <a:rPr lang="ko-KR" altLang="en-US" sz="1600" dirty="0" smtClean="0"/>
-                  <a:t> </a:t>
-                </a:r>
-                <a:r>
-                  <a:rPr lang="ko-KR" altLang="en-US" sz="1600" dirty="0" err="1" smtClean="0"/>
-                  <a:t>채택해야하며</a:t>
-                </a:r>
-                <a:r>
-                  <a:rPr lang="en-US" altLang="ko-KR" sz="1600" dirty="0" smtClean="0"/>
-                  <a:t>, </a:t>
-                </a:r>
-                <a:r>
-                  <a:rPr lang="ko-KR" altLang="en-US" sz="1600" dirty="0" smtClean="0"/>
-                  <a:t>여자 어린이의 키의 평균은 여전히 </a:t>
-                </a:r>
-                <a:r>
-                  <a:rPr lang="en-US" altLang="ko-KR" sz="1600" dirty="0" smtClean="0"/>
-                  <a:t>120cm</a:t>
-                </a:r>
-                <a:r>
-                  <a:rPr lang="ko-KR" altLang="en-US" sz="1600" dirty="0" smtClean="0"/>
-                  <a:t>임을 유지해야 함</a:t>
-                </a:r>
-                <a:endParaRPr lang="en-US" altLang="ko-KR" sz="1600" dirty="0" smtClean="0"/>
-              </a:p>
-            </p:txBody>
-          </p:sp>
-        </mc:Choice>
-        <mc:Fallback xmlns="">
-          <p:sp>
-            <p:nvSpPr>
-              <p:cNvPr id="8" name="TextBox 7">
-                <a:extLst>
-                  <a:ext uri="{FF2B5EF4-FFF2-40B4-BE49-F238E27FC236}">
-                    <a16:creationId xmlns:a16="http://schemas.microsoft.com/office/drawing/2014/main" id="{950E22D6-7D3C-044D-844A-0EF328822ACD}"/>
-                  </a:ext>
-                </a:extLst>
-              </p:cNvPr>
-              <p:cNvSpPr txBox="1">
-                <a:spLocks noRot="1" noChangeAspect="1" noMove="1" noResize="1" noEditPoints="1" noAdjustHandles="1" noChangeArrowheads="1" noChangeShapeType="1" noTextEdit="1"/>
-              </p:cNvSpPr>
-              <p:nvPr/>
-            </p:nvSpPr>
-            <p:spPr>
-              <a:xfrm>
-                <a:off x="850403" y="1009319"/>
-                <a:ext cx="8822122" cy="2850011"/>
-              </a:xfrm>
-              <a:prstGeom prst="rect">
-                <a:avLst/>
-              </a:prstGeom>
-              <a:blipFill>
-                <a:blip r:embed="rId4"/>
-                <a:stretch>
-                  <a:fillRect l="-276"/>
+                  <a:fillRect l="-327" b="-1843"/>
                 </a:stretch>
               </a:blipFill>
             </p:spPr>
@@ -7878,7 +5750,7 @@
     </p:spTree>
     <p:extLst>
       <p:ext uri="{BB962C8B-B14F-4D97-AF65-F5344CB8AC3E}">
-        <p14:creationId xmlns:p14="http://schemas.microsoft.com/office/powerpoint/2010/main" val="2749866836"/>
+        <p14:creationId xmlns:p14="http://schemas.microsoft.com/office/powerpoint/2010/main" val="1135732367"/>
       </p:ext>
     </p:extLst>
   </p:cSld>
@@ -7888,7 +5760,786 @@
 </p:sld>
 </file>
 
-<file path=ppt/slides/slide9.xml><?xml version="1.0" encoding="utf-8"?>
+<file path=ppt/slides/slide3.xml><?xml version="1.0" encoding="utf-8"?>
+<p:sld xmlns:a="http://schemas.openxmlformats.org/drawingml/2006/main" xmlns:r="http://schemas.openxmlformats.org/officeDocument/2006/relationships" xmlns:p="http://schemas.openxmlformats.org/presentationml/2006/main">
+  <p:cSld>
+    <p:spTree>
+      <p:nvGrpSpPr>
+        <p:cNvPr id="1" name=""/>
+        <p:cNvGrpSpPr/>
+        <p:nvPr/>
+      </p:nvGrpSpPr>
+      <p:grpSpPr>
+        <a:xfrm>
+          <a:off x="0" y="0"/>
+          <a:ext cx="0" cy="0"/>
+          <a:chOff x="0" y="0"/>
+          <a:chExt cx="0" cy="0"/>
+        </a:xfrm>
+      </p:grpSpPr>
+      <p:sp>
+        <p:nvSpPr>
+          <p:cNvPr id="5" name="TextBox 4">
+            <a:extLst>
+              <a:ext uri="{FF2B5EF4-FFF2-40B4-BE49-F238E27FC236}">
+                <a16:creationId xmlns:a16="http://schemas.microsoft.com/office/drawing/2014/main" id="{1222C5BD-354A-B546-981C-AF3407B6864D}"/>
+              </a:ext>
+            </a:extLst>
+          </p:cNvPr>
+          <p:cNvSpPr txBox="1">
+            <a:spLocks noChangeArrowheads="1"/>
+          </p:cNvSpPr>
+          <p:nvPr/>
+        </p:nvSpPr>
+        <p:spPr bwMode="auto">
+          <a:xfrm>
+            <a:off x="596516" y="152636"/>
+            <a:ext cx="9074150" cy="854080"/>
+          </a:xfrm>
+          <a:prstGeom prst="rect">
+            <a:avLst/>
+          </a:prstGeom>
+          <a:noFill/>
+          <a:ln>
+            <a:noFill/>
+          </a:ln>
+          <a:effectLst/>
+          <a:extLst>
+            <a:ext uri="{909E8E84-426E-40DD-AFC4-6F175D3DCCD1}">
+              <a14:hiddenFill xmlns:a14="http://schemas.microsoft.com/office/drawing/2010/main">
+                <a:solidFill>
+                  <a:schemeClr val="accent1"/>
+                </a:solidFill>
+              </a14:hiddenFill>
+            </a:ext>
+            <a:ext uri="{91240B29-F687-4F45-9708-019B960494DF}">
+              <a14:hiddenLine xmlns:a14="http://schemas.microsoft.com/office/drawing/2010/main" w="9525" algn="ctr">
+                <a:solidFill>
+                  <a:schemeClr val="tx1"/>
+                </a:solidFill>
+                <a:miter lim="800000"/>
+                <a:headEnd/>
+                <a:tailEnd/>
+              </a14:hiddenLine>
+            </a:ext>
+            <a:ext uri="{AF507438-7753-43E0-B8FC-AC1667EBCBE1}">
+              <a14:hiddenEffects xmlns:a14="http://schemas.microsoft.com/office/drawing/2010/main">
+                <a:effectLst>
+                  <a:outerShdw dist="35921" dir="2700000" algn="ctr" rotWithShape="0">
+                    <a:schemeClr val="bg2"/>
+                  </a:outerShdw>
+                </a:effectLst>
+              </a14:hiddenEffects>
+            </a:ext>
+          </a:extLst>
+        </p:spPr>
+        <p:txBody>
+          <a:bodyPr>
+            <a:spAutoFit/>
+          </a:bodyPr>
+          <a:lstStyle>
+            <a:lvl1pPr marL="261938" indent="-261938" eaLnBrk="0" hangingPunct="0">
+              <a:defRPr kumimoji="1" sz="1400" b="1">
+                <a:solidFill>
+                  <a:schemeClr val="tx1"/>
+                </a:solidFill>
+                <a:latin typeface="맑은 고딕" pitchFamily="50" charset="-127"/>
+                <a:ea typeface="맑은 고딕" pitchFamily="50" charset="-127"/>
+              </a:defRPr>
+            </a:lvl1pPr>
+            <a:lvl2pPr marL="441325" indent="-177800" eaLnBrk="0" hangingPunct="0">
+              <a:defRPr kumimoji="1" sz="1400" b="1">
+                <a:solidFill>
+                  <a:schemeClr val="tx1"/>
+                </a:solidFill>
+                <a:latin typeface="맑은 고딕" pitchFamily="50" charset="-127"/>
+                <a:ea typeface="맑은 고딕" pitchFamily="50" charset="-127"/>
+              </a:defRPr>
+            </a:lvl2pPr>
+            <a:lvl3pPr marL="603250" indent="-160338" eaLnBrk="0" hangingPunct="0">
+              <a:defRPr kumimoji="1" sz="1400" b="1">
+                <a:solidFill>
+                  <a:schemeClr val="tx1"/>
+                </a:solidFill>
+                <a:latin typeface="맑은 고딕" pitchFamily="50" charset="-127"/>
+                <a:ea typeface="맑은 고딕" pitchFamily="50" charset="-127"/>
+              </a:defRPr>
+            </a:lvl3pPr>
+            <a:lvl4pPr marL="1600200" indent="-228600" eaLnBrk="0" hangingPunct="0">
+              <a:defRPr kumimoji="1" sz="1400" b="1">
+                <a:solidFill>
+                  <a:schemeClr val="tx1"/>
+                </a:solidFill>
+                <a:latin typeface="맑은 고딕" pitchFamily="50" charset="-127"/>
+                <a:ea typeface="맑은 고딕" pitchFamily="50" charset="-127"/>
+              </a:defRPr>
+            </a:lvl4pPr>
+            <a:lvl5pPr marL="2057400" indent="-228600" eaLnBrk="0" hangingPunct="0">
+              <a:defRPr kumimoji="1" sz="1400" b="1">
+                <a:solidFill>
+                  <a:schemeClr val="tx1"/>
+                </a:solidFill>
+                <a:latin typeface="맑은 고딕" pitchFamily="50" charset="-127"/>
+                <a:ea typeface="맑은 고딕" pitchFamily="50" charset="-127"/>
+              </a:defRPr>
+            </a:lvl5pPr>
+            <a:lvl6pPr marL="2514600" indent="-228600" eaLnBrk="0" fontAlgn="base" hangingPunct="0">
+              <a:lnSpc>
+                <a:spcPct val="120000"/>
+              </a:lnSpc>
+              <a:spcBef>
+                <a:spcPct val="30000"/>
+              </a:spcBef>
+              <a:spcAft>
+                <a:spcPct val="0"/>
+              </a:spcAft>
+              <a:buChar char="•"/>
+              <a:defRPr kumimoji="1" sz="1400" b="1">
+                <a:solidFill>
+                  <a:schemeClr val="tx1"/>
+                </a:solidFill>
+                <a:latin typeface="맑은 고딕" pitchFamily="50" charset="-127"/>
+                <a:ea typeface="맑은 고딕" pitchFamily="50" charset="-127"/>
+              </a:defRPr>
+            </a:lvl6pPr>
+            <a:lvl7pPr marL="2971800" indent="-228600" eaLnBrk="0" fontAlgn="base" hangingPunct="0">
+              <a:lnSpc>
+                <a:spcPct val="120000"/>
+              </a:lnSpc>
+              <a:spcBef>
+                <a:spcPct val="30000"/>
+              </a:spcBef>
+              <a:spcAft>
+                <a:spcPct val="0"/>
+              </a:spcAft>
+              <a:buChar char="•"/>
+              <a:defRPr kumimoji="1" sz="1400" b="1">
+                <a:solidFill>
+                  <a:schemeClr val="tx1"/>
+                </a:solidFill>
+                <a:latin typeface="맑은 고딕" pitchFamily="50" charset="-127"/>
+                <a:ea typeface="맑은 고딕" pitchFamily="50" charset="-127"/>
+              </a:defRPr>
+            </a:lvl7pPr>
+            <a:lvl8pPr marL="3429000" indent="-228600" eaLnBrk="0" fontAlgn="base" hangingPunct="0">
+              <a:lnSpc>
+                <a:spcPct val="120000"/>
+              </a:lnSpc>
+              <a:spcBef>
+                <a:spcPct val="30000"/>
+              </a:spcBef>
+              <a:spcAft>
+                <a:spcPct val="0"/>
+              </a:spcAft>
+              <a:buChar char="•"/>
+              <a:defRPr kumimoji="1" sz="1400" b="1">
+                <a:solidFill>
+                  <a:schemeClr val="tx1"/>
+                </a:solidFill>
+                <a:latin typeface="맑은 고딕" pitchFamily="50" charset="-127"/>
+                <a:ea typeface="맑은 고딕" pitchFamily="50" charset="-127"/>
+              </a:defRPr>
+            </a:lvl8pPr>
+            <a:lvl9pPr marL="3886200" indent="-228600" eaLnBrk="0" fontAlgn="base" hangingPunct="0">
+              <a:lnSpc>
+                <a:spcPct val="120000"/>
+              </a:lnSpc>
+              <a:spcBef>
+                <a:spcPct val="30000"/>
+              </a:spcBef>
+              <a:spcAft>
+                <a:spcPct val="0"/>
+              </a:spcAft>
+              <a:buChar char="•"/>
+              <a:defRPr kumimoji="1" sz="1400" b="1">
+                <a:solidFill>
+                  <a:schemeClr val="tx1"/>
+                </a:solidFill>
+                <a:latin typeface="맑은 고딕" pitchFamily="50" charset="-127"/>
+                <a:ea typeface="맑은 고딕" pitchFamily="50" charset="-127"/>
+              </a:defRPr>
+            </a:lvl9pPr>
+          </a:lstStyle>
+          <a:p>
+            <a:pPr marL="0" indent="0" eaLnBrk="1" hangingPunct="1">
+              <a:lnSpc>
+                <a:spcPct val="250000"/>
+              </a:lnSpc>
+              <a:buNone/>
+            </a:pPr>
+            <a:r>
+              <a:rPr lang="ko-KR" altLang="en-US" sz="2400" b="0" dirty="0" smtClean="0"/>
+              <a:t>❑ </a:t>
+            </a:r>
+            <a:r>
+              <a:rPr lang="ko-KR" altLang="en-US" sz="2400" b="0" dirty="0" smtClean="0"/>
+              <a:t>기본 </a:t>
+            </a:r>
+            <a:r>
+              <a:rPr lang="en-US" altLang="ko-KR" sz="2400" b="0" dirty="0" err="1" smtClean="0"/>
+              <a:t>t.test</a:t>
+            </a:r>
+            <a:r>
+              <a:rPr lang="ko-KR" altLang="en-US" sz="2400" b="0" dirty="0" smtClean="0"/>
+              <a:t>에서의 </a:t>
+            </a:r>
+            <a:r>
+              <a:rPr lang="en-US" altLang="ko-KR" sz="2400" b="0" dirty="0" smtClean="0"/>
+              <a:t>t-statistic </a:t>
+            </a:r>
+            <a:r>
+              <a:rPr lang="ko-KR" altLang="en-US" sz="2400" b="0" dirty="0" smtClean="0"/>
+              <a:t>공식</a:t>
+            </a:r>
+            <a:endParaRPr lang="ko-KR" altLang="en-US" sz="1800" b="0" dirty="0"/>
+          </a:p>
+        </p:txBody>
+      </p:sp>
+      <p:sp>
+        <p:nvSpPr>
+          <p:cNvPr id="2" name="모서리가 둥근 직사각형 1"/>
+          <p:cNvSpPr/>
+          <p:nvPr/>
+        </p:nvSpPr>
+        <p:spPr>
+          <a:xfrm>
+            <a:off x="776536" y="1304764"/>
+            <a:ext cx="8894130" cy="1584176"/>
+          </a:xfrm>
+          <a:prstGeom prst="roundRect">
+            <a:avLst>
+              <a:gd name="adj" fmla="val 7903"/>
+            </a:avLst>
+          </a:prstGeom>
+          <a:noFill/>
+          <a:ln w="6350">
+            <a:solidFill>
+              <a:schemeClr val="tx1"/>
+            </a:solidFill>
+            <a:prstDash val="dash"/>
+          </a:ln>
+        </p:spPr>
+        <p:style>
+          <a:lnRef idx="2">
+            <a:schemeClr val="accent1">
+              <a:shade val="50000"/>
+            </a:schemeClr>
+          </a:lnRef>
+          <a:fillRef idx="1">
+            <a:schemeClr val="accent1"/>
+          </a:fillRef>
+          <a:effectRef idx="0">
+            <a:schemeClr val="accent1"/>
+          </a:effectRef>
+          <a:fontRef idx="minor">
+            <a:schemeClr val="lt1"/>
+          </a:fontRef>
+        </p:style>
+        <p:txBody>
+          <a:bodyPr rtlCol="0" anchor="t"/>
+          <a:lstStyle/>
+          <a:p>
+            <a:pPr marL="285750" indent="-285750"/>
+            <a:r>
+              <a:rPr lang="ko-KR" altLang="en-US" sz="1600" dirty="0" smtClean="0">
+                <a:solidFill>
+                  <a:schemeClr val="tx1"/>
+                </a:solidFill>
+              </a:rPr>
+              <a:t>사건 개요</a:t>
+            </a:r>
+            <a:endParaRPr lang="en-US" altLang="ko-KR" sz="1600" dirty="0" smtClean="0">
+              <a:solidFill>
+                <a:schemeClr val="tx1"/>
+              </a:solidFill>
+            </a:endParaRPr>
+          </a:p>
+          <a:p>
+            <a:pPr marL="742950" lvl="1" indent="-285750">
+              <a:buFont typeface="Wingdings" panose="05000000000000000000" pitchFamily="2" charset="2"/>
+              <a:buChar char="ü"/>
+            </a:pPr>
+            <a:r>
+              <a:rPr lang="en-US" altLang="ko-KR" sz="1600" dirty="0" smtClean="0">
+                <a:solidFill>
+                  <a:schemeClr val="tx1"/>
+                </a:solidFill>
+              </a:rPr>
+              <a:t>00 </a:t>
+            </a:r>
+            <a:r>
+              <a:rPr lang="ko-KR" altLang="en-US" sz="1600" dirty="0" smtClean="0">
+                <a:solidFill>
+                  <a:schemeClr val="tx1"/>
+                </a:solidFill>
+              </a:rPr>
+              <a:t>과자 가격의 무게는 </a:t>
+            </a:r>
+            <a:r>
+              <a:rPr lang="en-US" altLang="ko-KR" sz="1600" dirty="0" smtClean="0">
+                <a:solidFill>
+                  <a:schemeClr val="tx1"/>
+                </a:solidFill>
+              </a:rPr>
+              <a:t>150g</a:t>
+            </a:r>
+            <a:r>
+              <a:rPr lang="ko-KR" altLang="en-US" sz="1600" dirty="0" smtClean="0">
+                <a:solidFill>
+                  <a:schemeClr val="tx1"/>
+                </a:solidFill>
+              </a:rPr>
+              <a:t>으로 표시가 되어 있음</a:t>
+            </a:r>
+            <a:endParaRPr lang="en-US" altLang="ko-KR" sz="1600" dirty="0" smtClean="0">
+              <a:solidFill>
+                <a:schemeClr val="tx1"/>
+              </a:solidFill>
+            </a:endParaRPr>
+          </a:p>
+          <a:p>
+            <a:pPr marL="742950" lvl="1" indent="-285750">
+              <a:buFont typeface="Wingdings" panose="05000000000000000000" pitchFamily="2" charset="2"/>
+              <a:buChar char="ü"/>
+            </a:pPr>
+            <a:r>
+              <a:rPr lang="ko-KR" altLang="en-US" sz="1600" dirty="0" smtClean="0">
+                <a:solidFill>
+                  <a:schemeClr val="tx1"/>
+                </a:solidFill>
+              </a:rPr>
+              <a:t>총 </a:t>
+            </a:r>
+            <a:r>
+              <a:rPr lang="en-US" altLang="ko-KR" sz="1600" dirty="0" smtClean="0">
+                <a:solidFill>
+                  <a:schemeClr val="tx1"/>
+                </a:solidFill>
+              </a:rPr>
+              <a:t>10</a:t>
+            </a:r>
+            <a:r>
+              <a:rPr lang="ko-KR" altLang="en-US" sz="1600" dirty="0" smtClean="0">
+                <a:solidFill>
+                  <a:schemeClr val="tx1"/>
+                </a:solidFill>
+              </a:rPr>
+              <a:t>개의 과자를 구매한 결과</a:t>
+            </a:r>
+            <a:r>
+              <a:rPr lang="en-US" altLang="ko-KR" sz="1600" dirty="0" smtClean="0">
+                <a:solidFill>
+                  <a:schemeClr val="tx1"/>
+                </a:solidFill>
+              </a:rPr>
+              <a:t>, </a:t>
+            </a:r>
+            <a:r>
+              <a:rPr lang="ko-KR" altLang="en-US" sz="1600" dirty="0" smtClean="0">
+                <a:solidFill>
+                  <a:schemeClr val="tx1"/>
+                </a:solidFill>
+              </a:rPr>
+              <a:t>평균 </a:t>
+            </a:r>
+            <a:r>
+              <a:rPr lang="en-US" altLang="ko-KR" sz="1600" dirty="0" smtClean="0">
+                <a:solidFill>
+                  <a:schemeClr val="tx1"/>
+                </a:solidFill>
+              </a:rPr>
+              <a:t>145g, </a:t>
+            </a:r>
+            <a:r>
+              <a:rPr lang="ko-KR" altLang="en-US" sz="1600" dirty="0" smtClean="0">
+                <a:solidFill>
+                  <a:schemeClr val="tx1"/>
+                </a:solidFill>
+              </a:rPr>
+              <a:t>표준편차는 </a:t>
+            </a:r>
+            <a:r>
+              <a:rPr lang="en-US" altLang="ko-KR" sz="1600" dirty="0" smtClean="0">
+                <a:solidFill>
+                  <a:schemeClr val="tx1"/>
+                </a:solidFill>
+              </a:rPr>
+              <a:t>7.5g</a:t>
+            </a:r>
+            <a:r>
+              <a:rPr lang="ko-KR" altLang="en-US" sz="1600" dirty="0" smtClean="0">
+                <a:solidFill>
+                  <a:schemeClr val="tx1"/>
+                </a:solidFill>
+              </a:rPr>
+              <a:t>으로 판명됨</a:t>
+            </a:r>
+            <a:endParaRPr lang="en-US" altLang="ko-KR" sz="1600" dirty="0" smtClean="0">
+              <a:solidFill>
+                <a:schemeClr val="tx1"/>
+              </a:solidFill>
+            </a:endParaRPr>
+          </a:p>
+          <a:p>
+            <a:pPr marL="742950" lvl="1" indent="-285750">
+              <a:buFont typeface="Wingdings" panose="05000000000000000000" pitchFamily="2" charset="2"/>
+              <a:buChar char="ü"/>
+            </a:pPr>
+            <a:r>
+              <a:rPr lang="ko-KR" altLang="en-US" sz="1600" dirty="0" smtClean="0">
+                <a:solidFill>
+                  <a:schemeClr val="tx1"/>
+                </a:solidFill>
+              </a:rPr>
+              <a:t>실제 과자의 평균 무게는 </a:t>
+            </a:r>
+            <a:r>
+              <a:rPr lang="en-US" altLang="ko-KR" sz="1600" dirty="0" smtClean="0">
+                <a:solidFill>
+                  <a:schemeClr val="tx1"/>
+                </a:solidFill>
+              </a:rPr>
+              <a:t>150g </a:t>
+            </a:r>
+            <a:r>
+              <a:rPr lang="ko-KR" altLang="en-US" sz="1600" dirty="0" smtClean="0">
+                <a:solidFill>
+                  <a:schemeClr val="tx1"/>
+                </a:solidFill>
+              </a:rPr>
+              <a:t>아닌지 검정한다</a:t>
+            </a:r>
+            <a:r>
+              <a:rPr lang="en-US" altLang="ko-KR" sz="1600" dirty="0" smtClean="0">
+                <a:solidFill>
+                  <a:schemeClr val="tx1"/>
+                </a:solidFill>
+              </a:rPr>
+              <a:t>. </a:t>
+            </a:r>
+          </a:p>
+        </p:txBody>
+      </p:sp>
+      <mc:AlternateContent xmlns:mc="http://schemas.openxmlformats.org/markup-compatibility/2006">
+        <mc:Choice xmlns:a14="http://schemas.microsoft.com/office/drawing/2010/main" Requires="a14">
+          <p:sp>
+            <p:nvSpPr>
+              <p:cNvPr id="6" name="TextBox 5">
+                <a:extLst>
+                  <a:ext uri="{FF2B5EF4-FFF2-40B4-BE49-F238E27FC236}">
+                    <a16:creationId xmlns:a16="http://schemas.microsoft.com/office/drawing/2014/main" id="{0DC2BE0C-9456-264A-9CB9-5EEBB85D3765}"/>
+                  </a:ext>
+                </a:extLst>
+              </p:cNvPr>
+              <p:cNvSpPr txBox="1"/>
+              <p:nvPr/>
+            </p:nvSpPr>
+            <p:spPr>
+              <a:xfrm>
+                <a:off x="776536" y="2996952"/>
+                <a:ext cx="6846682" cy="1550937"/>
+              </a:xfrm>
+              <a:prstGeom prst="rect">
+                <a:avLst/>
+              </a:prstGeom>
+              <a:noFill/>
+            </p:spPr>
+            <p:txBody>
+              <a:bodyPr wrap="none" lIns="0" tIns="0" rIns="0" bIns="0" rtlCol="0">
+                <a:spAutoFit/>
+              </a:bodyPr>
+              <a:lstStyle/>
+              <a:p>
+                <a:pPr>
+                  <a:buNone/>
+                </a:pPr>
+                <a14:m>
+                  <m:oMathPara xmlns:m="http://schemas.openxmlformats.org/officeDocument/2006/math">
+                    <m:oMathParaPr>
+                      <m:jc m:val="centerGroup"/>
+                    </m:oMathParaPr>
+                    <m:oMath xmlns:m="http://schemas.openxmlformats.org/officeDocument/2006/math">
+                      <m:r>
+                        <a:rPr lang="en-US" sz="2800" b="1" i="1" smtClean="0">
+                          <a:latin typeface="Cambria Math" panose="02040503050406030204" pitchFamily="18" charset="0"/>
+                        </a:rPr>
+                        <m:t>𝒕</m:t>
+                      </m:r>
+                      <m:r>
+                        <a:rPr lang="en-US" sz="2800" b="1" i="1" smtClean="0">
+                          <a:latin typeface="Cambria Math" panose="02040503050406030204" pitchFamily="18" charset="0"/>
+                        </a:rPr>
+                        <m:t>= </m:t>
+                      </m:r>
+                      <m:f>
+                        <m:fPr>
+                          <m:ctrlPr>
+                            <a:rPr lang="en-US" sz="2800" b="1" i="1" smtClean="0">
+                              <a:latin typeface="Cambria Math" panose="02040503050406030204" pitchFamily="18" charset="0"/>
+                            </a:rPr>
+                          </m:ctrlPr>
+                        </m:fPr>
+                        <m:num>
+                          <m:r>
+                            <a:rPr lang="en-US" altLang="ko-KR" sz="2800" b="1" i="1" smtClean="0">
+                              <a:latin typeface="Cambria Math" panose="02040503050406030204" pitchFamily="18" charset="0"/>
+                            </a:rPr>
+                            <m:t>𝒎</m:t>
+                          </m:r>
+                          <m:r>
+                            <a:rPr lang="en-US" altLang="ko-KR" sz="2800" b="1" i="1" smtClean="0">
+                              <a:latin typeface="Cambria Math" panose="02040503050406030204" pitchFamily="18" charset="0"/>
+                            </a:rPr>
+                            <m:t> − </m:t>
+                          </m:r>
+                          <m:r>
+                            <a:rPr lang="ko-KR" altLang="en-US" sz="2800" b="1" i="1" smtClean="0">
+                              <a:latin typeface="Cambria Math" panose="02040503050406030204" pitchFamily="18" charset="0"/>
+                            </a:rPr>
+                            <m:t>𝝁</m:t>
+                          </m:r>
+                        </m:num>
+                        <m:den>
+                          <m:f>
+                            <m:fPr>
+                              <m:ctrlPr>
+                                <a:rPr lang="en-US" altLang="ko-KR" sz="2800" b="1" i="1" smtClean="0">
+                                  <a:latin typeface="Cambria Math" panose="02040503050406030204" pitchFamily="18" charset="0"/>
+                                </a:rPr>
+                              </m:ctrlPr>
+                            </m:fPr>
+                            <m:num>
+                              <m:r>
+                                <a:rPr lang="en-US" altLang="ko-KR" sz="2800" b="1" i="1" smtClean="0">
+                                  <a:latin typeface="Cambria Math" panose="02040503050406030204" pitchFamily="18" charset="0"/>
+                                </a:rPr>
+                                <m:t>𝒔</m:t>
+                              </m:r>
+                            </m:num>
+                            <m:den>
+                              <m:rad>
+                                <m:radPr>
+                                  <m:degHide m:val="on"/>
+                                  <m:ctrlPr>
+                                    <a:rPr lang="en-US" altLang="ko-KR" sz="2800" b="1" i="1" smtClean="0">
+                                      <a:latin typeface="Cambria Math" panose="02040503050406030204" pitchFamily="18" charset="0"/>
+                                    </a:rPr>
+                                  </m:ctrlPr>
+                                </m:radPr>
+                                <m:deg/>
+                                <m:e>
+                                  <m:r>
+                                    <a:rPr lang="en-US" altLang="ko-KR" sz="2800" b="1" i="1" smtClean="0">
+                                      <a:latin typeface="Cambria Math" panose="02040503050406030204" pitchFamily="18" charset="0"/>
+                                    </a:rPr>
+                                    <m:t>𝒏</m:t>
+                                  </m:r>
+                                </m:e>
+                              </m:rad>
+                            </m:den>
+                          </m:f>
+                        </m:den>
+                      </m:f>
+                      <m:r>
+                        <a:rPr lang="en-US" altLang="ko-KR" sz="2800" b="1" i="1" smtClean="0">
+                          <a:latin typeface="Cambria Math" panose="02040503050406030204" pitchFamily="18" charset="0"/>
+                          <a:ea typeface="Cambria Math" panose="02040503050406030204" pitchFamily="18" charset="0"/>
+                        </a:rPr>
+                        <m:t>= </m:t>
+                      </m:r>
+                      <m:f>
+                        <m:fPr>
+                          <m:ctrlPr>
+                            <a:rPr lang="en-US" altLang="ko-KR" sz="2800" b="1" i="1" smtClean="0">
+                              <a:latin typeface="Cambria Math" panose="02040503050406030204" pitchFamily="18" charset="0"/>
+                              <a:ea typeface="Cambria Math" panose="02040503050406030204" pitchFamily="18" charset="0"/>
+                            </a:rPr>
+                          </m:ctrlPr>
+                        </m:fPr>
+                        <m:num>
+                          <m:r>
+                            <a:rPr lang="en-US" altLang="ko-KR" sz="2800" b="1" i="1" smtClean="0">
+                              <a:latin typeface="Cambria Math" panose="02040503050406030204" pitchFamily="18" charset="0"/>
+                              <a:ea typeface="Cambria Math" panose="02040503050406030204" pitchFamily="18" charset="0"/>
+                            </a:rPr>
+                            <m:t>𝟏𝟒𝟓</m:t>
+                          </m:r>
+                          <m:r>
+                            <a:rPr lang="en-US" altLang="ko-KR" sz="2800" b="1" i="1" smtClean="0">
+                              <a:latin typeface="Cambria Math" panose="02040503050406030204" pitchFamily="18" charset="0"/>
+                              <a:ea typeface="Cambria Math" panose="02040503050406030204" pitchFamily="18" charset="0"/>
+                            </a:rPr>
+                            <m:t> −</m:t>
+                          </m:r>
+                          <m:r>
+                            <a:rPr lang="en-US" altLang="ko-KR" sz="2800" b="1" i="1" smtClean="0">
+                              <a:latin typeface="Cambria Math" panose="02040503050406030204" pitchFamily="18" charset="0"/>
+                              <a:ea typeface="Cambria Math" panose="02040503050406030204" pitchFamily="18" charset="0"/>
+                            </a:rPr>
+                            <m:t>𝟏𝟓𝟎</m:t>
+                          </m:r>
+                        </m:num>
+                        <m:den>
+                          <m:f>
+                            <m:fPr>
+                              <m:ctrlPr>
+                                <a:rPr lang="en-US" altLang="ko-KR" sz="2800" b="1" i="1" smtClean="0">
+                                  <a:latin typeface="Cambria Math" panose="02040503050406030204" pitchFamily="18" charset="0"/>
+                                  <a:ea typeface="Cambria Math" panose="02040503050406030204" pitchFamily="18" charset="0"/>
+                                </a:rPr>
+                              </m:ctrlPr>
+                            </m:fPr>
+                            <m:num>
+                              <m:r>
+                                <a:rPr lang="en-US" altLang="ko-KR" sz="2800" b="1" i="1" smtClean="0">
+                                  <a:latin typeface="Cambria Math" panose="02040503050406030204" pitchFamily="18" charset="0"/>
+                                  <a:ea typeface="Cambria Math" panose="02040503050406030204" pitchFamily="18" charset="0"/>
+                                </a:rPr>
+                                <m:t>𝟕</m:t>
+                              </m:r>
+                              <m:r>
+                                <a:rPr lang="en-US" altLang="ko-KR" sz="2800" b="1" i="1" smtClean="0">
+                                  <a:latin typeface="Cambria Math" panose="02040503050406030204" pitchFamily="18" charset="0"/>
+                                  <a:ea typeface="Cambria Math" panose="02040503050406030204" pitchFamily="18" charset="0"/>
+                                </a:rPr>
+                                <m:t>.</m:t>
+                              </m:r>
+                              <m:r>
+                                <a:rPr lang="en-US" altLang="ko-KR" sz="2800" b="1" i="1" smtClean="0">
+                                  <a:latin typeface="Cambria Math" panose="02040503050406030204" pitchFamily="18" charset="0"/>
+                                  <a:ea typeface="Cambria Math" panose="02040503050406030204" pitchFamily="18" charset="0"/>
+                                </a:rPr>
+                                <m:t>𝟓</m:t>
+                              </m:r>
+                            </m:num>
+                            <m:den>
+                              <m:rad>
+                                <m:radPr>
+                                  <m:degHide m:val="on"/>
+                                  <m:ctrlPr>
+                                    <a:rPr lang="en-US" altLang="ko-KR" sz="2800" b="1" i="1" smtClean="0">
+                                      <a:latin typeface="Cambria Math" panose="02040503050406030204" pitchFamily="18" charset="0"/>
+                                      <a:ea typeface="Cambria Math" panose="02040503050406030204" pitchFamily="18" charset="0"/>
+                                    </a:rPr>
+                                  </m:ctrlPr>
+                                </m:radPr>
+                                <m:deg/>
+                                <m:e>
+                                  <m:r>
+                                    <a:rPr lang="en-US" altLang="ko-KR" sz="2800" b="1" i="1" smtClean="0">
+                                      <a:latin typeface="Cambria Math" panose="02040503050406030204" pitchFamily="18" charset="0"/>
+                                      <a:ea typeface="Cambria Math" panose="02040503050406030204" pitchFamily="18" charset="0"/>
+                                    </a:rPr>
+                                    <m:t>𝟏𝟎</m:t>
+                                  </m:r>
+                                </m:e>
+                              </m:rad>
+                            </m:den>
+                          </m:f>
+                        </m:den>
+                      </m:f>
+                      <m:r>
+                        <a:rPr lang="en-US" altLang="ko-KR" sz="2800" b="1" i="1" smtClean="0">
+                          <a:latin typeface="Cambria Math" panose="02040503050406030204" pitchFamily="18" charset="0"/>
+                          <a:ea typeface="Cambria Math" panose="02040503050406030204" pitchFamily="18" charset="0"/>
+                        </a:rPr>
+                        <m:t>~ −</m:t>
+                      </m:r>
+                      <m:r>
+                        <a:rPr lang="en-US" altLang="ko-KR" sz="2800" b="1" i="1" smtClean="0">
+                          <a:latin typeface="Cambria Math" panose="02040503050406030204" pitchFamily="18" charset="0"/>
+                          <a:ea typeface="Cambria Math" panose="02040503050406030204" pitchFamily="18" charset="0"/>
+                        </a:rPr>
+                        <m:t>𝟐</m:t>
+                      </m:r>
+                      <m:r>
+                        <a:rPr lang="en-US" altLang="ko-KR" sz="2800" b="1" i="1" smtClean="0">
+                          <a:latin typeface="Cambria Math" panose="02040503050406030204" pitchFamily="18" charset="0"/>
+                          <a:ea typeface="Cambria Math" panose="02040503050406030204" pitchFamily="18" charset="0"/>
+                        </a:rPr>
+                        <m:t>.</m:t>
+                      </m:r>
+                      <m:r>
+                        <a:rPr lang="en-US" altLang="ko-KR" sz="2800" b="1" i="1" smtClean="0">
+                          <a:latin typeface="Cambria Math" panose="02040503050406030204" pitchFamily="18" charset="0"/>
+                          <a:ea typeface="Cambria Math" panose="02040503050406030204" pitchFamily="18" charset="0"/>
+                        </a:rPr>
+                        <m:t>𝟏𝟎𝟖𝟏𝟖𝟓</m:t>
+                      </m:r>
+                      <m:r>
+                        <a:rPr lang="en-US" altLang="ko-KR" sz="2800" b="1" i="1" smtClean="0">
+                          <a:latin typeface="Cambria Math" panose="02040503050406030204" pitchFamily="18" charset="0"/>
+                          <a:ea typeface="Cambria Math" panose="02040503050406030204" pitchFamily="18" charset="0"/>
+                        </a:rPr>
+                        <m:t> </m:t>
+                      </m:r>
+                    </m:oMath>
+                  </m:oMathPara>
+                </a14:m>
+                <a:endParaRPr lang="en-KR" sz="2800" dirty="0"/>
+              </a:p>
+            </p:txBody>
+          </p:sp>
+        </mc:Choice>
+        <mc:Fallback>
+          <p:sp>
+            <p:nvSpPr>
+              <p:cNvPr id="6" name="TextBox 5">
+                <a:extLst>
+                  <a:ext uri="{FF2B5EF4-FFF2-40B4-BE49-F238E27FC236}">
+                    <a16:creationId xmlns:a16="http://schemas.microsoft.com/office/drawing/2014/main" id="{0DC2BE0C-9456-264A-9CB9-5EEBB85D3765}"/>
+                  </a:ext>
+                </a:extLst>
+              </p:cNvPr>
+              <p:cNvSpPr txBox="1">
+                <a:spLocks noRot="1" noChangeAspect="1" noMove="1" noResize="1" noEditPoints="1" noAdjustHandles="1" noChangeArrowheads="1" noChangeShapeType="1" noTextEdit="1"/>
+              </p:cNvSpPr>
+              <p:nvPr/>
+            </p:nvSpPr>
+            <p:spPr>
+              <a:xfrm>
+                <a:off x="776536" y="2996952"/>
+                <a:ext cx="6846682" cy="1550937"/>
+              </a:xfrm>
+              <a:prstGeom prst="rect">
+                <a:avLst/>
+              </a:prstGeom>
+              <a:blipFill>
+                <a:blip r:embed="rId2"/>
+                <a:stretch>
+                  <a:fillRect/>
+                </a:stretch>
+              </a:blipFill>
+            </p:spPr>
+            <p:txBody>
+              <a:bodyPr/>
+              <a:lstStyle/>
+              <a:p>
+                <a:r>
+                  <a:rPr lang="ko-KR" altLang="en-US">
+                    <a:noFill/>
+                  </a:rPr>
+                  <a:t> </a:t>
+                </a:r>
+              </a:p>
+            </p:txBody>
+          </p:sp>
+        </mc:Fallback>
+      </mc:AlternateContent>
+    </p:spTree>
+    <p:extLst>
+      <p:ext uri="{BB962C8B-B14F-4D97-AF65-F5344CB8AC3E}">
+        <p14:creationId xmlns:p14="http://schemas.microsoft.com/office/powerpoint/2010/main" val="56404198"/>
+      </p:ext>
+    </p:extLst>
+  </p:cSld>
+  <p:clrMapOvr>
+    <a:masterClrMapping/>
+  </p:clrMapOvr>
+</p:sld>
+</file>
+
+<file path=ppt/slides/slide4.xml><?xml version="1.0" encoding="utf-8"?>
 <p:sld xmlns:a="http://schemas.openxmlformats.org/drawingml/2006/main" xmlns:r="http://schemas.openxmlformats.org/officeDocument/2006/relationships" xmlns:p="http://schemas.openxmlformats.org/presentationml/2006/main">
   <p:cSld>
     <p:spTree>
@@ -8687,7 +7338,2418 @@
     </p:spTree>
     <p:extLst>
       <p:ext uri="{BB962C8B-B14F-4D97-AF65-F5344CB8AC3E}">
-        <p14:creationId xmlns:p14="http://schemas.microsoft.com/office/powerpoint/2010/main" val="1135732367"/>
+        <p14:creationId xmlns:p14="http://schemas.microsoft.com/office/powerpoint/2010/main" val="544517737"/>
+      </p:ext>
+    </p:extLst>
+  </p:cSld>
+  <p:clrMapOvr>
+    <a:masterClrMapping/>
+  </p:clrMapOvr>
+</p:sld>
+</file>
+
+<file path=ppt/slides/slide5.xml><?xml version="1.0" encoding="utf-8"?>
+<p:sld xmlns:a="http://schemas.openxmlformats.org/drawingml/2006/main" xmlns:r="http://schemas.openxmlformats.org/officeDocument/2006/relationships" xmlns:p="http://schemas.openxmlformats.org/presentationml/2006/main">
+  <p:cSld>
+    <p:spTree>
+      <p:nvGrpSpPr>
+        <p:cNvPr id="1" name=""/>
+        <p:cNvGrpSpPr/>
+        <p:nvPr/>
+      </p:nvGrpSpPr>
+      <p:grpSpPr>
+        <a:xfrm>
+          <a:off x="0" y="0"/>
+          <a:ext cx="0" cy="0"/>
+          <a:chOff x="0" y="0"/>
+          <a:chExt cx="0" cy="0"/>
+        </a:xfrm>
+      </p:grpSpPr>
+      <p:sp>
+        <p:nvSpPr>
+          <p:cNvPr id="5" name="TextBox 4">
+            <a:extLst>
+              <a:ext uri="{FF2B5EF4-FFF2-40B4-BE49-F238E27FC236}">
+                <a16:creationId xmlns:a16="http://schemas.microsoft.com/office/drawing/2014/main" id="{1222C5BD-354A-B546-981C-AF3407B6864D}"/>
+              </a:ext>
+            </a:extLst>
+          </p:cNvPr>
+          <p:cNvSpPr txBox="1">
+            <a:spLocks noChangeArrowheads="1"/>
+          </p:cNvSpPr>
+          <p:nvPr/>
+        </p:nvSpPr>
+        <p:spPr bwMode="auto">
+          <a:xfrm>
+            <a:off x="596516" y="152636"/>
+            <a:ext cx="9074150" cy="854080"/>
+          </a:xfrm>
+          <a:prstGeom prst="rect">
+            <a:avLst/>
+          </a:prstGeom>
+          <a:noFill/>
+          <a:ln>
+            <a:noFill/>
+          </a:ln>
+          <a:effectLst/>
+          <a:extLst>
+            <a:ext uri="{909E8E84-426E-40DD-AFC4-6F175D3DCCD1}">
+              <a14:hiddenFill xmlns:a14="http://schemas.microsoft.com/office/drawing/2010/main">
+                <a:solidFill>
+                  <a:schemeClr val="accent1"/>
+                </a:solidFill>
+              </a14:hiddenFill>
+            </a:ext>
+            <a:ext uri="{91240B29-F687-4F45-9708-019B960494DF}">
+              <a14:hiddenLine xmlns:a14="http://schemas.microsoft.com/office/drawing/2010/main" w="9525" algn="ctr">
+                <a:solidFill>
+                  <a:schemeClr val="tx1"/>
+                </a:solidFill>
+                <a:miter lim="800000"/>
+                <a:headEnd/>
+                <a:tailEnd/>
+              </a14:hiddenLine>
+            </a:ext>
+            <a:ext uri="{AF507438-7753-43E0-B8FC-AC1667EBCBE1}">
+              <a14:hiddenEffects xmlns:a14="http://schemas.microsoft.com/office/drawing/2010/main">
+                <a:effectLst>
+                  <a:outerShdw dist="35921" dir="2700000" algn="ctr" rotWithShape="0">
+                    <a:schemeClr val="bg2"/>
+                  </a:outerShdw>
+                </a:effectLst>
+              </a14:hiddenEffects>
+            </a:ext>
+          </a:extLst>
+        </p:spPr>
+        <p:txBody>
+          <a:bodyPr>
+            <a:spAutoFit/>
+          </a:bodyPr>
+          <a:lstStyle>
+            <a:lvl1pPr marL="261938" indent="-261938" eaLnBrk="0" hangingPunct="0">
+              <a:defRPr kumimoji="1" sz="1400" b="1">
+                <a:solidFill>
+                  <a:schemeClr val="tx1"/>
+                </a:solidFill>
+                <a:latin typeface="맑은 고딕" pitchFamily="50" charset="-127"/>
+                <a:ea typeface="맑은 고딕" pitchFamily="50" charset="-127"/>
+              </a:defRPr>
+            </a:lvl1pPr>
+            <a:lvl2pPr marL="441325" indent="-177800" eaLnBrk="0" hangingPunct="0">
+              <a:defRPr kumimoji="1" sz="1400" b="1">
+                <a:solidFill>
+                  <a:schemeClr val="tx1"/>
+                </a:solidFill>
+                <a:latin typeface="맑은 고딕" pitchFamily="50" charset="-127"/>
+                <a:ea typeface="맑은 고딕" pitchFamily="50" charset="-127"/>
+              </a:defRPr>
+            </a:lvl2pPr>
+            <a:lvl3pPr marL="603250" indent="-160338" eaLnBrk="0" hangingPunct="0">
+              <a:defRPr kumimoji="1" sz="1400" b="1">
+                <a:solidFill>
+                  <a:schemeClr val="tx1"/>
+                </a:solidFill>
+                <a:latin typeface="맑은 고딕" pitchFamily="50" charset="-127"/>
+                <a:ea typeface="맑은 고딕" pitchFamily="50" charset="-127"/>
+              </a:defRPr>
+            </a:lvl3pPr>
+            <a:lvl4pPr marL="1600200" indent="-228600" eaLnBrk="0" hangingPunct="0">
+              <a:defRPr kumimoji="1" sz="1400" b="1">
+                <a:solidFill>
+                  <a:schemeClr val="tx1"/>
+                </a:solidFill>
+                <a:latin typeface="맑은 고딕" pitchFamily="50" charset="-127"/>
+                <a:ea typeface="맑은 고딕" pitchFamily="50" charset="-127"/>
+              </a:defRPr>
+            </a:lvl4pPr>
+            <a:lvl5pPr marL="2057400" indent="-228600" eaLnBrk="0" hangingPunct="0">
+              <a:defRPr kumimoji="1" sz="1400" b="1">
+                <a:solidFill>
+                  <a:schemeClr val="tx1"/>
+                </a:solidFill>
+                <a:latin typeface="맑은 고딕" pitchFamily="50" charset="-127"/>
+                <a:ea typeface="맑은 고딕" pitchFamily="50" charset="-127"/>
+              </a:defRPr>
+            </a:lvl5pPr>
+            <a:lvl6pPr marL="2514600" indent="-228600" eaLnBrk="0" fontAlgn="base" hangingPunct="0">
+              <a:lnSpc>
+                <a:spcPct val="120000"/>
+              </a:lnSpc>
+              <a:spcBef>
+                <a:spcPct val="30000"/>
+              </a:spcBef>
+              <a:spcAft>
+                <a:spcPct val="0"/>
+              </a:spcAft>
+              <a:buChar char="•"/>
+              <a:defRPr kumimoji="1" sz="1400" b="1">
+                <a:solidFill>
+                  <a:schemeClr val="tx1"/>
+                </a:solidFill>
+                <a:latin typeface="맑은 고딕" pitchFamily="50" charset="-127"/>
+                <a:ea typeface="맑은 고딕" pitchFamily="50" charset="-127"/>
+              </a:defRPr>
+            </a:lvl6pPr>
+            <a:lvl7pPr marL="2971800" indent="-228600" eaLnBrk="0" fontAlgn="base" hangingPunct="0">
+              <a:lnSpc>
+                <a:spcPct val="120000"/>
+              </a:lnSpc>
+              <a:spcBef>
+                <a:spcPct val="30000"/>
+              </a:spcBef>
+              <a:spcAft>
+                <a:spcPct val="0"/>
+              </a:spcAft>
+              <a:buChar char="•"/>
+              <a:defRPr kumimoji="1" sz="1400" b="1">
+                <a:solidFill>
+                  <a:schemeClr val="tx1"/>
+                </a:solidFill>
+                <a:latin typeface="맑은 고딕" pitchFamily="50" charset="-127"/>
+                <a:ea typeface="맑은 고딕" pitchFamily="50" charset="-127"/>
+              </a:defRPr>
+            </a:lvl7pPr>
+            <a:lvl8pPr marL="3429000" indent="-228600" eaLnBrk="0" fontAlgn="base" hangingPunct="0">
+              <a:lnSpc>
+                <a:spcPct val="120000"/>
+              </a:lnSpc>
+              <a:spcBef>
+                <a:spcPct val="30000"/>
+              </a:spcBef>
+              <a:spcAft>
+                <a:spcPct val="0"/>
+              </a:spcAft>
+              <a:buChar char="•"/>
+              <a:defRPr kumimoji="1" sz="1400" b="1">
+                <a:solidFill>
+                  <a:schemeClr val="tx1"/>
+                </a:solidFill>
+                <a:latin typeface="맑은 고딕" pitchFamily="50" charset="-127"/>
+                <a:ea typeface="맑은 고딕" pitchFamily="50" charset="-127"/>
+              </a:defRPr>
+            </a:lvl8pPr>
+            <a:lvl9pPr marL="3886200" indent="-228600" eaLnBrk="0" fontAlgn="base" hangingPunct="0">
+              <a:lnSpc>
+                <a:spcPct val="120000"/>
+              </a:lnSpc>
+              <a:spcBef>
+                <a:spcPct val="30000"/>
+              </a:spcBef>
+              <a:spcAft>
+                <a:spcPct val="0"/>
+              </a:spcAft>
+              <a:buChar char="•"/>
+              <a:defRPr kumimoji="1" sz="1400" b="1">
+                <a:solidFill>
+                  <a:schemeClr val="tx1"/>
+                </a:solidFill>
+                <a:latin typeface="맑은 고딕" pitchFamily="50" charset="-127"/>
+                <a:ea typeface="맑은 고딕" pitchFamily="50" charset="-127"/>
+              </a:defRPr>
+            </a:lvl9pPr>
+          </a:lstStyle>
+          <a:p>
+            <a:pPr marL="0" indent="0" eaLnBrk="1" hangingPunct="1">
+              <a:lnSpc>
+                <a:spcPct val="250000"/>
+              </a:lnSpc>
+              <a:buNone/>
+            </a:pPr>
+            <a:r>
+              <a:rPr lang="ko-KR" altLang="en-US" sz="2400" b="0" dirty="0" smtClean="0"/>
+              <a:t>❑ </a:t>
+            </a:r>
+            <a:r>
+              <a:rPr lang="ko-KR" altLang="en-US" sz="2400" b="0" dirty="0" err="1" smtClean="0"/>
+              <a:t>모비율</a:t>
+            </a:r>
+            <a:r>
+              <a:rPr lang="ko-KR" altLang="en-US" sz="2400" b="0" dirty="0" smtClean="0"/>
+              <a:t> 검정</a:t>
+            </a:r>
+            <a:endParaRPr lang="ko-KR" altLang="en-US" sz="1800" b="0" dirty="0"/>
+          </a:p>
+        </p:txBody>
+      </p:sp>
+      <p:sp>
+        <p:nvSpPr>
+          <p:cNvPr id="8" name="TextBox 7">
+            <a:extLst>
+              <a:ext uri="{FF2B5EF4-FFF2-40B4-BE49-F238E27FC236}">
+                <a16:creationId xmlns:a16="http://schemas.microsoft.com/office/drawing/2014/main" id="{950E22D6-7D3C-044D-844A-0EF328822ACD}"/>
+              </a:ext>
+            </a:extLst>
+          </p:cNvPr>
+          <p:cNvSpPr txBox="1"/>
+          <p:nvPr/>
+        </p:nvSpPr>
+        <p:spPr>
+          <a:xfrm>
+            <a:off x="850403" y="1009319"/>
+            <a:ext cx="8822122" cy="2850011"/>
+          </a:xfrm>
+          <a:prstGeom prst="rect">
+            <a:avLst/>
+          </a:prstGeom>
+          <a:noFill/>
+        </p:spPr>
+        <p:txBody>
+          <a:bodyPr wrap="square" rtlCol="0">
+            <a:spAutoFit/>
+          </a:bodyPr>
+          <a:lstStyle/>
+          <a:p>
+            <a:pPr marL="285750" indent="-285750">
+              <a:lnSpc>
+                <a:spcPct val="200000"/>
+              </a:lnSpc>
+              <a:buFont typeface="Courier New" panose="02070309020205020404" pitchFamily="49" charset="0"/>
+              <a:buChar char="o"/>
+            </a:pPr>
+            <a:r>
+              <a:rPr lang="ko-KR" altLang="en-US" sz="1600" dirty="0" smtClean="0"/>
+              <a:t>가설 설정</a:t>
+            </a:r>
+            <a:endParaRPr lang="en-US" altLang="ko-KR" sz="1600" dirty="0" smtClean="0"/>
+          </a:p>
+          <a:p>
+            <a:pPr marL="742950" lvl="1" indent="-285750">
+              <a:lnSpc>
+                <a:spcPct val="200000"/>
+              </a:lnSpc>
+              <a:buFont typeface="맑은 고딕" panose="020B0503020000020004" pitchFamily="50" charset="-127"/>
+              <a:buChar char="√"/>
+            </a:pPr>
+            <a:r>
+              <a:rPr lang="ko-KR" altLang="en-US" sz="1600" dirty="0" err="1" smtClean="0"/>
+              <a:t>귀무가설</a:t>
+            </a:r>
+            <a:r>
+              <a:rPr lang="en-US" altLang="ko-KR" sz="1600" dirty="0" smtClean="0"/>
+              <a:t>: </a:t>
+            </a:r>
+            <a:r>
+              <a:rPr lang="ko-KR" altLang="en-US" sz="1600" dirty="0" smtClean="0"/>
+              <a:t>핸드폰 액정의 불량률은 </a:t>
+            </a:r>
+            <a:r>
+              <a:rPr lang="en-US" altLang="ko-KR" sz="1600" dirty="0" smtClean="0"/>
+              <a:t>10% </a:t>
+            </a:r>
+            <a:r>
+              <a:rPr lang="ko-KR" altLang="en-US" sz="1600" dirty="0" smtClean="0"/>
+              <a:t>미만이다</a:t>
+            </a:r>
+            <a:endParaRPr lang="en-US" altLang="ko-KR" sz="1600" dirty="0" smtClean="0"/>
+          </a:p>
+          <a:p>
+            <a:pPr marL="742950" lvl="1" indent="-285750">
+              <a:lnSpc>
+                <a:spcPct val="200000"/>
+              </a:lnSpc>
+              <a:buFont typeface="맑은 고딕" panose="020B0503020000020004" pitchFamily="50" charset="-127"/>
+              <a:buChar char="√"/>
+            </a:pPr>
+            <a:r>
+              <a:rPr lang="ko-KR" altLang="en-US" sz="1600" dirty="0" err="1" smtClean="0"/>
+              <a:t>대립가설</a:t>
+            </a:r>
+            <a:r>
+              <a:rPr lang="en-US" altLang="ko-KR" sz="1600" dirty="0" smtClean="0"/>
+              <a:t>: </a:t>
+            </a:r>
+            <a:r>
+              <a:rPr lang="ko-KR" altLang="en-US" sz="1600" dirty="0" smtClean="0"/>
+              <a:t>핸드폰 액정의 불량률은 </a:t>
+            </a:r>
+            <a:r>
+              <a:rPr lang="en-US" altLang="ko-KR" sz="1600" dirty="0" smtClean="0"/>
+              <a:t>10%</a:t>
+            </a:r>
+            <a:r>
+              <a:rPr lang="ko-KR" altLang="en-US" sz="1600" dirty="0" smtClean="0"/>
+              <a:t>를 넘는다</a:t>
+            </a:r>
+            <a:endParaRPr lang="en-US" altLang="ko-KR" sz="1600" dirty="0" smtClean="0"/>
+          </a:p>
+          <a:p>
+            <a:pPr marL="285750" lvl="0" indent="-285750">
+              <a:lnSpc>
+                <a:spcPct val="200000"/>
+              </a:lnSpc>
+              <a:buFont typeface="Courier New" panose="02070309020205020404" pitchFamily="49" charset="0"/>
+              <a:buChar char="o"/>
+            </a:pPr>
+            <a:r>
+              <a:rPr lang="ko-KR" altLang="en-US" sz="1600" dirty="0" smtClean="0">
+                <a:solidFill>
+                  <a:srgbClr val="000000"/>
+                </a:solidFill>
+              </a:rPr>
+              <a:t>데이터 현황</a:t>
+            </a:r>
+            <a:endParaRPr lang="en-US" altLang="ko-KR" sz="1600" dirty="0">
+              <a:solidFill>
+                <a:srgbClr val="000000"/>
+              </a:solidFill>
+            </a:endParaRPr>
+          </a:p>
+          <a:p>
+            <a:pPr marL="742950" lvl="1" indent="-285750">
+              <a:lnSpc>
+                <a:spcPct val="200000"/>
+              </a:lnSpc>
+              <a:buFont typeface="맑은 고딕" panose="020B0503020000020004" pitchFamily="50" charset="-127"/>
+              <a:buChar char="√"/>
+            </a:pPr>
+            <a:r>
+              <a:rPr lang="ko-KR" altLang="en-US" sz="1600" dirty="0" smtClean="0"/>
+              <a:t>표본의 수는 </a:t>
+            </a:r>
+            <a:r>
+              <a:rPr lang="en-US" altLang="ko-KR" sz="1600" dirty="0" smtClean="0"/>
+              <a:t>200</a:t>
+            </a:r>
+            <a:r>
+              <a:rPr lang="ko-KR" altLang="en-US" sz="1600" dirty="0" smtClean="0"/>
+              <a:t>개</a:t>
+            </a:r>
+            <a:r>
+              <a:rPr lang="en-US" altLang="ko-KR" sz="1600" dirty="0" smtClean="0"/>
+              <a:t>, </a:t>
+            </a:r>
+            <a:r>
+              <a:rPr lang="ko-KR" altLang="en-US" sz="1600" dirty="0" smtClean="0"/>
+              <a:t>총 </a:t>
+            </a:r>
+            <a:r>
+              <a:rPr lang="en-US" altLang="ko-KR" sz="1600" dirty="0" smtClean="0"/>
+              <a:t>22</a:t>
+            </a:r>
+            <a:r>
+              <a:rPr lang="ko-KR" altLang="en-US" sz="1600" dirty="0" smtClean="0"/>
+              <a:t>개가 불량으로 확인됨</a:t>
+            </a:r>
+            <a:endParaRPr lang="en-US" altLang="ko-KR" sz="1600" dirty="0" smtClean="0"/>
+          </a:p>
+        </p:txBody>
+      </p:sp>
+      <mc:AlternateContent xmlns:mc="http://schemas.openxmlformats.org/markup-compatibility/2006" xmlns:a14="http://schemas.microsoft.com/office/drawing/2010/main">
+        <mc:Choice Requires="a14">
+          <p:sp>
+            <p:nvSpPr>
+              <p:cNvPr id="7" name="TextBox 6">
+                <a:extLst>
+                  <a:ext uri="{FF2B5EF4-FFF2-40B4-BE49-F238E27FC236}">
+                    <a16:creationId xmlns:a16="http://schemas.microsoft.com/office/drawing/2014/main" id="{0DC2BE0C-9456-264A-9CB9-5EEBB85D3765}"/>
+                  </a:ext>
+                </a:extLst>
+              </p:cNvPr>
+              <p:cNvSpPr txBox="1"/>
+              <p:nvPr/>
+            </p:nvSpPr>
+            <p:spPr>
+              <a:xfrm>
+                <a:off x="2960706" y="4077072"/>
+                <a:ext cx="4171911" cy="1614416"/>
+              </a:xfrm>
+              <a:prstGeom prst="rect">
+                <a:avLst/>
+              </a:prstGeom>
+              <a:noFill/>
+            </p:spPr>
+            <p:txBody>
+              <a:bodyPr wrap="none" lIns="0" tIns="0" rIns="0" bIns="0" rtlCol="0">
+                <a:spAutoFit/>
+              </a:bodyPr>
+              <a:lstStyle/>
+              <a:p>
+                <a:pPr>
+                  <a:buNone/>
+                </a:pPr>
+                <a14:m>
+                  <m:oMathPara xmlns:m="http://schemas.openxmlformats.org/officeDocument/2006/math">
+                    <m:oMathParaPr>
+                      <m:jc m:val="centerGroup"/>
+                    </m:oMathParaPr>
+                    <m:oMath xmlns:m="http://schemas.openxmlformats.org/officeDocument/2006/math">
+                      <m:r>
+                        <a:rPr lang="en-US" sz="2800" b="1" i="1" smtClean="0">
+                          <a:latin typeface="Cambria Math" panose="02040503050406030204" pitchFamily="18" charset="0"/>
+                        </a:rPr>
+                        <m:t>𝒁</m:t>
+                      </m:r>
+                      <m:r>
+                        <a:rPr lang="en-US" sz="2800" b="1" i="1" smtClean="0">
+                          <a:latin typeface="Cambria Math" panose="02040503050406030204" pitchFamily="18" charset="0"/>
+                        </a:rPr>
+                        <m:t>=</m:t>
+                      </m:r>
+                      <m:f>
+                        <m:fPr>
+                          <m:ctrlPr>
+                            <a:rPr lang="en-US" altLang="ko-KR" sz="2800" b="1" i="1" smtClean="0">
+                              <a:latin typeface="Cambria Math" panose="02040503050406030204" pitchFamily="18" charset="0"/>
+                            </a:rPr>
+                          </m:ctrlPr>
+                        </m:fPr>
+                        <m:num>
+                          <m:r>
+                            <a:rPr lang="en-US" altLang="ko-KR" sz="2800" b="1" i="1" smtClean="0">
+                              <a:latin typeface="Cambria Math" panose="02040503050406030204" pitchFamily="18" charset="0"/>
+                            </a:rPr>
+                            <m:t>𝟎</m:t>
+                          </m:r>
+                          <m:r>
+                            <a:rPr lang="en-US" altLang="ko-KR" sz="2800" b="1" i="1" smtClean="0">
+                              <a:latin typeface="Cambria Math" panose="02040503050406030204" pitchFamily="18" charset="0"/>
+                            </a:rPr>
+                            <m:t>.</m:t>
+                          </m:r>
+                          <m:r>
+                            <a:rPr lang="en-US" altLang="ko-KR" sz="2800" b="1" i="1" smtClean="0">
+                              <a:latin typeface="Cambria Math" panose="02040503050406030204" pitchFamily="18" charset="0"/>
+                            </a:rPr>
+                            <m:t>𝟏𝟏</m:t>
+                          </m:r>
+                          <m:r>
+                            <a:rPr lang="en-US" altLang="ko-KR" sz="2800" b="1" i="1" smtClean="0">
+                              <a:latin typeface="Cambria Math" panose="02040503050406030204" pitchFamily="18" charset="0"/>
+                            </a:rPr>
+                            <m:t> −</m:t>
+                          </m:r>
+                          <m:r>
+                            <a:rPr lang="en-US" altLang="ko-KR" sz="2800" b="1" i="1" smtClean="0">
+                              <a:latin typeface="Cambria Math" panose="02040503050406030204" pitchFamily="18" charset="0"/>
+                            </a:rPr>
+                            <m:t>𝟎</m:t>
+                          </m:r>
+                          <m:r>
+                            <a:rPr lang="en-US" altLang="ko-KR" sz="2800" b="1" i="1" smtClean="0">
+                              <a:latin typeface="Cambria Math" panose="02040503050406030204" pitchFamily="18" charset="0"/>
+                            </a:rPr>
+                            <m:t>.</m:t>
+                          </m:r>
+                          <m:r>
+                            <a:rPr lang="en-US" altLang="ko-KR" sz="2800" b="1" i="1" smtClean="0">
+                              <a:latin typeface="Cambria Math" panose="02040503050406030204" pitchFamily="18" charset="0"/>
+                            </a:rPr>
+                            <m:t>𝟏</m:t>
+                          </m:r>
+                        </m:num>
+                        <m:den>
+                          <m:rad>
+                            <m:radPr>
+                              <m:degHide m:val="on"/>
+                              <m:ctrlPr>
+                                <a:rPr lang="en-US" altLang="ko-KR" sz="2800" b="1" i="1" smtClean="0">
+                                  <a:latin typeface="Cambria Math" panose="02040503050406030204" pitchFamily="18" charset="0"/>
+                                </a:rPr>
+                              </m:ctrlPr>
+                            </m:radPr>
+                            <m:deg/>
+                            <m:e>
+                              <m:f>
+                                <m:fPr>
+                                  <m:ctrlPr>
+                                    <a:rPr lang="en-US" altLang="ko-KR" sz="2800" b="1" i="1" smtClean="0">
+                                      <a:latin typeface="Cambria Math" panose="02040503050406030204" pitchFamily="18" charset="0"/>
+                                    </a:rPr>
+                                  </m:ctrlPr>
+                                </m:fPr>
+                                <m:num>
+                                  <m:r>
+                                    <a:rPr lang="en-US" altLang="ko-KR" sz="2800" b="1" i="1" smtClean="0">
+                                      <a:latin typeface="Cambria Math" panose="02040503050406030204" pitchFamily="18" charset="0"/>
+                                    </a:rPr>
+                                    <m:t>𝟎</m:t>
+                                  </m:r>
+                                  <m:r>
+                                    <a:rPr lang="en-US" altLang="ko-KR" sz="2800" b="1" i="1" smtClean="0">
+                                      <a:latin typeface="Cambria Math" panose="02040503050406030204" pitchFamily="18" charset="0"/>
+                                    </a:rPr>
+                                    <m:t>.</m:t>
+                                  </m:r>
+                                  <m:r>
+                                    <a:rPr lang="en-US" altLang="ko-KR" sz="2800" b="1" i="1" smtClean="0">
+                                      <a:latin typeface="Cambria Math" panose="02040503050406030204" pitchFamily="18" charset="0"/>
+                                    </a:rPr>
+                                    <m:t>𝟏</m:t>
+                                  </m:r>
+                                  <m:r>
+                                    <a:rPr lang="en-US" altLang="ko-KR" sz="2800" b="1" i="1" smtClean="0">
+                                      <a:latin typeface="Cambria Math" panose="02040503050406030204" pitchFamily="18" charset="0"/>
+                                    </a:rPr>
+                                    <m:t> ×</m:t>
+                                  </m:r>
+                                  <m:r>
+                                    <a:rPr lang="en-US" altLang="ko-KR" sz="2800" b="1" i="1" smtClean="0">
+                                      <a:latin typeface="Cambria Math" panose="02040503050406030204" pitchFamily="18" charset="0"/>
+                                      <a:ea typeface="Cambria Math" panose="02040503050406030204" pitchFamily="18" charset="0"/>
+                                    </a:rPr>
+                                    <m:t>𝟎</m:t>
+                                  </m:r>
+                                  <m:r>
+                                    <a:rPr lang="en-US" altLang="ko-KR" sz="2800" b="1" i="1" smtClean="0">
+                                      <a:latin typeface="Cambria Math" panose="02040503050406030204" pitchFamily="18" charset="0"/>
+                                      <a:ea typeface="Cambria Math" panose="02040503050406030204" pitchFamily="18" charset="0"/>
+                                    </a:rPr>
+                                    <m:t>.</m:t>
+                                  </m:r>
+                                  <m:r>
+                                    <a:rPr lang="en-US" altLang="ko-KR" sz="2800" b="1" i="1" smtClean="0">
+                                      <a:latin typeface="Cambria Math" panose="02040503050406030204" pitchFamily="18" charset="0"/>
+                                      <a:ea typeface="Cambria Math" panose="02040503050406030204" pitchFamily="18" charset="0"/>
+                                    </a:rPr>
+                                    <m:t>𝟗</m:t>
+                                  </m:r>
+                                </m:num>
+                                <m:den>
+                                  <m:r>
+                                    <a:rPr lang="en-US" altLang="ko-KR" sz="2800" b="1" i="1" smtClean="0">
+                                      <a:latin typeface="Cambria Math" panose="02040503050406030204" pitchFamily="18" charset="0"/>
+                                    </a:rPr>
+                                    <m:t>𝟐𝟎𝟎</m:t>
+                                  </m:r>
+                                </m:den>
+                              </m:f>
+                            </m:e>
+                          </m:rad>
+                        </m:den>
+                      </m:f>
+                      <m:r>
+                        <a:rPr lang="en-US" altLang="ko-KR" sz="2800" b="1" i="1" smtClean="0">
+                          <a:latin typeface="Cambria Math" panose="02040503050406030204" pitchFamily="18" charset="0"/>
+                          <a:ea typeface="Cambria Math" panose="02040503050406030204" pitchFamily="18" charset="0"/>
+                        </a:rPr>
+                        <m:t>≅</m:t>
+                      </m:r>
+                      <m:r>
+                        <a:rPr lang="en-US" altLang="ko-KR" sz="2800" b="1" i="1" smtClean="0">
+                          <a:latin typeface="Cambria Math" panose="02040503050406030204" pitchFamily="18" charset="0"/>
+                        </a:rPr>
+                        <m:t>𝟎</m:t>
+                      </m:r>
+                      <m:r>
+                        <a:rPr lang="en-US" altLang="ko-KR" sz="2800" b="1" i="1" smtClean="0">
+                          <a:latin typeface="Cambria Math" panose="02040503050406030204" pitchFamily="18" charset="0"/>
+                        </a:rPr>
+                        <m:t>.</m:t>
+                      </m:r>
+                      <m:r>
+                        <a:rPr lang="en-US" altLang="ko-KR" sz="2800" b="1" i="1" smtClean="0">
+                          <a:latin typeface="Cambria Math" panose="02040503050406030204" pitchFamily="18" charset="0"/>
+                        </a:rPr>
+                        <m:t>𝟒𝟕𝟏</m:t>
+                      </m:r>
+                    </m:oMath>
+                  </m:oMathPara>
+                </a14:m>
+                <a:endParaRPr lang="en-KR" sz="2800" dirty="0"/>
+              </a:p>
+            </p:txBody>
+          </p:sp>
+        </mc:Choice>
+        <mc:Fallback xmlns="">
+          <p:sp>
+            <p:nvSpPr>
+              <p:cNvPr id="7" name="TextBox 6">
+                <a:extLst>
+                  <a:ext uri="{FF2B5EF4-FFF2-40B4-BE49-F238E27FC236}">
+                    <a16:creationId xmlns:a16="http://schemas.microsoft.com/office/drawing/2014/main" id="{0DC2BE0C-9456-264A-9CB9-5EEBB85D3765}"/>
+                  </a:ext>
+                </a:extLst>
+              </p:cNvPr>
+              <p:cNvSpPr txBox="1">
+                <a:spLocks noRot="1" noChangeAspect="1" noMove="1" noResize="1" noEditPoints="1" noAdjustHandles="1" noChangeArrowheads="1" noChangeShapeType="1" noTextEdit="1"/>
+              </p:cNvSpPr>
+              <p:nvPr/>
+            </p:nvSpPr>
+            <p:spPr>
+              <a:xfrm>
+                <a:off x="2960706" y="4077072"/>
+                <a:ext cx="4171911" cy="1614416"/>
+              </a:xfrm>
+              <a:prstGeom prst="rect">
+                <a:avLst/>
+              </a:prstGeom>
+              <a:blipFill>
+                <a:blip r:embed="rId2"/>
+                <a:stretch>
+                  <a:fillRect/>
+                </a:stretch>
+              </a:blipFill>
+            </p:spPr>
+            <p:txBody>
+              <a:bodyPr/>
+              <a:lstStyle/>
+              <a:p>
+                <a:r>
+                  <a:rPr lang="ko-KR" altLang="en-US">
+                    <a:noFill/>
+                  </a:rPr>
+                  <a:t> </a:t>
+                </a:r>
+              </a:p>
+            </p:txBody>
+          </p:sp>
+        </mc:Fallback>
+      </mc:AlternateContent>
+    </p:spTree>
+    <p:extLst>
+      <p:ext uri="{BB962C8B-B14F-4D97-AF65-F5344CB8AC3E}">
+        <p14:creationId xmlns:p14="http://schemas.microsoft.com/office/powerpoint/2010/main" val="526941816"/>
+      </p:ext>
+    </p:extLst>
+  </p:cSld>
+  <p:clrMapOvr>
+    <a:masterClrMapping/>
+  </p:clrMapOvr>
+</p:sld>
+</file>
+
+<file path=ppt/slides/slide6.xml><?xml version="1.0" encoding="utf-8"?>
+<p:sld xmlns:a="http://schemas.openxmlformats.org/drawingml/2006/main" xmlns:r="http://schemas.openxmlformats.org/officeDocument/2006/relationships" xmlns:p="http://schemas.openxmlformats.org/presentationml/2006/main">
+  <p:cSld>
+    <p:spTree>
+      <p:nvGrpSpPr>
+        <p:cNvPr id="1" name=""/>
+        <p:cNvGrpSpPr/>
+        <p:nvPr/>
+      </p:nvGrpSpPr>
+      <p:grpSpPr>
+        <a:xfrm>
+          <a:off x="0" y="0"/>
+          <a:ext cx="0" cy="0"/>
+          <a:chOff x="0" y="0"/>
+          <a:chExt cx="0" cy="0"/>
+        </a:xfrm>
+      </p:grpSpPr>
+      <p:sp>
+        <p:nvSpPr>
+          <p:cNvPr id="3" name="직사각형 2">
+            <a:extLst>
+              <a:ext uri="{FF2B5EF4-FFF2-40B4-BE49-F238E27FC236}">
+                <a16:creationId xmlns:a16="http://schemas.microsoft.com/office/drawing/2014/main" id="{93586E94-C60B-4265-AF81-802F53036609}"/>
+              </a:ext>
+            </a:extLst>
+          </p:cNvPr>
+          <p:cNvSpPr/>
+          <p:nvPr/>
+        </p:nvSpPr>
+        <p:spPr>
+          <a:xfrm>
+            <a:off x="0" y="1"/>
+            <a:ext cx="9906001" cy="6858000"/>
+          </a:xfrm>
+          <a:prstGeom prst="rect">
+            <a:avLst/>
+          </a:prstGeom>
+          <a:solidFill>
+            <a:schemeClr val="tx1">
+              <a:alpha val="80000"/>
+            </a:schemeClr>
+          </a:solidFill>
+          <a:ln>
+            <a:noFill/>
+          </a:ln>
+        </p:spPr>
+        <p:style>
+          <a:lnRef idx="2">
+            <a:schemeClr val="accent1">
+              <a:shade val="50000"/>
+            </a:schemeClr>
+          </a:lnRef>
+          <a:fillRef idx="1">
+            <a:schemeClr val="accent1"/>
+          </a:fillRef>
+          <a:effectRef idx="0">
+            <a:schemeClr val="accent1"/>
+          </a:effectRef>
+          <a:fontRef idx="minor">
+            <a:schemeClr val="lt1"/>
+          </a:fontRef>
+        </p:style>
+        <p:txBody>
+          <a:bodyPr rtlCol="0" anchor="ctr"/>
+          <a:lstStyle/>
+          <a:p>
+            <a:pPr algn="ctr" defTabSz="742950" fontAlgn="auto">
+              <a:lnSpc>
+                <a:spcPct val="100000"/>
+              </a:lnSpc>
+              <a:spcBef>
+                <a:spcPts val="0"/>
+              </a:spcBef>
+              <a:spcAft>
+                <a:spcPts val="0"/>
+              </a:spcAft>
+              <a:buNone/>
+              <a:defRPr/>
+            </a:pPr>
+            <a:endParaRPr kumimoji="0" lang="ko-KR" altLang="en-US" sz="1463" b="0" dirty="0">
+              <a:solidFill>
+                <a:prstClr val="white"/>
+              </a:solidFill>
+              <a:latin typeface="맑은 고딕" panose="020F0502020204030204"/>
+              <a:ea typeface="맑은 고딕" panose="020B0503020000020004" pitchFamily="50" charset="-127"/>
+            </a:endParaRPr>
+          </a:p>
+        </p:txBody>
+      </p:sp>
+      <p:sp>
+        <p:nvSpPr>
+          <p:cNvPr id="5" name="직사각형 4">
+            <a:extLst>
+              <a:ext uri="{FF2B5EF4-FFF2-40B4-BE49-F238E27FC236}">
+                <a16:creationId xmlns:a16="http://schemas.microsoft.com/office/drawing/2014/main" id="{8C831DBE-20F5-4628-ADE2-A89C7F6D514A}"/>
+              </a:ext>
+            </a:extLst>
+          </p:cNvPr>
+          <p:cNvSpPr/>
+          <p:nvPr/>
+        </p:nvSpPr>
+        <p:spPr>
+          <a:xfrm>
+            <a:off x="200472" y="2420888"/>
+            <a:ext cx="62134" cy="830676"/>
+          </a:xfrm>
+          <a:prstGeom prst="rect">
+            <a:avLst/>
+          </a:prstGeom>
+          <a:gradFill>
+            <a:gsLst>
+              <a:gs pos="0">
+                <a:srgbClr val="02CCBA"/>
+              </a:gs>
+              <a:gs pos="100000">
+                <a:srgbClr val="02B3E4"/>
+              </a:gs>
+            </a:gsLst>
+            <a:lin ang="5400000" scaled="1"/>
+          </a:gradFill>
+          <a:ln w="12700" cap="flat">
+            <a:noFill/>
+            <a:miter lim="400000"/>
+          </a:ln>
+          <a:effectLst/>
+          <a:sp3d/>
+        </p:spPr>
+        <p:style>
+          <a:lnRef idx="0">
+            <a:scrgbClr r="0" g="0" b="0"/>
+          </a:lnRef>
+          <a:fillRef idx="0">
+            <a:scrgbClr r="0" g="0" b="0"/>
+          </a:fillRef>
+          <a:effectRef idx="0">
+            <a:scrgbClr r="0" g="0" b="0"/>
+          </a:effectRef>
+          <a:fontRef idx="none"/>
+        </p:style>
+        <p:txBody>
+          <a:bodyPr rot="0" spcFirstLastPara="1" vertOverflow="overflow" horzOverflow="overflow" vert="horz" wrap="square" lIns="58043" tIns="58043" rIns="58043" bIns="58043" numCol="1" spcCol="38100" rtlCol="0" anchor="ctr">
+            <a:spAutoFit/>
+          </a:bodyPr>
+          <a:lstStyle/>
+          <a:p>
+            <a:pPr algn="ctr" defTabSz="667494" fontAlgn="auto" latinLnBrk="0" hangingPunct="0">
+              <a:lnSpc>
+                <a:spcPct val="100000"/>
+              </a:lnSpc>
+              <a:spcBef>
+                <a:spcPts val="0"/>
+              </a:spcBef>
+              <a:spcAft>
+                <a:spcPts val="0"/>
+              </a:spcAft>
+              <a:buNone/>
+              <a:defRPr/>
+            </a:pPr>
+            <a:endParaRPr kumimoji="0" lang="ko-KR" altLang="en-US" sz="2438" b="0" dirty="0">
+              <a:solidFill>
+                <a:srgbClr val="FFFFFF"/>
+              </a:solidFill>
+              <a:latin typeface="맑은 고딕" panose="020F0302020204030204"/>
+              <a:sym typeface="Helvetica Neue Medium"/>
+            </a:endParaRPr>
+          </a:p>
+        </p:txBody>
+      </p:sp>
+      <p:sp>
+        <p:nvSpPr>
+          <p:cNvPr id="13" name="TextBox 12">
+            <a:extLst>
+              <a:ext uri="{FF2B5EF4-FFF2-40B4-BE49-F238E27FC236}">
+                <a16:creationId xmlns:a16="http://schemas.microsoft.com/office/drawing/2014/main" id="{080826C4-F0F6-473D-970E-7A493A8897F2}"/>
+              </a:ext>
+            </a:extLst>
+          </p:cNvPr>
+          <p:cNvSpPr txBox="1"/>
+          <p:nvPr/>
+        </p:nvSpPr>
+        <p:spPr>
+          <a:xfrm>
+            <a:off x="463078" y="2477534"/>
+            <a:ext cx="9442922" cy="717384"/>
+          </a:xfrm>
+          <a:prstGeom prst="rect">
+            <a:avLst/>
+          </a:prstGeom>
+          <a:noFill/>
+          <a:ln w="12700" cap="flat">
+            <a:noFill/>
+            <a:miter lim="400000"/>
+          </a:ln>
+          <a:effectLst/>
+          <a:sp3d/>
+        </p:spPr>
+        <p:style>
+          <a:lnRef idx="0">
+            <a:scrgbClr r="0" g="0" b="0"/>
+          </a:lnRef>
+          <a:fillRef idx="0">
+            <a:scrgbClr r="0" g="0" b="0"/>
+          </a:fillRef>
+          <a:effectRef idx="0">
+            <a:scrgbClr r="0" g="0" b="0"/>
+          </a:effectRef>
+          <a:fontRef idx="none"/>
+        </p:style>
+        <p:txBody>
+          <a:bodyPr rot="0" spcFirstLastPara="1" vertOverflow="overflow" horzOverflow="overflow" vert="horz" wrap="square" lIns="58043" tIns="58043" rIns="58043" bIns="58043" numCol="1" spcCol="38100" rtlCol="0" anchor="ctr">
+            <a:spAutoFit/>
+          </a:bodyPr>
+          <a:lstStyle/>
+          <a:p>
+            <a:pPr defTabSz="667494" fontAlgn="auto" latinLnBrk="0" hangingPunct="0">
+              <a:lnSpc>
+                <a:spcPct val="100000"/>
+              </a:lnSpc>
+              <a:spcBef>
+                <a:spcPts val="0"/>
+              </a:spcBef>
+              <a:spcAft>
+                <a:spcPts val="0"/>
+              </a:spcAft>
+              <a:buNone/>
+              <a:defRPr/>
+            </a:pPr>
+            <a:r>
+              <a:rPr kumimoji="0" lang="ko-KR" altLang="en-US" sz="3900" spc="-122" dirty="0">
+                <a:ln w="5080">
+                  <a:solidFill>
+                    <a:prstClr val="white">
+                      <a:alpha val="40000"/>
+                    </a:prstClr>
+                  </a:solidFill>
+                </a:ln>
+                <a:solidFill>
+                  <a:prstClr val="white"/>
+                </a:solidFill>
+                <a:latin typeface="Gothic A1 SemiBold"/>
+                <a:sym typeface="Helvetica Neue"/>
+              </a:rPr>
+              <a:t>기초통계</a:t>
+            </a:r>
+            <a:r>
+              <a:rPr kumimoji="0" lang="en-US" altLang="ko-KR" sz="3900" spc="-122" dirty="0">
+                <a:ln w="5080">
+                  <a:solidFill>
+                    <a:prstClr val="white">
+                      <a:alpha val="40000"/>
+                    </a:prstClr>
+                  </a:solidFill>
+                </a:ln>
+                <a:solidFill>
+                  <a:prstClr val="white"/>
+                </a:solidFill>
+                <a:latin typeface="Gothic A1 SemiBold"/>
+                <a:sym typeface="Helvetica Neue"/>
+              </a:rPr>
+              <a:t> – </a:t>
+            </a:r>
+            <a:r>
+              <a:rPr kumimoji="0" lang="ko-KR" altLang="en-US" sz="3900" spc="-122" dirty="0" smtClean="0">
+                <a:ln w="5080">
+                  <a:solidFill>
+                    <a:prstClr val="white">
+                      <a:alpha val="40000"/>
+                    </a:prstClr>
+                  </a:solidFill>
+                </a:ln>
+                <a:solidFill>
+                  <a:prstClr val="white"/>
+                </a:solidFill>
+                <a:latin typeface="Gothic A1 SemiBold"/>
+                <a:sym typeface="Helvetica Neue"/>
+              </a:rPr>
+              <a:t>두 집단의 평균 비교 </a:t>
+            </a:r>
+            <a:r>
+              <a:rPr kumimoji="0" lang="en-US" altLang="ko-KR" sz="3900" spc="-122" dirty="0" smtClean="0">
+                <a:ln w="5080">
+                  <a:solidFill>
+                    <a:prstClr val="white">
+                      <a:alpha val="40000"/>
+                    </a:prstClr>
+                  </a:solidFill>
+                </a:ln>
+                <a:solidFill>
+                  <a:prstClr val="white"/>
+                </a:solidFill>
+                <a:latin typeface="Gothic A1 SemiBold"/>
+                <a:sym typeface="Helvetica Neue"/>
+              </a:rPr>
+              <a:t>(t-test</a:t>
+            </a:r>
+            <a:r>
+              <a:rPr kumimoji="0" lang="en-US" altLang="ko-KR" sz="3900" spc="-122" dirty="0">
+                <a:ln w="5080">
+                  <a:solidFill>
+                    <a:prstClr val="white">
+                      <a:alpha val="40000"/>
+                    </a:prstClr>
+                  </a:solidFill>
+                </a:ln>
+                <a:solidFill>
+                  <a:prstClr val="white"/>
+                </a:solidFill>
+                <a:latin typeface="Gothic A1 SemiBold"/>
+                <a:sym typeface="Helvetica Neue"/>
+              </a:rPr>
+              <a:t>)</a:t>
+            </a:r>
+            <a:endParaRPr kumimoji="0" lang="ko-KR" altLang="en-US" sz="3900" spc="-122" dirty="0">
+              <a:ln w="5080">
+                <a:solidFill>
+                  <a:prstClr val="white">
+                    <a:alpha val="40000"/>
+                  </a:prstClr>
+                </a:solidFill>
+              </a:ln>
+              <a:solidFill>
+                <a:prstClr val="white"/>
+              </a:solidFill>
+              <a:latin typeface="Gothic A1 SemiBold"/>
+              <a:sym typeface="Helvetica Neue"/>
+            </a:endParaRPr>
+          </a:p>
+        </p:txBody>
+      </p:sp>
+    </p:spTree>
+    <p:extLst>
+      <p:ext uri="{BB962C8B-B14F-4D97-AF65-F5344CB8AC3E}">
+        <p14:creationId xmlns:p14="http://schemas.microsoft.com/office/powerpoint/2010/main" val="3505763662"/>
+      </p:ext>
+    </p:extLst>
+  </p:cSld>
+  <p:clrMapOvr>
+    <a:masterClrMapping/>
+  </p:clrMapOvr>
+</p:sld>
+</file>
+
+<file path=ppt/slides/slide7.xml><?xml version="1.0" encoding="utf-8"?>
+<p:sld xmlns:a="http://schemas.openxmlformats.org/drawingml/2006/main" xmlns:r="http://schemas.openxmlformats.org/officeDocument/2006/relationships" xmlns:p="http://schemas.openxmlformats.org/presentationml/2006/main">
+  <p:cSld>
+    <p:spTree>
+      <p:nvGrpSpPr>
+        <p:cNvPr id="1" name=""/>
+        <p:cNvGrpSpPr/>
+        <p:nvPr/>
+      </p:nvGrpSpPr>
+      <p:grpSpPr>
+        <a:xfrm>
+          <a:off x="0" y="0"/>
+          <a:ext cx="0" cy="0"/>
+          <a:chOff x="0" y="0"/>
+          <a:chExt cx="0" cy="0"/>
+        </a:xfrm>
+      </p:grpSpPr>
+      <p:sp>
+        <p:nvSpPr>
+          <p:cNvPr id="7" name="TextBox 6">
+            <a:extLst>
+              <a:ext uri="{FF2B5EF4-FFF2-40B4-BE49-F238E27FC236}">
+                <a16:creationId xmlns:a16="http://schemas.microsoft.com/office/drawing/2014/main" id="{950E22D6-7D3C-044D-844A-0EF328822ACD}"/>
+              </a:ext>
+            </a:extLst>
+          </p:cNvPr>
+          <p:cNvSpPr txBox="1"/>
+          <p:nvPr/>
+        </p:nvSpPr>
+        <p:spPr>
+          <a:xfrm>
+            <a:off x="850403" y="1009319"/>
+            <a:ext cx="8822122" cy="2850011"/>
+          </a:xfrm>
+          <a:prstGeom prst="rect">
+            <a:avLst/>
+          </a:prstGeom>
+          <a:noFill/>
+        </p:spPr>
+        <p:txBody>
+          <a:bodyPr wrap="square" rtlCol="0">
+            <a:spAutoFit/>
+          </a:bodyPr>
+          <a:lstStyle/>
+          <a:p>
+            <a:pPr marL="285750" indent="-285750">
+              <a:lnSpc>
+                <a:spcPct val="200000"/>
+              </a:lnSpc>
+              <a:buFont typeface="Courier New" panose="02070309020205020404" pitchFamily="49" charset="0"/>
+              <a:buChar char="o"/>
+            </a:pPr>
+            <a:r>
+              <a:rPr lang="ko-KR" altLang="en-US" sz="1600" dirty="0" smtClean="0"/>
+              <a:t>단일 표본 </a:t>
+            </a:r>
+            <a:r>
+              <a:rPr lang="en-US" altLang="ko-KR" sz="1600" dirty="0" smtClean="0"/>
+              <a:t>T-Test</a:t>
+            </a:r>
+          </a:p>
+          <a:p>
+            <a:pPr marL="742950" lvl="1" indent="-285750">
+              <a:lnSpc>
+                <a:spcPct val="200000"/>
+              </a:lnSpc>
+              <a:buFont typeface="Wingdings" panose="05000000000000000000" pitchFamily="2" charset="2"/>
+              <a:buChar char="ü"/>
+            </a:pPr>
+            <a:r>
+              <a:rPr lang="ko-KR" altLang="en-US" sz="1600" dirty="0" smtClean="0"/>
+              <a:t>차이가 있는가</a:t>
+            </a:r>
+            <a:r>
+              <a:rPr lang="en-US" altLang="ko-KR" sz="1600" dirty="0" smtClean="0"/>
+              <a:t>? (</a:t>
+            </a:r>
+            <a:r>
+              <a:rPr lang="ko-KR" altLang="en-US" sz="1600" dirty="0" smtClean="0"/>
+              <a:t>모집단 </a:t>
+            </a:r>
+            <a:r>
+              <a:rPr lang="en-US" altLang="ko-KR" sz="1600" dirty="0" smtClean="0"/>
+              <a:t>vs </a:t>
+            </a:r>
+            <a:r>
+              <a:rPr lang="ko-KR" altLang="en-US" sz="1600" dirty="0" smtClean="0"/>
+              <a:t>표본</a:t>
+            </a:r>
+            <a:r>
+              <a:rPr lang="en-US" altLang="ko-KR" sz="1600" dirty="0" smtClean="0"/>
+              <a:t>)</a:t>
+            </a:r>
+          </a:p>
+          <a:p>
+            <a:pPr marL="285750" lvl="0" indent="-285750">
+              <a:lnSpc>
+                <a:spcPct val="200000"/>
+              </a:lnSpc>
+              <a:buFont typeface="Courier New" panose="02070309020205020404" pitchFamily="49" charset="0"/>
+              <a:buChar char="o"/>
+            </a:pPr>
+            <a:r>
+              <a:rPr lang="ko-KR" altLang="en-US" sz="1600" dirty="0" smtClean="0">
+                <a:solidFill>
+                  <a:srgbClr val="000000"/>
+                </a:solidFill>
+              </a:rPr>
+              <a:t>두개 </a:t>
+            </a:r>
+            <a:r>
+              <a:rPr lang="ko-KR" altLang="en-US" sz="1600" dirty="0">
+                <a:solidFill>
+                  <a:srgbClr val="000000"/>
+                </a:solidFill>
+              </a:rPr>
+              <a:t>표본 </a:t>
+            </a:r>
+            <a:r>
+              <a:rPr lang="en-US" altLang="ko-KR" sz="1600" dirty="0" smtClean="0">
+                <a:solidFill>
+                  <a:srgbClr val="000000"/>
+                </a:solidFill>
+              </a:rPr>
+              <a:t>T-Test</a:t>
+            </a:r>
+          </a:p>
+          <a:p>
+            <a:pPr marL="742950" lvl="1" indent="-285750">
+              <a:lnSpc>
+                <a:spcPct val="200000"/>
+              </a:lnSpc>
+              <a:buFont typeface="Wingdings" panose="05000000000000000000" pitchFamily="2" charset="2"/>
+              <a:buChar char="ü"/>
+            </a:pPr>
+            <a:r>
+              <a:rPr lang="ko-KR" altLang="en-US" sz="1600" dirty="0" err="1" smtClean="0">
+                <a:solidFill>
+                  <a:srgbClr val="000000"/>
+                </a:solidFill>
+              </a:rPr>
+              <a:t>대응표본</a:t>
+            </a:r>
+            <a:r>
+              <a:rPr lang="en-US" altLang="ko-KR" sz="1600" dirty="0">
+                <a:solidFill>
+                  <a:srgbClr val="000000"/>
+                </a:solidFill>
+              </a:rPr>
+              <a:t> </a:t>
+            </a:r>
+            <a:r>
+              <a:rPr lang="ko-KR" altLang="en-US" sz="1600" dirty="0" smtClean="0">
+                <a:solidFill>
+                  <a:srgbClr val="000000"/>
+                </a:solidFill>
+              </a:rPr>
+              <a:t>예시</a:t>
+            </a:r>
+            <a:r>
+              <a:rPr lang="en-US" altLang="ko-KR" sz="1600" dirty="0" smtClean="0">
+                <a:solidFill>
+                  <a:srgbClr val="000000"/>
+                </a:solidFill>
+              </a:rPr>
+              <a:t>: </a:t>
+            </a:r>
+            <a:r>
+              <a:rPr lang="ko-KR" altLang="en-US" sz="1600" dirty="0" smtClean="0">
+                <a:solidFill>
+                  <a:srgbClr val="000000"/>
+                </a:solidFill>
+              </a:rPr>
+              <a:t>신약 개발 실험 </a:t>
+            </a:r>
+            <a:r>
+              <a:rPr lang="en-US" altLang="ko-KR" sz="1600" dirty="0" smtClean="0">
+                <a:solidFill>
+                  <a:srgbClr val="000000"/>
+                </a:solidFill>
+              </a:rPr>
+              <a:t>(</a:t>
+            </a:r>
+            <a:r>
+              <a:rPr lang="ko-KR" altLang="en-US" sz="1600" dirty="0" smtClean="0">
+                <a:solidFill>
+                  <a:srgbClr val="000000"/>
+                </a:solidFill>
+              </a:rPr>
+              <a:t>사전 테스트 </a:t>
+            </a:r>
+            <a:r>
+              <a:rPr lang="en-US" altLang="ko-KR" sz="1600" dirty="0" smtClean="0">
+                <a:solidFill>
+                  <a:srgbClr val="000000"/>
+                </a:solidFill>
+              </a:rPr>
+              <a:t>+ </a:t>
+            </a:r>
+            <a:r>
+              <a:rPr lang="ko-KR" altLang="en-US" sz="1600" dirty="0" smtClean="0">
+                <a:solidFill>
+                  <a:srgbClr val="000000"/>
+                </a:solidFill>
+              </a:rPr>
+              <a:t>사후 테스트</a:t>
+            </a:r>
+            <a:r>
+              <a:rPr lang="en-US" altLang="ko-KR" sz="1600" dirty="0" smtClean="0">
+                <a:solidFill>
+                  <a:srgbClr val="000000"/>
+                </a:solidFill>
+              </a:rPr>
+              <a:t>)</a:t>
+            </a:r>
+          </a:p>
+          <a:p>
+            <a:pPr marL="742950" lvl="1" indent="-285750">
+              <a:lnSpc>
+                <a:spcPct val="200000"/>
+              </a:lnSpc>
+              <a:buFont typeface="Wingdings" panose="05000000000000000000" pitchFamily="2" charset="2"/>
+              <a:buChar char="ü"/>
+            </a:pPr>
+            <a:r>
+              <a:rPr lang="ko-KR" altLang="en-US" sz="1600" dirty="0" err="1" smtClean="0">
+                <a:solidFill>
+                  <a:srgbClr val="000000"/>
+                </a:solidFill>
+              </a:rPr>
+              <a:t>독립표본</a:t>
+            </a:r>
+            <a:r>
+              <a:rPr lang="ko-KR" altLang="en-US" sz="1600" dirty="0" smtClean="0">
+                <a:solidFill>
+                  <a:srgbClr val="000000"/>
+                </a:solidFill>
+              </a:rPr>
+              <a:t> 예시</a:t>
+            </a:r>
+            <a:r>
+              <a:rPr lang="en-US" altLang="ko-KR" sz="1600" dirty="0" smtClean="0">
+                <a:solidFill>
+                  <a:srgbClr val="000000"/>
+                </a:solidFill>
+              </a:rPr>
+              <a:t>: </a:t>
+            </a:r>
+            <a:r>
+              <a:rPr lang="ko-KR" altLang="en-US" sz="1600" dirty="0" smtClean="0">
+                <a:solidFill>
+                  <a:srgbClr val="000000"/>
+                </a:solidFill>
+              </a:rPr>
+              <a:t>남자와 여자의 몸무게 비교</a:t>
+            </a:r>
+            <a:endParaRPr lang="en-US" altLang="ko-KR" sz="1600" dirty="0">
+              <a:solidFill>
+                <a:srgbClr val="000000"/>
+              </a:solidFill>
+            </a:endParaRPr>
+          </a:p>
+        </p:txBody>
+      </p:sp>
+      <p:sp>
+        <p:nvSpPr>
+          <p:cNvPr id="5" name="TextBox 4">
+            <a:extLst>
+              <a:ext uri="{FF2B5EF4-FFF2-40B4-BE49-F238E27FC236}">
+                <a16:creationId xmlns:a16="http://schemas.microsoft.com/office/drawing/2014/main" id="{1222C5BD-354A-B546-981C-AF3407B6864D}"/>
+              </a:ext>
+            </a:extLst>
+          </p:cNvPr>
+          <p:cNvSpPr txBox="1">
+            <a:spLocks noChangeArrowheads="1"/>
+          </p:cNvSpPr>
+          <p:nvPr/>
+        </p:nvSpPr>
+        <p:spPr bwMode="auto">
+          <a:xfrm>
+            <a:off x="596516" y="152636"/>
+            <a:ext cx="9074150" cy="854080"/>
+          </a:xfrm>
+          <a:prstGeom prst="rect">
+            <a:avLst/>
+          </a:prstGeom>
+          <a:noFill/>
+          <a:ln>
+            <a:noFill/>
+          </a:ln>
+          <a:effectLst/>
+          <a:extLst>
+            <a:ext uri="{909E8E84-426E-40DD-AFC4-6F175D3DCCD1}">
+              <a14:hiddenFill xmlns:a14="http://schemas.microsoft.com/office/drawing/2010/main">
+                <a:solidFill>
+                  <a:schemeClr val="accent1"/>
+                </a:solidFill>
+              </a14:hiddenFill>
+            </a:ext>
+            <a:ext uri="{91240B29-F687-4F45-9708-019B960494DF}">
+              <a14:hiddenLine xmlns:a14="http://schemas.microsoft.com/office/drawing/2010/main" w="9525" algn="ctr">
+                <a:solidFill>
+                  <a:schemeClr val="tx1"/>
+                </a:solidFill>
+                <a:miter lim="800000"/>
+                <a:headEnd/>
+                <a:tailEnd/>
+              </a14:hiddenLine>
+            </a:ext>
+            <a:ext uri="{AF507438-7753-43E0-B8FC-AC1667EBCBE1}">
+              <a14:hiddenEffects xmlns:a14="http://schemas.microsoft.com/office/drawing/2010/main">
+                <a:effectLst>
+                  <a:outerShdw dist="35921" dir="2700000" algn="ctr" rotWithShape="0">
+                    <a:schemeClr val="bg2"/>
+                  </a:outerShdw>
+                </a:effectLst>
+              </a14:hiddenEffects>
+            </a:ext>
+          </a:extLst>
+        </p:spPr>
+        <p:txBody>
+          <a:bodyPr>
+            <a:spAutoFit/>
+          </a:bodyPr>
+          <a:lstStyle>
+            <a:lvl1pPr marL="261938" indent="-261938" eaLnBrk="0" hangingPunct="0">
+              <a:defRPr kumimoji="1" sz="1400" b="1">
+                <a:solidFill>
+                  <a:schemeClr val="tx1"/>
+                </a:solidFill>
+                <a:latin typeface="맑은 고딕" pitchFamily="50" charset="-127"/>
+                <a:ea typeface="맑은 고딕" pitchFamily="50" charset="-127"/>
+              </a:defRPr>
+            </a:lvl1pPr>
+            <a:lvl2pPr marL="441325" indent="-177800" eaLnBrk="0" hangingPunct="0">
+              <a:defRPr kumimoji="1" sz="1400" b="1">
+                <a:solidFill>
+                  <a:schemeClr val="tx1"/>
+                </a:solidFill>
+                <a:latin typeface="맑은 고딕" pitchFamily="50" charset="-127"/>
+                <a:ea typeface="맑은 고딕" pitchFamily="50" charset="-127"/>
+              </a:defRPr>
+            </a:lvl2pPr>
+            <a:lvl3pPr marL="603250" indent="-160338" eaLnBrk="0" hangingPunct="0">
+              <a:defRPr kumimoji="1" sz="1400" b="1">
+                <a:solidFill>
+                  <a:schemeClr val="tx1"/>
+                </a:solidFill>
+                <a:latin typeface="맑은 고딕" pitchFamily="50" charset="-127"/>
+                <a:ea typeface="맑은 고딕" pitchFamily="50" charset="-127"/>
+              </a:defRPr>
+            </a:lvl3pPr>
+            <a:lvl4pPr marL="1600200" indent="-228600" eaLnBrk="0" hangingPunct="0">
+              <a:defRPr kumimoji="1" sz="1400" b="1">
+                <a:solidFill>
+                  <a:schemeClr val="tx1"/>
+                </a:solidFill>
+                <a:latin typeface="맑은 고딕" pitchFamily="50" charset="-127"/>
+                <a:ea typeface="맑은 고딕" pitchFamily="50" charset="-127"/>
+              </a:defRPr>
+            </a:lvl4pPr>
+            <a:lvl5pPr marL="2057400" indent="-228600" eaLnBrk="0" hangingPunct="0">
+              <a:defRPr kumimoji="1" sz="1400" b="1">
+                <a:solidFill>
+                  <a:schemeClr val="tx1"/>
+                </a:solidFill>
+                <a:latin typeface="맑은 고딕" pitchFamily="50" charset="-127"/>
+                <a:ea typeface="맑은 고딕" pitchFamily="50" charset="-127"/>
+              </a:defRPr>
+            </a:lvl5pPr>
+            <a:lvl6pPr marL="2514600" indent="-228600" eaLnBrk="0" fontAlgn="base" hangingPunct="0">
+              <a:lnSpc>
+                <a:spcPct val="120000"/>
+              </a:lnSpc>
+              <a:spcBef>
+                <a:spcPct val="30000"/>
+              </a:spcBef>
+              <a:spcAft>
+                <a:spcPct val="0"/>
+              </a:spcAft>
+              <a:buChar char="•"/>
+              <a:defRPr kumimoji="1" sz="1400" b="1">
+                <a:solidFill>
+                  <a:schemeClr val="tx1"/>
+                </a:solidFill>
+                <a:latin typeface="맑은 고딕" pitchFamily="50" charset="-127"/>
+                <a:ea typeface="맑은 고딕" pitchFamily="50" charset="-127"/>
+              </a:defRPr>
+            </a:lvl6pPr>
+            <a:lvl7pPr marL="2971800" indent="-228600" eaLnBrk="0" fontAlgn="base" hangingPunct="0">
+              <a:lnSpc>
+                <a:spcPct val="120000"/>
+              </a:lnSpc>
+              <a:spcBef>
+                <a:spcPct val="30000"/>
+              </a:spcBef>
+              <a:spcAft>
+                <a:spcPct val="0"/>
+              </a:spcAft>
+              <a:buChar char="•"/>
+              <a:defRPr kumimoji="1" sz="1400" b="1">
+                <a:solidFill>
+                  <a:schemeClr val="tx1"/>
+                </a:solidFill>
+                <a:latin typeface="맑은 고딕" pitchFamily="50" charset="-127"/>
+                <a:ea typeface="맑은 고딕" pitchFamily="50" charset="-127"/>
+              </a:defRPr>
+            </a:lvl7pPr>
+            <a:lvl8pPr marL="3429000" indent="-228600" eaLnBrk="0" fontAlgn="base" hangingPunct="0">
+              <a:lnSpc>
+                <a:spcPct val="120000"/>
+              </a:lnSpc>
+              <a:spcBef>
+                <a:spcPct val="30000"/>
+              </a:spcBef>
+              <a:spcAft>
+                <a:spcPct val="0"/>
+              </a:spcAft>
+              <a:buChar char="•"/>
+              <a:defRPr kumimoji="1" sz="1400" b="1">
+                <a:solidFill>
+                  <a:schemeClr val="tx1"/>
+                </a:solidFill>
+                <a:latin typeface="맑은 고딕" pitchFamily="50" charset="-127"/>
+                <a:ea typeface="맑은 고딕" pitchFamily="50" charset="-127"/>
+              </a:defRPr>
+            </a:lvl8pPr>
+            <a:lvl9pPr marL="3886200" indent="-228600" eaLnBrk="0" fontAlgn="base" hangingPunct="0">
+              <a:lnSpc>
+                <a:spcPct val="120000"/>
+              </a:lnSpc>
+              <a:spcBef>
+                <a:spcPct val="30000"/>
+              </a:spcBef>
+              <a:spcAft>
+                <a:spcPct val="0"/>
+              </a:spcAft>
+              <a:buChar char="•"/>
+              <a:defRPr kumimoji="1" sz="1400" b="1">
+                <a:solidFill>
+                  <a:schemeClr val="tx1"/>
+                </a:solidFill>
+                <a:latin typeface="맑은 고딕" pitchFamily="50" charset="-127"/>
+                <a:ea typeface="맑은 고딕" pitchFamily="50" charset="-127"/>
+              </a:defRPr>
+            </a:lvl9pPr>
+          </a:lstStyle>
+          <a:p>
+            <a:pPr marL="0" indent="0" eaLnBrk="1" hangingPunct="1">
+              <a:lnSpc>
+                <a:spcPct val="250000"/>
+              </a:lnSpc>
+              <a:buNone/>
+            </a:pPr>
+            <a:r>
+              <a:rPr lang="ko-KR" altLang="en-US" sz="2400" b="0" dirty="0"/>
+              <a:t>❑ </a:t>
+            </a:r>
+            <a:r>
+              <a:rPr lang="ko-KR" altLang="en-US" sz="2400" b="0" dirty="0" smtClean="0"/>
+              <a:t>두 평균의 비교 </a:t>
+            </a:r>
+            <a:r>
+              <a:rPr lang="en-US" altLang="ko-KR" sz="2400" b="0" dirty="0" smtClean="0"/>
+              <a:t>(</a:t>
+            </a:r>
+            <a:r>
+              <a:rPr lang="ko-KR" altLang="en-US" sz="2400" b="0" dirty="0" err="1" smtClean="0"/>
+              <a:t>대응표본</a:t>
+            </a:r>
+            <a:r>
+              <a:rPr lang="ko-KR" altLang="en-US" sz="2400" b="0" dirty="0" smtClean="0"/>
+              <a:t> </a:t>
+            </a:r>
+            <a:r>
+              <a:rPr lang="en-US" altLang="ko-KR" sz="2400" b="0" dirty="0" smtClean="0"/>
+              <a:t>vs </a:t>
+            </a:r>
+            <a:r>
+              <a:rPr lang="ko-KR" altLang="en-US" sz="2400" b="0" dirty="0" err="1" smtClean="0"/>
+              <a:t>독립표본</a:t>
+            </a:r>
+            <a:r>
+              <a:rPr lang="en-US" altLang="ko-KR" sz="2400" b="0" dirty="0" smtClean="0"/>
+              <a:t>)</a:t>
+            </a:r>
+            <a:endParaRPr lang="ko-KR" altLang="en-US" sz="1800" b="0" dirty="0"/>
+          </a:p>
+        </p:txBody>
+      </p:sp>
+      <p:pic>
+        <p:nvPicPr>
+          <p:cNvPr id="3" name="그림 2"/>
+          <p:cNvPicPr>
+            <a:picLocks noChangeAspect="1"/>
+          </p:cNvPicPr>
+          <p:nvPr/>
+        </p:nvPicPr>
+        <p:blipFill>
+          <a:blip r:embed="rId2"/>
+          <a:stretch>
+            <a:fillRect/>
+          </a:stretch>
+        </p:blipFill>
+        <p:spPr>
+          <a:xfrm>
+            <a:off x="6105128" y="4014045"/>
+            <a:ext cx="2898528" cy="1955803"/>
+          </a:xfrm>
+          <a:prstGeom prst="rect">
+            <a:avLst/>
+          </a:prstGeom>
+        </p:spPr>
+      </p:pic>
+      <p:pic>
+        <p:nvPicPr>
+          <p:cNvPr id="6" name="그림 5"/>
+          <p:cNvPicPr>
+            <a:picLocks noChangeAspect="1"/>
+          </p:cNvPicPr>
+          <p:nvPr/>
+        </p:nvPicPr>
+        <p:blipFill>
+          <a:blip r:embed="rId3"/>
+          <a:stretch>
+            <a:fillRect/>
+          </a:stretch>
+        </p:blipFill>
+        <p:spPr>
+          <a:xfrm>
+            <a:off x="1712529" y="3911827"/>
+            <a:ext cx="2675752" cy="2160240"/>
+          </a:xfrm>
+          <a:prstGeom prst="rect">
+            <a:avLst/>
+          </a:prstGeom>
+        </p:spPr>
+      </p:pic>
+    </p:spTree>
+    <p:extLst>
+      <p:ext uri="{BB962C8B-B14F-4D97-AF65-F5344CB8AC3E}">
+        <p14:creationId xmlns:p14="http://schemas.microsoft.com/office/powerpoint/2010/main" val="1336360051"/>
+      </p:ext>
+    </p:extLst>
+  </p:cSld>
+  <p:clrMapOvr>
+    <a:masterClrMapping/>
+  </p:clrMapOvr>
+</p:sld>
+</file>
+
+<file path=ppt/slides/slide8.xml><?xml version="1.0" encoding="utf-8"?>
+<p:sld xmlns:a="http://schemas.openxmlformats.org/drawingml/2006/main" xmlns:r="http://schemas.openxmlformats.org/officeDocument/2006/relationships" xmlns:p="http://schemas.openxmlformats.org/presentationml/2006/main">
+  <p:cSld>
+    <p:spTree>
+      <p:nvGrpSpPr>
+        <p:cNvPr id="1" name=""/>
+        <p:cNvGrpSpPr/>
+        <p:nvPr/>
+      </p:nvGrpSpPr>
+      <p:grpSpPr>
+        <a:xfrm>
+          <a:off x="0" y="0"/>
+          <a:ext cx="0" cy="0"/>
+          <a:chOff x="0" y="0"/>
+          <a:chExt cx="0" cy="0"/>
+        </a:xfrm>
+      </p:grpSpPr>
+      <p:sp>
+        <p:nvSpPr>
+          <p:cNvPr id="5" name="TextBox 4">
+            <a:extLst>
+              <a:ext uri="{FF2B5EF4-FFF2-40B4-BE49-F238E27FC236}">
+                <a16:creationId xmlns:a16="http://schemas.microsoft.com/office/drawing/2014/main" id="{1222C5BD-354A-B546-981C-AF3407B6864D}"/>
+              </a:ext>
+            </a:extLst>
+          </p:cNvPr>
+          <p:cNvSpPr txBox="1">
+            <a:spLocks noChangeArrowheads="1"/>
+          </p:cNvSpPr>
+          <p:nvPr/>
+        </p:nvSpPr>
+        <p:spPr bwMode="auto">
+          <a:xfrm>
+            <a:off x="596516" y="152636"/>
+            <a:ext cx="9074150" cy="854080"/>
+          </a:xfrm>
+          <a:prstGeom prst="rect">
+            <a:avLst/>
+          </a:prstGeom>
+          <a:noFill/>
+          <a:ln>
+            <a:noFill/>
+          </a:ln>
+          <a:effectLst/>
+          <a:extLst>
+            <a:ext uri="{909E8E84-426E-40DD-AFC4-6F175D3DCCD1}">
+              <a14:hiddenFill xmlns:a14="http://schemas.microsoft.com/office/drawing/2010/main">
+                <a:solidFill>
+                  <a:schemeClr val="accent1"/>
+                </a:solidFill>
+              </a14:hiddenFill>
+            </a:ext>
+            <a:ext uri="{91240B29-F687-4F45-9708-019B960494DF}">
+              <a14:hiddenLine xmlns:a14="http://schemas.microsoft.com/office/drawing/2010/main" w="9525" algn="ctr">
+                <a:solidFill>
+                  <a:schemeClr val="tx1"/>
+                </a:solidFill>
+                <a:miter lim="800000"/>
+                <a:headEnd/>
+                <a:tailEnd/>
+              </a14:hiddenLine>
+            </a:ext>
+            <a:ext uri="{AF507438-7753-43E0-B8FC-AC1667EBCBE1}">
+              <a14:hiddenEffects xmlns:a14="http://schemas.microsoft.com/office/drawing/2010/main">
+                <a:effectLst>
+                  <a:outerShdw dist="35921" dir="2700000" algn="ctr" rotWithShape="0">
+                    <a:schemeClr val="bg2"/>
+                  </a:outerShdw>
+                </a:effectLst>
+              </a14:hiddenEffects>
+            </a:ext>
+          </a:extLst>
+        </p:spPr>
+        <p:txBody>
+          <a:bodyPr>
+            <a:spAutoFit/>
+          </a:bodyPr>
+          <a:lstStyle>
+            <a:lvl1pPr marL="261938" indent="-261938" eaLnBrk="0" hangingPunct="0">
+              <a:defRPr kumimoji="1" sz="1400" b="1">
+                <a:solidFill>
+                  <a:schemeClr val="tx1"/>
+                </a:solidFill>
+                <a:latin typeface="맑은 고딕" pitchFamily="50" charset="-127"/>
+                <a:ea typeface="맑은 고딕" pitchFamily="50" charset="-127"/>
+              </a:defRPr>
+            </a:lvl1pPr>
+            <a:lvl2pPr marL="441325" indent="-177800" eaLnBrk="0" hangingPunct="0">
+              <a:defRPr kumimoji="1" sz="1400" b="1">
+                <a:solidFill>
+                  <a:schemeClr val="tx1"/>
+                </a:solidFill>
+                <a:latin typeface="맑은 고딕" pitchFamily="50" charset="-127"/>
+                <a:ea typeface="맑은 고딕" pitchFamily="50" charset="-127"/>
+              </a:defRPr>
+            </a:lvl2pPr>
+            <a:lvl3pPr marL="603250" indent="-160338" eaLnBrk="0" hangingPunct="0">
+              <a:defRPr kumimoji="1" sz="1400" b="1">
+                <a:solidFill>
+                  <a:schemeClr val="tx1"/>
+                </a:solidFill>
+                <a:latin typeface="맑은 고딕" pitchFamily="50" charset="-127"/>
+                <a:ea typeface="맑은 고딕" pitchFamily="50" charset="-127"/>
+              </a:defRPr>
+            </a:lvl3pPr>
+            <a:lvl4pPr marL="1600200" indent="-228600" eaLnBrk="0" hangingPunct="0">
+              <a:defRPr kumimoji="1" sz="1400" b="1">
+                <a:solidFill>
+                  <a:schemeClr val="tx1"/>
+                </a:solidFill>
+                <a:latin typeface="맑은 고딕" pitchFamily="50" charset="-127"/>
+                <a:ea typeface="맑은 고딕" pitchFamily="50" charset="-127"/>
+              </a:defRPr>
+            </a:lvl4pPr>
+            <a:lvl5pPr marL="2057400" indent="-228600" eaLnBrk="0" hangingPunct="0">
+              <a:defRPr kumimoji="1" sz="1400" b="1">
+                <a:solidFill>
+                  <a:schemeClr val="tx1"/>
+                </a:solidFill>
+                <a:latin typeface="맑은 고딕" pitchFamily="50" charset="-127"/>
+                <a:ea typeface="맑은 고딕" pitchFamily="50" charset="-127"/>
+              </a:defRPr>
+            </a:lvl5pPr>
+            <a:lvl6pPr marL="2514600" indent="-228600" eaLnBrk="0" fontAlgn="base" hangingPunct="0">
+              <a:lnSpc>
+                <a:spcPct val="120000"/>
+              </a:lnSpc>
+              <a:spcBef>
+                <a:spcPct val="30000"/>
+              </a:spcBef>
+              <a:spcAft>
+                <a:spcPct val="0"/>
+              </a:spcAft>
+              <a:buChar char="•"/>
+              <a:defRPr kumimoji="1" sz="1400" b="1">
+                <a:solidFill>
+                  <a:schemeClr val="tx1"/>
+                </a:solidFill>
+                <a:latin typeface="맑은 고딕" pitchFamily="50" charset="-127"/>
+                <a:ea typeface="맑은 고딕" pitchFamily="50" charset="-127"/>
+              </a:defRPr>
+            </a:lvl6pPr>
+            <a:lvl7pPr marL="2971800" indent="-228600" eaLnBrk="0" fontAlgn="base" hangingPunct="0">
+              <a:lnSpc>
+                <a:spcPct val="120000"/>
+              </a:lnSpc>
+              <a:spcBef>
+                <a:spcPct val="30000"/>
+              </a:spcBef>
+              <a:spcAft>
+                <a:spcPct val="0"/>
+              </a:spcAft>
+              <a:buChar char="•"/>
+              <a:defRPr kumimoji="1" sz="1400" b="1">
+                <a:solidFill>
+                  <a:schemeClr val="tx1"/>
+                </a:solidFill>
+                <a:latin typeface="맑은 고딕" pitchFamily="50" charset="-127"/>
+                <a:ea typeface="맑은 고딕" pitchFamily="50" charset="-127"/>
+              </a:defRPr>
+            </a:lvl7pPr>
+            <a:lvl8pPr marL="3429000" indent="-228600" eaLnBrk="0" fontAlgn="base" hangingPunct="0">
+              <a:lnSpc>
+                <a:spcPct val="120000"/>
+              </a:lnSpc>
+              <a:spcBef>
+                <a:spcPct val="30000"/>
+              </a:spcBef>
+              <a:spcAft>
+                <a:spcPct val="0"/>
+              </a:spcAft>
+              <a:buChar char="•"/>
+              <a:defRPr kumimoji="1" sz="1400" b="1">
+                <a:solidFill>
+                  <a:schemeClr val="tx1"/>
+                </a:solidFill>
+                <a:latin typeface="맑은 고딕" pitchFamily="50" charset="-127"/>
+                <a:ea typeface="맑은 고딕" pitchFamily="50" charset="-127"/>
+              </a:defRPr>
+            </a:lvl8pPr>
+            <a:lvl9pPr marL="3886200" indent="-228600" eaLnBrk="0" fontAlgn="base" hangingPunct="0">
+              <a:lnSpc>
+                <a:spcPct val="120000"/>
+              </a:lnSpc>
+              <a:spcBef>
+                <a:spcPct val="30000"/>
+              </a:spcBef>
+              <a:spcAft>
+                <a:spcPct val="0"/>
+              </a:spcAft>
+              <a:buChar char="•"/>
+              <a:defRPr kumimoji="1" sz="1400" b="1">
+                <a:solidFill>
+                  <a:schemeClr val="tx1"/>
+                </a:solidFill>
+                <a:latin typeface="맑은 고딕" pitchFamily="50" charset="-127"/>
+                <a:ea typeface="맑은 고딕" pitchFamily="50" charset="-127"/>
+              </a:defRPr>
+            </a:lvl9pPr>
+          </a:lstStyle>
+          <a:p>
+            <a:pPr marL="0" indent="0" eaLnBrk="1" hangingPunct="1">
+              <a:lnSpc>
+                <a:spcPct val="250000"/>
+              </a:lnSpc>
+              <a:buNone/>
+            </a:pPr>
+            <a:r>
+              <a:rPr lang="ko-KR" altLang="en-US" sz="2400" b="0" dirty="0"/>
+              <a:t>❑ </a:t>
+            </a:r>
+            <a:r>
+              <a:rPr lang="ko-KR" altLang="en-US" sz="2400" b="0" dirty="0" smtClean="0"/>
+              <a:t>두 평균의 비교 </a:t>
+            </a:r>
+            <a:r>
+              <a:rPr lang="en-US" altLang="ko-KR" sz="2400" b="0" dirty="0" smtClean="0"/>
+              <a:t>(</a:t>
+            </a:r>
+            <a:r>
+              <a:rPr lang="ko-KR" altLang="en-US" sz="2400" b="0" dirty="0" err="1" smtClean="0"/>
+              <a:t>대응표본</a:t>
+            </a:r>
+            <a:r>
+              <a:rPr lang="ko-KR" altLang="en-US" sz="2400" b="0" dirty="0" smtClean="0"/>
+              <a:t> </a:t>
+            </a:r>
+            <a:r>
+              <a:rPr lang="en-US" altLang="ko-KR" sz="2400" b="0" dirty="0" smtClean="0"/>
+              <a:t>vs </a:t>
+            </a:r>
+            <a:r>
+              <a:rPr lang="ko-KR" altLang="en-US" sz="2400" b="0" dirty="0" err="1" smtClean="0"/>
+              <a:t>독립표본</a:t>
+            </a:r>
+            <a:r>
+              <a:rPr lang="en-US" altLang="ko-KR" sz="2400" b="0" dirty="0" smtClean="0"/>
+              <a:t>)</a:t>
+            </a:r>
+            <a:endParaRPr lang="ko-KR" altLang="en-US" sz="1800" b="0" dirty="0"/>
+          </a:p>
+        </p:txBody>
+      </p:sp>
+      <p:pic>
+        <p:nvPicPr>
+          <p:cNvPr id="1026" name="Picture 2" descr="https://t1.daumcdn.net/cfile/tistory/990F48365EFDC6BC08"/>
+          <p:cNvPicPr>
+            <a:picLocks noChangeAspect="1" noChangeArrowheads="1"/>
+          </p:cNvPicPr>
+          <p:nvPr/>
+        </p:nvPicPr>
+        <p:blipFill>
+          <a:blip r:embed="rId2">
+            <a:extLst>
+              <a:ext uri="{28A0092B-C50C-407E-A947-70E740481C1C}">
+                <a14:useLocalDpi xmlns:a14="http://schemas.microsoft.com/office/drawing/2010/main" val="0"/>
+              </a:ext>
+            </a:extLst>
+          </a:blip>
+          <a:srcRect/>
+          <a:stretch>
+            <a:fillRect/>
+          </a:stretch>
+        </p:blipFill>
+        <p:spPr bwMode="auto">
+          <a:xfrm>
+            <a:off x="977801" y="1268760"/>
+            <a:ext cx="8311579" cy="4672955"/>
+          </a:xfrm>
+          <a:prstGeom prst="rect">
+            <a:avLst/>
+          </a:prstGeom>
+          <a:noFill/>
+          <a:extLst>
+            <a:ext uri="{909E8E84-426E-40DD-AFC4-6F175D3DCCD1}">
+              <a14:hiddenFill xmlns:a14="http://schemas.microsoft.com/office/drawing/2010/main">
+                <a:solidFill>
+                  <a:srgbClr val="FFFFFF"/>
+                </a:solidFill>
+              </a14:hiddenFill>
+            </a:ext>
+          </a:extLst>
+        </p:spPr>
+      </p:pic>
+      <p:sp>
+        <p:nvSpPr>
+          <p:cNvPr id="8" name="타원 7"/>
+          <p:cNvSpPr/>
+          <p:nvPr/>
+        </p:nvSpPr>
+        <p:spPr>
+          <a:xfrm>
+            <a:off x="1698785" y="4207233"/>
+            <a:ext cx="1260140" cy="792088"/>
+          </a:xfrm>
+          <a:prstGeom prst="ellipse">
+            <a:avLst/>
+          </a:prstGeom>
+          <a:noFill/>
+          <a:ln>
+            <a:solidFill>
+              <a:srgbClr val="FF0000"/>
+            </a:solidFill>
+          </a:ln>
+        </p:spPr>
+        <p:style>
+          <a:lnRef idx="2">
+            <a:schemeClr val="accent1">
+              <a:shade val="50000"/>
+            </a:schemeClr>
+          </a:lnRef>
+          <a:fillRef idx="1">
+            <a:schemeClr val="accent1"/>
+          </a:fillRef>
+          <a:effectRef idx="0">
+            <a:schemeClr val="accent1"/>
+          </a:effectRef>
+          <a:fontRef idx="minor">
+            <a:schemeClr val="lt1"/>
+          </a:fontRef>
+        </p:style>
+        <p:txBody>
+          <a:bodyPr rtlCol="0" anchor="ctr"/>
+          <a:lstStyle/>
+          <a:p>
+            <a:pPr algn="ctr"/>
+            <a:endParaRPr lang="ko-KR" altLang="en-US"/>
+          </a:p>
+        </p:txBody>
+      </p:sp>
+    </p:spTree>
+    <p:extLst>
+      <p:ext uri="{BB962C8B-B14F-4D97-AF65-F5344CB8AC3E}">
+        <p14:creationId xmlns:p14="http://schemas.microsoft.com/office/powerpoint/2010/main" val="3858212572"/>
+      </p:ext>
+    </p:extLst>
+  </p:cSld>
+  <p:clrMapOvr>
+    <a:masterClrMapping/>
+  </p:clrMapOvr>
+</p:sld>
+</file>
+
+<file path=ppt/slides/slide9.xml><?xml version="1.0" encoding="utf-8"?>
+<p:sld xmlns:a="http://schemas.openxmlformats.org/drawingml/2006/main" xmlns:r="http://schemas.openxmlformats.org/officeDocument/2006/relationships" xmlns:p="http://schemas.openxmlformats.org/presentationml/2006/main">
+  <p:cSld>
+    <p:spTree>
+      <p:nvGrpSpPr>
+        <p:cNvPr id="1" name=""/>
+        <p:cNvGrpSpPr/>
+        <p:nvPr/>
+      </p:nvGrpSpPr>
+      <p:grpSpPr>
+        <a:xfrm>
+          <a:off x="0" y="0"/>
+          <a:ext cx="0" cy="0"/>
+          <a:chOff x="0" y="0"/>
+          <a:chExt cx="0" cy="0"/>
+        </a:xfrm>
+      </p:grpSpPr>
+      <p:sp>
+        <p:nvSpPr>
+          <p:cNvPr id="5" name="TextBox 4">
+            <a:extLst>
+              <a:ext uri="{FF2B5EF4-FFF2-40B4-BE49-F238E27FC236}">
+                <a16:creationId xmlns:a16="http://schemas.microsoft.com/office/drawing/2014/main" id="{1222C5BD-354A-B546-981C-AF3407B6864D}"/>
+              </a:ext>
+            </a:extLst>
+          </p:cNvPr>
+          <p:cNvSpPr txBox="1">
+            <a:spLocks noChangeArrowheads="1"/>
+          </p:cNvSpPr>
+          <p:nvPr/>
+        </p:nvSpPr>
+        <p:spPr bwMode="auto">
+          <a:xfrm>
+            <a:off x="596516" y="152636"/>
+            <a:ext cx="9074150" cy="854080"/>
+          </a:xfrm>
+          <a:prstGeom prst="rect">
+            <a:avLst/>
+          </a:prstGeom>
+          <a:noFill/>
+          <a:ln>
+            <a:noFill/>
+          </a:ln>
+          <a:effectLst/>
+          <a:extLst>
+            <a:ext uri="{909E8E84-426E-40DD-AFC4-6F175D3DCCD1}">
+              <a14:hiddenFill xmlns:a14="http://schemas.microsoft.com/office/drawing/2010/main">
+                <a:solidFill>
+                  <a:schemeClr val="accent1"/>
+                </a:solidFill>
+              </a14:hiddenFill>
+            </a:ext>
+            <a:ext uri="{91240B29-F687-4F45-9708-019B960494DF}">
+              <a14:hiddenLine xmlns:a14="http://schemas.microsoft.com/office/drawing/2010/main" w="9525" algn="ctr">
+                <a:solidFill>
+                  <a:schemeClr val="tx1"/>
+                </a:solidFill>
+                <a:miter lim="800000"/>
+                <a:headEnd/>
+                <a:tailEnd/>
+              </a14:hiddenLine>
+            </a:ext>
+            <a:ext uri="{AF507438-7753-43E0-B8FC-AC1667EBCBE1}">
+              <a14:hiddenEffects xmlns:a14="http://schemas.microsoft.com/office/drawing/2010/main">
+                <a:effectLst>
+                  <a:outerShdw dist="35921" dir="2700000" algn="ctr" rotWithShape="0">
+                    <a:schemeClr val="bg2"/>
+                  </a:outerShdw>
+                </a:effectLst>
+              </a14:hiddenEffects>
+            </a:ext>
+          </a:extLst>
+        </p:spPr>
+        <p:txBody>
+          <a:bodyPr>
+            <a:spAutoFit/>
+          </a:bodyPr>
+          <a:lstStyle>
+            <a:lvl1pPr marL="261938" indent="-261938" eaLnBrk="0" hangingPunct="0">
+              <a:defRPr kumimoji="1" sz="1400" b="1">
+                <a:solidFill>
+                  <a:schemeClr val="tx1"/>
+                </a:solidFill>
+                <a:latin typeface="맑은 고딕" pitchFamily="50" charset="-127"/>
+                <a:ea typeface="맑은 고딕" pitchFamily="50" charset="-127"/>
+              </a:defRPr>
+            </a:lvl1pPr>
+            <a:lvl2pPr marL="441325" indent="-177800" eaLnBrk="0" hangingPunct="0">
+              <a:defRPr kumimoji="1" sz="1400" b="1">
+                <a:solidFill>
+                  <a:schemeClr val="tx1"/>
+                </a:solidFill>
+                <a:latin typeface="맑은 고딕" pitchFamily="50" charset="-127"/>
+                <a:ea typeface="맑은 고딕" pitchFamily="50" charset="-127"/>
+              </a:defRPr>
+            </a:lvl2pPr>
+            <a:lvl3pPr marL="603250" indent="-160338" eaLnBrk="0" hangingPunct="0">
+              <a:defRPr kumimoji="1" sz="1400" b="1">
+                <a:solidFill>
+                  <a:schemeClr val="tx1"/>
+                </a:solidFill>
+                <a:latin typeface="맑은 고딕" pitchFamily="50" charset="-127"/>
+                <a:ea typeface="맑은 고딕" pitchFamily="50" charset="-127"/>
+              </a:defRPr>
+            </a:lvl3pPr>
+            <a:lvl4pPr marL="1600200" indent="-228600" eaLnBrk="0" hangingPunct="0">
+              <a:defRPr kumimoji="1" sz="1400" b="1">
+                <a:solidFill>
+                  <a:schemeClr val="tx1"/>
+                </a:solidFill>
+                <a:latin typeface="맑은 고딕" pitchFamily="50" charset="-127"/>
+                <a:ea typeface="맑은 고딕" pitchFamily="50" charset="-127"/>
+              </a:defRPr>
+            </a:lvl4pPr>
+            <a:lvl5pPr marL="2057400" indent="-228600" eaLnBrk="0" hangingPunct="0">
+              <a:defRPr kumimoji="1" sz="1400" b="1">
+                <a:solidFill>
+                  <a:schemeClr val="tx1"/>
+                </a:solidFill>
+                <a:latin typeface="맑은 고딕" pitchFamily="50" charset="-127"/>
+                <a:ea typeface="맑은 고딕" pitchFamily="50" charset="-127"/>
+              </a:defRPr>
+            </a:lvl5pPr>
+            <a:lvl6pPr marL="2514600" indent="-228600" eaLnBrk="0" fontAlgn="base" hangingPunct="0">
+              <a:lnSpc>
+                <a:spcPct val="120000"/>
+              </a:lnSpc>
+              <a:spcBef>
+                <a:spcPct val="30000"/>
+              </a:spcBef>
+              <a:spcAft>
+                <a:spcPct val="0"/>
+              </a:spcAft>
+              <a:buChar char="•"/>
+              <a:defRPr kumimoji="1" sz="1400" b="1">
+                <a:solidFill>
+                  <a:schemeClr val="tx1"/>
+                </a:solidFill>
+                <a:latin typeface="맑은 고딕" pitchFamily="50" charset="-127"/>
+                <a:ea typeface="맑은 고딕" pitchFamily="50" charset="-127"/>
+              </a:defRPr>
+            </a:lvl6pPr>
+            <a:lvl7pPr marL="2971800" indent="-228600" eaLnBrk="0" fontAlgn="base" hangingPunct="0">
+              <a:lnSpc>
+                <a:spcPct val="120000"/>
+              </a:lnSpc>
+              <a:spcBef>
+                <a:spcPct val="30000"/>
+              </a:spcBef>
+              <a:spcAft>
+                <a:spcPct val="0"/>
+              </a:spcAft>
+              <a:buChar char="•"/>
+              <a:defRPr kumimoji="1" sz="1400" b="1">
+                <a:solidFill>
+                  <a:schemeClr val="tx1"/>
+                </a:solidFill>
+                <a:latin typeface="맑은 고딕" pitchFamily="50" charset="-127"/>
+                <a:ea typeface="맑은 고딕" pitchFamily="50" charset="-127"/>
+              </a:defRPr>
+            </a:lvl7pPr>
+            <a:lvl8pPr marL="3429000" indent="-228600" eaLnBrk="0" fontAlgn="base" hangingPunct="0">
+              <a:lnSpc>
+                <a:spcPct val="120000"/>
+              </a:lnSpc>
+              <a:spcBef>
+                <a:spcPct val="30000"/>
+              </a:spcBef>
+              <a:spcAft>
+                <a:spcPct val="0"/>
+              </a:spcAft>
+              <a:buChar char="•"/>
+              <a:defRPr kumimoji="1" sz="1400" b="1">
+                <a:solidFill>
+                  <a:schemeClr val="tx1"/>
+                </a:solidFill>
+                <a:latin typeface="맑은 고딕" pitchFamily="50" charset="-127"/>
+                <a:ea typeface="맑은 고딕" pitchFamily="50" charset="-127"/>
+              </a:defRPr>
+            </a:lvl8pPr>
+            <a:lvl9pPr marL="3886200" indent="-228600" eaLnBrk="0" fontAlgn="base" hangingPunct="0">
+              <a:lnSpc>
+                <a:spcPct val="120000"/>
+              </a:lnSpc>
+              <a:spcBef>
+                <a:spcPct val="30000"/>
+              </a:spcBef>
+              <a:spcAft>
+                <a:spcPct val="0"/>
+              </a:spcAft>
+              <a:buChar char="•"/>
+              <a:defRPr kumimoji="1" sz="1400" b="1">
+                <a:solidFill>
+                  <a:schemeClr val="tx1"/>
+                </a:solidFill>
+                <a:latin typeface="맑은 고딕" pitchFamily="50" charset="-127"/>
+                <a:ea typeface="맑은 고딕" pitchFamily="50" charset="-127"/>
+              </a:defRPr>
+            </a:lvl9pPr>
+          </a:lstStyle>
+          <a:p>
+            <a:pPr marL="0" indent="0" eaLnBrk="1" hangingPunct="1">
+              <a:lnSpc>
+                <a:spcPct val="250000"/>
+              </a:lnSpc>
+              <a:buNone/>
+            </a:pPr>
+            <a:r>
+              <a:rPr lang="ko-KR" altLang="en-US" sz="2400" b="0" dirty="0"/>
+              <a:t>❑ </a:t>
+            </a:r>
+            <a:r>
+              <a:rPr lang="ko-KR" altLang="en-US" sz="2400" b="0" dirty="0" smtClean="0"/>
+              <a:t>두 평균의 비교 </a:t>
+            </a:r>
+            <a:r>
+              <a:rPr lang="en-US" altLang="ko-KR" sz="2400" b="0" dirty="0" smtClean="0"/>
+              <a:t>(</a:t>
+            </a:r>
+            <a:r>
+              <a:rPr lang="ko-KR" altLang="en-US" sz="2400" b="0" dirty="0" err="1" smtClean="0"/>
+              <a:t>대응표본</a:t>
+            </a:r>
+            <a:r>
+              <a:rPr lang="ko-KR" altLang="en-US" sz="2400" b="0" dirty="0" smtClean="0"/>
+              <a:t> </a:t>
+            </a:r>
+            <a:r>
+              <a:rPr lang="en-US" altLang="ko-KR" sz="2400" b="0" dirty="0" smtClean="0"/>
+              <a:t>vs </a:t>
+            </a:r>
+            <a:r>
+              <a:rPr lang="ko-KR" altLang="en-US" sz="2400" b="0" dirty="0" err="1" smtClean="0"/>
+              <a:t>독립표본</a:t>
+            </a:r>
+            <a:r>
+              <a:rPr lang="en-US" altLang="ko-KR" sz="2400" b="0" dirty="0" smtClean="0"/>
+              <a:t>)</a:t>
+            </a:r>
+            <a:endParaRPr lang="ko-KR" altLang="en-US" sz="1800" b="0" dirty="0"/>
+          </a:p>
+        </p:txBody>
+      </p:sp>
+      <p:sp>
+        <p:nvSpPr>
+          <p:cNvPr id="4" name="TextBox 3">
+            <a:extLst>
+              <a:ext uri="{FF2B5EF4-FFF2-40B4-BE49-F238E27FC236}">
+                <a16:creationId xmlns:a16="http://schemas.microsoft.com/office/drawing/2014/main" id="{950E22D6-7D3C-044D-844A-0EF328822ACD}"/>
+              </a:ext>
+            </a:extLst>
+          </p:cNvPr>
+          <p:cNvSpPr txBox="1"/>
+          <p:nvPr/>
+        </p:nvSpPr>
+        <p:spPr>
+          <a:xfrm>
+            <a:off x="850403" y="1009319"/>
+            <a:ext cx="8822122" cy="2850011"/>
+          </a:xfrm>
+          <a:prstGeom prst="rect">
+            <a:avLst/>
+          </a:prstGeom>
+          <a:noFill/>
+        </p:spPr>
+        <p:txBody>
+          <a:bodyPr wrap="square" rtlCol="0">
+            <a:spAutoFit/>
+          </a:bodyPr>
+          <a:lstStyle/>
+          <a:p>
+            <a:pPr marL="285750" lvl="0" indent="-285750">
+              <a:lnSpc>
+                <a:spcPct val="200000"/>
+              </a:lnSpc>
+              <a:buFont typeface="Courier New" panose="02070309020205020404" pitchFamily="49" charset="0"/>
+              <a:buChar char="o"/>
+            </a:pPr>
+            <a:r>
+              <a:rPr lang="ko-KR" altLang="en-US" sz="1600" dirty="0" smtClean="0">
+                <a:solidFill>
+                  <a:srgbClr val="000000"/>
+                </a:solidFill>
+              </a:rPr>
+              <a:t>공통 검정 사항</a:t>
+            </a:r>
+            <a:endParaRPr lang="en-US" altLang="ko-KR" sz="1600" dirty="0" smtClean="0">
+              <a:solidFill>
+                <a:srgbClr val="000000"/>
+              </a:solidFill>
+            </a:endParaRPr>
+          </a:p>
+          <a:p>
+            <a:pPr marL="742950" lvl="1" indent="-285750">
+              <a:lnSpc>
+                <a:spcPct val="200000"/>
+              </a:lnSpc>
+              <a:buFont typeface="Wingdings" panose="05000000000000000000" pitchFamily="2" charset="2"/>
+              <a:buChar char="ü"/>
+            </a:pPr>
+            <a:r>
+              <a:rPr lang="ko-KR" altLang="en-US" sz="1600" dirty="0" smtClean="0">
+                <a:solidFill>
+                  <a:srgbClr val="000000"/>
+                </a:solidFill>
+              </a:rPr>
+              <a:t>정규성 검정 </a:t>
+            </a:r>
+            <a:r>
+              <a:rPr lang="en-US" altLang="ko-KR" sz="1600" dirty="0" smtClean="0">
+                <a:solidFill>
+                  <a:srgbClr val="000000"/>
+                </a:solidFill>
+              </a:rPr>
+              <a:t>: Shapiro-Wilk’s Test</a:t>
+            </a:r>
+            <a:endParaRPr lang="en-US" altLang="ko-KR" sz="1600" dirty="0" smtClean="0">
+              <a:solidFill>
+                <a:srgbClr val="000000"/>
+              </a:solidFill>
+            </a:endParaRPr>
+          </a:p>
+          <a:p>
+            <a:pPr marL="285750" lvl="0" indent="-285750">
+              <a:lnSpc>
+                <a:spcPct val="200000"/>
+              </a:lnSpc>
+              <a:buFont typeface="Courier New" panose="02070309020205020404" pitchFamily="49" charset="0"/>
+              <a:buChar char="o"/>
+            </a:pPr>
+            <a:r>
+              <a:rPr lang="ko-KR" altLang="en-US" sz="1600" dirty="0" smtClean="0">
+                <a:solidFill>
+                  <a:srgbClr val="000000"/>
+                </a:solidFill>
+              </a:rPr>
+              <a:t>두개 </a:t>
+            </a:r>
+            <a:r>
+              <a:rPr lang="ko-KR" altLang="en-US" sz="1600" dirty="0">
+                <a:solidFill>
+                  <a:srgbClr val="000000"/>
+                </a:solidFill>
+              </a:rPr>
+              <a:t>표본 </a:t>
+            </a:r>
+            <a:r>
+              <a:rPr lang="en-US" altLang="ko-KR" sz="1600" dirty="0" smtClean="0">
+                <a:solidFill>
+                  <a:srgbClr val="000000"/>
+                </a:solidFill>
+              </a:rPr>
+              <a:t>T-Test </a:t>
+            </a:r>
+            <a:r>
+              <a:rPr lang="ko-KR" altLang="en-US" sz="1600" dirty="0" smtClean="0">
+                <a:solidFill>
+                  <a:srgbClr val="000000"/>
+                </a:solidFill>
+              </a:rPr>
+              <a:t>실행 전</a:t>
+            </a:r>
+            <a:endParaRPr lang="en-US" altLang="ko-KR" sz="1600" dirty="0" smtClean="0">
+              <a:solidFill>
+                <a:srgbClr val="000000"/>
+              </a:solidFill>
+            </a:endParaRPr>
+          </a:p>
+          <a:p>
+            <a:pPr marL="742950" lvl="1" indent="-285750">
+              <a:lnSpc>
+                <a:spcPct val="200000"/>
+              </a:lnSpc>
+              <a:buFont typeface="Wingdings" panose="05000000000000000000" pitchFamily="2" charset="2"/>
+              <a:buChar char="ü"/>
+            </a:pPr>
+            <a:r>
+              <a:rPr lang="ko-KR" altLang="en-US" sz="1600" dirty="0" err="1" smtClean="0">
+                <a:solidFill>
+                  <a:srgbClr val="000000"/>
+                </a:solidFill>
+              </a:rPr>
+              <a:t>대응표본</a:t>
+            </a:r>
+            <a:r>
+              <a:rPr lang="en-US" altLang="ko-KR" sz="1600" dirty="0">
+                <a:solidFill>
+                  <a:srgbClr val="000000"/>
+                </a:solidFill>
+              </a:rPr>
+              <a:t> </a:t>
+            </a:r>
+            <a:r>
+              <a:rPr lang="en-US" altLang="ko-KR" sz="1600" dirty="0" smtClean="0">
+                <a:solidFill>
+                  <a:srgbClr val="000000"/>
+                </a:solidFill>
+              </a:rPr>
+              <a:t>: </a:t>
+            </a:r>
+            <a:r>
+              <a:rPr lang="ko-KR" altLang="en-US" sz="1600" dirty="0" err="1" smtClean="0">
+                <a:solidFill>
+                  <a:srgbClr val="000000"/>
+                </a:solidFill>
+              </a:rPr>
+              <a:t>등분산</a:t>
+            </a:r>
+            <a:r>
+              <a:rPr lang="ko-KR" altLang="en-US" sz="1600" dirty="0" smtClean="0">
+                <a:solidFill>
+                  <a:srgbClr val="000000"/>
+                </a:solidFill>
+              </a:rPr>
+              <a:t> 가정 고려 안함</a:t>
+            </a:r>
+            <a:endParaRPr lang="en-US" altLang="ko-KR" sz="1600" dirty="0" smtClean="0">
+              <a:solidFill>
+                <a:srgbClr val="000000"/>
+              </a:solidFill>
+            </a:endParaRPr>
+          </a:p>
+          <a:p>
+            <a:pPr marL="742950" lvl="1" indent="-285750">
+              <a:lnSpc>
+                <a:spcPct val="200000"/>
+              </a:lnSpc>
+              <a:buFont typeface="Wingdings" panose="05000000000000000000" pitchFamily="2" charset="2"/>
+              <a:buChar char="ü"/>
+            </a:pPr>
+            <a:r>
+              <a:rPr lang="ko-KR" altLang="en-US" sz="1600" dirty="0" err="1" smtClean="0">
+                <a:solidFill>
+                  <a:srgbClr val="000000"/>
+                </a:solidFill>
+              </a:rPr>
+              <a:t>독립표본</a:t>
+            </a:r>
+            <a:r>
+              <a:rPr lang="ko-KR" altLang="en-US" sz="1600" dirty="0" smtClean="0">
+                <a:solidFill>
+                  <a:srgbClr val="000000"/>
+                </a:solidFill>
+              </a:rPr>
+              <a:t> </a:t>
+            </a:r>
+            <a:r>
+              <a:rPr lang="en-US" altLang="ko-KR" sz="1600" dirty="0" smtClean="0">
+                <a:solidFill>
+                  <a:srgbClr val="000000"/>
+                </a:solidFill>
+              </a:rPr>
+              <a:t>: </a:t>
+            </a:r>
+            <a:r>
+              <a:rPr lang="ko-KR" altLang="en-US" sz="1600" dirty="0" err="1" smtClean="0">
+                <a:solidFill>
+                  <a:srgbClr val="000000"/>
+                </a:solidFill>
+              </a:rPr>
+              <a:t>등분산</a:t>
+            </a:r>
+            <a:r>
+              <a:rPr lang="ko-KR" altLang="en-US" sz="1600" dirty="0" smtClean="0">
+                <a:solidFill>
+                  <a:srgbClr val="000000"/>
+                </a:solidFill>
+              </a:rPr>
+              <a:t> 가정 고려 필수 </a:t>
+            </a:r>
+            <a:r>
+              <a:rPr lang="en-US" altLang="ko-KR" sz="1600" dirty="0" smtClean="0">
+                <a:solidFill>
+                  <a:srgbClr val="000000"/>
+                </a:solidFill>
+              </a:rPr>
+              <a:t>(Welch’s Test </a:t>
+            </a:r>
+            <a:r>
+              <a:rPr lang="ko-KR" altLang="en-US" sz="1600" dirty="0" smtClean="0">
+                <a:solidFill>
+                  <a:srgbClr val="000000"/>
+                </a:solidFill>
+              </a:rPr>
+              <a:t>반드시 진행</a:t>
+            </a:r>
+            <a:r>
+              <a:rPr lang="en-US" altLang="ko-KR" sz="1600" dirty="0" smtClean="0">
+                <a:solidFill>
+                  <a:srgbClr val="000000"/>
+                </a:solidFill>
+              </a:rPr>
+              <a:t>)</a:t>
+            </a:r>
+            <a:endParaRPr lang="en-US" altLang="ko-KR" sz="1600" dirty="0">
+              <a:solidFill>
+                <a:srgbClr val="000000"/>
+              </a:solidFill>
+            </a:endParaRPr>
+          </a:p>
+        </p:txBody>
+      </p:sp>
+    </p:spTree>
+    <p:extLst>
+      <p:ext uri="{BB962C8B-B14F-4D97-AF65-F5344CB8AC3E}">
+        <p14:creationId xmlns:p14="http://schemas.microsoft.com/office/powerpoint/2010/main" val="1270996260"/>
       </p:ext>
     </p:extLst>
   </p:cSld>
